--- a/v3/assets/map/Default.pptx
+++ b/v3/assets/map/Default.pptx
@@ -9,9 +9,8 @@
     <p:sldId id="258" r:id="rId6"/>
     <p:sldId id="261" r:id="rId7"/>
     <p:sldId id="263" r:id="rId8"/>
-    <p:sldId id="262" r:id="rId9"/>
-    <p:sldId id="260" r:id="rId10"/>
-    <p:sldId id="259" r:id="rId11"/>
+    <p:sldId id="260" r:id="rId9"/>
+    <p:sldId id="259" r:id="rId10"/>
   </p:sldIdLst>
   <p:sldSz cx="12192000" cy="6858000"/>
   <p:notesSz cx="6858000" cy="9144000"/>
@@ -273,7 +272,7 @@
           <a:p>
             <a:fld id="{0611EEEA-4CB2-4E23-92EA-4C425CE3DC79}" type="datetimeFigureOut">
               <a:rPr lang="en-US" smtClean="0"/>
-              <a:t>2/23/21</a:t>
+              <a:t>2/26/2021</a:t>
             </a:fld>
             <a:endParaRPr lang="en-US"/>
           </a:p>
@@ -471,7 +470,7 @@
           <a:p>
             <a:fld id="{0611EEEA-4CB2-4E23-92EA-4C425CE3DC79}" type="datetimeFigureOut">
               <a:rPr lang="en-US" smtClean="0"/>
-              <a:t>2/23/21</a:t>
+              <a:t>2/26/2021</a:t>
             </a:fld>
             <a:endParaRPr lang="en-US"/>
           </a:p>
@@ -679,7 +678,7 @@
           <a:p>
             <a:fld id="{0611EEEA-4CB2-4E23-92EA-4C425CE3DC79}" type="datetimeFigureOut">
               <a:rPr lang="en-US" smtClean="0"/>
-              <a:t>2/23/21</a:t>
+              <a:t>2/26/2021</a:t>
             </a:fld>
             <a:endParaRPr lang="en-US"/>
           </a:p>
@@ -877,7 +876,7 @@
           <a:p>
             <a:fld id="{0611EEEA-4CB2-4E23-92EA-4C425CE3DC79}" type="datetimeFigureOut">
               <a:rPr lang="en-US" smtClean="0"/>
-              <a:t>2/23/21</a:t>
+              <a:t>2/26/2021</a:t>
             </a:fld>
             <a:endParaRPr lang="en-US"/>
           </a:p>
@@ -1152,7 +1151,7 @@
           <a:p>
             <a:fld id="{0611EEEA-4CB2-4E23-92EA-4C425CE3DC79}" type="datetimeFigureOut">
               <a:rPr lang="en-US" smtClean="0"/>
-              <a:t>2/23/21</a:t>
+              <a:t>2/26/2021</a:t>
             </a:fld>
             <a:endParaRPr lang="en-US"/>
           </a:p>
@@ -1417,7 +1416,7 @@
           <a:p>
             <a:fld id="{0611EEEA-4CB2-4E23-92EA-4C425CE3DC79}" type="datetimeFigureOut">
               <a:rPr lang="en-US" smtClean="0"/>
-              <a:t>2/23/21</a:t>
+              <a:t>2/26/2021</a:t>
             </a:fld>
             <a:endParaRPr lang="en-US"/>
           </a:p>
@@ -1829,7 +1828,7 @@
           <a:p>
             <a:fld id="{0611EEEA-4CB2-4E23-92EA-4C425CE3DC79}" type="datetimeFigureOut">
               <a:rPr lang="en-US" smtClean="0"/>
-              <a:t>2/23/21</a:t>
+              <a:t>2/26/2021</a:t>
             </a:fld>
             <a:endParaRPr lang="en-US"/>
           </a:p>
@@ -1970,7 +1969,7 @@
           <a:p>
             <a:fld id="{0611EEEA-4CB2-4E23-92EA-4C425CE3DC79}" type="datetimeFigureOut">
               <a:rPr lang="en-US" smtClean="0"/>
-              <a:t>2/23/21</a:t>
+              <a:t>2/26/2021</a:t>
             </a:fld>
             <a:endParaRPr lang="en-US"/>
           </a:p>
@@ -2083,7 +2082,7 @@
           <a:p>
             <a:fld id="{0611EEEA-4CB2-4E23-92EA-4C425CE3DC79}" type="datetimeFigureOut">
               <a:rPr lang="en-US" smtClean="0"/>
-              <a:t>2/23/21</a:t>
+              <a:t>2/26/2021</a:t>
             </a:fld>
             <a:endParaRPr lang="en-US"/>
           </a:p>
@@ -2394,7 +2393,7 @@
           <a:p>
             <a:fld id="{0611EEEA-4CB2-4E23-92EA-4C425CE3DC79}" type="datetimeFigureOut">
               <a:rPr lang="en-US" smtClean="0"/>
-              <a:t>2/23/21</a:t>
+              <a:t>2/26/2021</a:t>
             </a:fld>
             <a:endParaRPr lang="en-US"/>
           </a:p>
@@ -2682,7 +2681,7 @@
           <a:p>
             <a:fld id="{0611EEEA-4CB2-4E23-92EA-4C425CE3DC79}" type="datetimeFigureOut">
               <a:rPr lang="en-US" smtClean="0"/>
-              <a:t>2/23/21</a:t>
+              <a:t>2/26/2021</a:t>
             </a:fld>
             <a:endParaRPr lang="en-US"/>
           </a:p>
@@ -2923,7 +2922,7 @@
           <a:p>
             <a:fld id="{0611EEEA-4CB2-4E23-92EA-4C425CE3DC79}" type="datetimeFigureOut">
               <a:rPr lang="en-US" smtClean="0"/>
-              <a:t>2/23/21</a:t>
+              <a:t>2/26/2021</a:t>
             </a:fld>
             <a:endParaRPr lang="en-US"/>
           </a:p>
@@ -16718,10 +16717,16 @@
           <p:cNvGraphicFramePr>
             <a:graphicFrameLocks noGrp="1"/>
           </p:cNvGraphicFramePr>
-          <p:nvPr/>
+          <p:nvPr>
+            <p:extLst>
+              <p:ext uri="{D42A27DB-BD31-4B8C-83A1-F6EECF244321}">
+                <p14:modId xmlns:p14="http://schemas.microsoft.com/office/powerpoint/2010/main" val="2124784333"/>
+              </p:ext>
+            </p:extLst>
+          </p:nvPr>
         </p:nvGraphicFramePr>
         <p:xfrm>
-          <a:off x="3406198" y="3649472"/>
+          <a:off x="1826051" y="1732441"/>
           <a:ext cx="2570975" cy="2536190"/>
         </p:xfrm>
         <a:graphic>
@@ -17237,10 +17242,16 @@
           <p:cNvGraphicFramePr>
             <a:graphicFrameLocks noGrp="1"/>
           </p:cNvGraphicFramePr>
-          <p:nvPr/>
+          <p:nvPr>
+            <p:extLst>
+              <p:ext uri="{D42A27DB-BD31-4B8C-83A1-F6EECF244321}">
+                <p14:modId xmlns:p14="http://schemas.microsoft.com/office/powerpoint/2010/main" val="187598614"/>
+              </p:ext>
+            </p:extLst>
+          </p:nvPr>
         </p:nvGraphicFramePr>
         <p:xfrm>
-          <a:off x="6301529" y="3649472"/>
+          <a:off x="4721382" y="1732441"/>
           <a:ext cx="2527999" cy="2536190"/>
         </p:xfrm>
         <a:graphic>
@@ -17753,10 +17764,16 @@
           <p:cNvGraphicFramePr>
             <a:graphicFrameLocks noGrp="1"/>
           </p:cNvGraphicFramePr>
-          <p:nvPr/>
+          <p:nvPr>
+            <p:extLst>
+              <p:ext uri="{D42A27DB-BD31-4B8C-83A1-F6EECF244321}">
+                <p14:modId xmlns:p14="http://schemas.microsoft.com/office/powerpoint/2010/main" val="1254106997"/>
+              </p:ext>
+            </p:extLst>
+          </p:nvPr>
         </p:nvGraphicFramePr>
         <p:xfrm>
-          <a:off x="9153884" y="3639312"/>
+          <a:off x="7573737" y="1722281"/>
           <a:ext cx="2570974" cy="2536190"/>
         </p:xfrm>
         <a:graphic>
@@ -18325,7 +18342,7 @@
         </p:blipFill>
         <p:spPr>
           <a:xfrm>
-            <a:off x="3531613" y="3716782"/>
+            <a:off x="1951466" y="1799751"/>
             <a:ext cx="685800" cy="685800"/>
           </a:xfrm>
           <a:prstGeom prst="rect">
@@ -18364,7 +18381,7 @@
         </p:blipFill>
         <p:spPr>
           <a:xfrm>
-            <a:off x="9281340" y="3710432"/>
+            <a:off x="7701193" y="1793401"/>
             <a:ext cx="685800" cy="685800"/>
           </a:xfrm>
           <a:prstGeom prst="rect">
@@ -18403,7 +18420,7 @@
         </p:blipFill>
         <p:spPr>
           <a:xfrm>
-            <a:off x="6400800" y="3730752"/>
+            <a:off x="4820653" y="1813721"/>
             <a:ext cx="685800" cy="685800"/>
           </a:xfrm>
           <a:prstGeom prst="rect">
@@ -18425,4490 +18442,6 @@
 </file>
 
 <file path=ppt/slides/slide5.xml><?xml version="1.0" encoding="utf-8"?>
-<p:sld xmlns:a="http://schemas.openxmlformats.org/drawingml/2006/main" xmlns:r="http://schemas.openxmlformats.org/officeDocument/2006/relationships" xmlns:p="http://schemas.openxmlformats.org/presentationml/2006/main">
-  <p:cSld>
-    <p:spTree>
-      <p:nvGrpSpPr>
-        <p:cNvPr id="1" name=""/>
-        <p:cNvGrpSpPr/>
-        <p:nvPr/>
-      </p:nvGrpSpPr>
-      <p:grpSpPr>
-        <a:xfrm>
-          <a:off x="0" y="0"/>
-          <a:ext cx="0" cy="0"/>
-          <a:chOff x="0" y="0"/>
-          <a:chExt cx="0" cy="0"/>
-        </a:xfrm>
-      </p:grpSpPr>
-      <p:graphicFrame>
-        <p:nvGraphicFramePr>
-          <p:cNvPr id="7" name="Table 7">
-            <a:extLst>
-              <a:ext uri="{FF2B5EF4-FFF2-40B4-BE49-F238E27FC236}">
-                <a16:creationId xmlns:a16="http://schemas.microsoft.com/office/drawing/2014/main" id="{B517465B-D343-6149-B3CA-BD9586CEAB44}"/>
-              </a:ext>
-            </a:extLst>
-          </p:cNvPr>
-          <p:cNvGraphicFramePr>
-            <a:graphicFrameLocks noGrp="1"/>
-          </p:cNvGraphicFramePr>
-          <p:nvPr/>
-        </p:nvGraphicFramePr>
-        <p:xfrm>
-          <a:off x="510867" y="572770"/>
-          <a:ext cx="2570975" cy="2536190"/>
-        </p:xfrm>
-        <a:graphic>
-          <a:graphicData uri="http://schemas.openxmlformats.org/drawingml/2006/table">
-            <a:tbl>
-              <a:tblPr firstRow="1">
-                <a:tableStyleId>{7E9639D4-E3E2-4D34-9284-5A2195B3D0D7}</a:tableStyleId>
-              </a:tblPr>
-              <a:tblGrid>
-                <a:gridCol w="920610">
-                  <a:extLst>
-                    <a:ext uri="{9D8B030D-6E8A-4147-A177-3AD203B41FA5}">
-                      <a16:colId xmlns:a16="http://schemas.microsoft.com/office/drawing/2014/main" val="1272844699"/>
-                    </a:ext>
-                  </a:extLst>
-                </a:gridCol>
-                <a:gridCol w="1650365">
-                  <a:extLst>
-                    <a:ext uri="{9D8B030D-6E8A-4147-A177-3AD203B41FA5}">
-                      <a16:colId xmlns:a16="http://schemas.microsoft.com/office/drawing/2014/main" val="128834327"/>
-                    </a:ext>
-                  </a:extLst>
-                </a:gridCol>
-              </a:tblGrid>
-              <a:tr h="890270">
-                <a:tc>
-                  <a:txBody>
-                    <a:bodyPr/>
-                    <a:lstStyle/>
-                    <a:p>
-                      <a:endParaRPr lang="en-US" dirty="0">
-                        <a:latin typeface="3270-MEDIUM" panose="02000609000000000000" pitchFamily="49" charset="77"/>
-                        <a:ea typeface="3270-MEDIUM" panose="02000609000000000000" pitchFamily="49" charset="77"/>
-                      </a:endParaRPr>
-                    </a:p>
-                  </a:txBody>
-                  <a:tcPr>
-                    <a:solidFill>
-                      <a:schemeClr val="accent6">
-                        <a:lumMod val="75000"/>
-                      </a:schemeClr>
-                    </a:solidFill>
-                  </a:tcPr>
-                </a:tc>
-                <a:tc>
-                  <a:txBody>
-                    <a:bodyPr/>
-                    <a:lstStyle/>
-                    <a:p>
-                      <a:pPr algn="l"/>
-                      <a:r>
-                        <a:rPr lang="en-US" sz="1800" dirty="0">
-                          <a:latin typeface="3270-MEDIUM" panose="02000609000000000000" pitchFamily="49" charset="77"/>
-                          <a:ea typeface="3270-MEDIUM" panose="02000609000000000000" pitchFamily="49" charset="77"/>
-                        </a:rPr>
-                        <a:t>City</a:t>
-                      </a:r>
-                      <a:endParaRPr lang="en-US" dirty="0">
-                        <a:latin typeface="3270-MEDIUM" panose="02000609000000000000" pitchFamily="49" charset="77"/>
-                        <a:ea typeface="3270-MEDIUM" panose="02000609000000000000" pitchFamily="49" charset="77"/>
-                      </a:endParaRPr>
-                    </a:p>
-                  </a:txBody>
-                  <a:tcPr anchor="ctr">
-                    <a:solidFill>
-                      <a:schemeClr val="accent6">
-                        <a:lumMod val="75000"/>
-                      </a:schemeClr>
-                    </a:solidFill>
-                  </a:tcPr>
-                </a:tc>
-                <a:extLst>
-                  <a:ext uri="{0D108BD9-81ED-4DB2-BD59-A6C34878D82A}">
-                    <a16:rowId xmlns:a16="http://schemas.microsoft.com/office/drawing/2014/main" val="2894059538"/>
-                  </a:ext>
-                </a:extLst>
-              </a:tr>
-              <a:tr h="0">
-                <a:tc>
-                  <a:txBody>
-                    <a:bodyPr/>
-                    <a:lstStyle/>
-                    <a:p>
-                      <a:r>
-                        <a:rPr lang="en-US" sz="1200" dirty="0">
-                          <a:latin typeface="3270-MEDIUM" panose="02000609000000000000" pitchFamily="49" charset="77"/>
-                          <a:ea typeface="3270-MEDIUM" panose="02000609000000000000" pitchFamily="49" charset="77"/>
-                        </a:rPr>
-                        <a:t>Type</a:t>
-                      </a:r>
-                    </a:p>
-                  </a:txBody>
-                  <a:tcPr>
-                    <a:lnR w="12700" cap="flat" cmpd="sng" algn="ctr">
-                      <a:solidFill>
-                        <a:schemeClr val="bg1">
-                          <a:lumMod val="85000"/>
-                        </a:schemeClr>
-                      </a:solidFill>
-                      <a:prstDash val="solid"/>
-                      <a:round/>
-                      <a:headEnd type="none" w="med" len="med"/>
-                      <a:tailEnd type="none" w="med" len="med"/>
-                    </a:lnR>
-                  </a:tcPr>
-                </a:tc>
-                <a:tc>
-                  <a:txBody>
-                    <a:bodyPr/>
-                    <a:lstStyle/>
-                    <a:p>
-                      <a:r>
-                        <a:rPr lang="en-US" sz="1200" dirty="0">
-                          <a:latin typeface="3270-MEDIUM" panose="02000609000000000000" pitchFamily="49" charset="77"/>
-                          <a:ea typeface="3270-MEDIUM" panose="02000609000000000000" pitchFamily="49" charset="77"/>
-                        </a:rPr>
-                        <a:t>City</a:t>
-                      </a:r>
-                    </a:p>
-                  </a:txBody>
-                  <a:tcPr>
-                    <a:lnL w="12700" cap="flat" cmpd="sng" algn="ctr">
-                      <a:solidFill>
-                        <a:schemeClr val="bg1">
-                          <a:lumMod val="85000"/>
-                        </a:schemeClr>
-                      </a:solidFill>
-                      <a:prstDash val="solid"/>
-                      <a:round/>
-                      <a:headEnd type="none" w="med" len="med"/>
-                      <a:tailEnd type="none" w="med" len="med"/>
-                    </a:lnL>
-                  </a:tcPr>
-                </a:tc>
-                <a:extLst>
-                  <a:ext uri="{0D108BD9-81ED-4DB2-BD59-A6C34878D82A}">
-                    <a16:rowId xmlns:a16="http://schemas.microsoft.com/office/drawing/2014/main" val="330879359"/>
-                  </a:ext>
-                </a:extLst>
-              </a:tr>
-              <a:tr h="0">
-                <a:tc>
-                  <a:txBody>
-                    <a:bodyPr/>
-                    <a:lstStyle/>
-                    <a:p>
-                      <a:r>
-                        <a:rPr lang="en-US" sz="1200" dirty="0">
-                          <a:latin typeface="3270-MEDIUM" panose="02000609000000000000" pitchFamily="49" charset="77"/>
-                          <a:ea typeface="3270-MEDIUM" panose="02000609000000000000" pitchFamily="49" charset="77"/>
-                        </a:rPr>
-                        <a:t>Consumes</a:t>
-                      </a:r>
-                    </a:p>
-                  </a:txBody>
-                  <a:tcPr>
-                    <a:lnR w="12700" cap="flat" cmpd="sng" algn="ctr">
-                      <a:solidFill>
-                        <a:schemeClr val="bg1">
-                          <a:lumMod val="85000"/>
-                        </a:schemeClr>
-                      </a:solidFill>
-                      <a:prstDash val="solid"/>
-                      <a:round/>
-                      <a:headEnd type="none" w="med" len="med"/>
-                      <a:tailEnd type="none" w="med" len="med"/>
-                    </a:lnR>
-                    <a:solidFill>
-                      <a:schemeClr val="accent6">
-                        <a:lumMod val="20000"/>
-                        <a:lumOff val="80000"/>
-                      </a:schemeClr>
-                    </a:solidFill>
-                  </a:tcPr>
-                </a:tc>
-                <a:tc>
-                  <a:txBody>
-                    <a:bodyPr/>
-                    <a:lstStyle/>
-                    <a:p>
-                      <a:r>
-                        <a:rPr lang="en-US" sz="1200" dirty="0">
-                          <a:latin typeface="3270-MEDIUM" panose="02000609000000000000" pitchFamily="49" charset="77"/>
-                          <a:ea typeface="3270-MEDIUM" panose="02000609000000000000" pitchFamily="49" charset="77"/>
-                        </a:rPr>
-                        <a:t>Goods</a:t>
-                      </a:r>
-                    </a:p>
-                  </a:txBody>
-                  <a:tcPr>
-                    <a:lnL w="12700" cap="flat" cmpd="sng" algn="ctr">
-                      <a:solidFill>
-                        <a:schemeClr val="bg1">
-                          <a:lumMod val="85000"/>
-                        </a:schemeClr>
-                      </a:solidFill>
-                      <a:prstDash val="solid"/>
-                      <a:round/>
-                      <a:headEnd type="none" w="med" len="med"/>
-                      <a:tailEnd type="none" w="med" len="med"/>
-                    </a:lnL>
-                    <a:solidFill>
-                      <a:schemeClr val="accent6">
-                        <a:lumMod val="20000"/>
-                        <a:lumOff val="80000"/>
-                      </a:schemeClr>
-                    </a:solidFill>
-                  </a:tcPr>
-                </a:tc>
-                <a:extLst>
-                  <a:ext uri="{0D108BD9-81ED-4DB2-BD59-A6C34878D82A}">
-                    <a16:rowId xmlns:a16="http://schemas.microsoft.com/office/drawing/2014/main" val="1421599528"/>
-                  </a:ext>
-                </a:extLst>
-              </a:tr>
-              <a:tr h="0">
-                <a:tc>
-                  <a:txBody>
-                    <a:bodyPr/>
-                    <a:lstStyle/>
-                    <a:p>
-                      <a:endParaRPr lang="en-US" sz="1200" dirty="0">
-                        <a:latin typeface="3270-MEDIUM" panose="02000609000000000000" pitchFamily="49" charset="77"/>
-                        <a:ea typeface="3270-MEDIUM" panose="02000609000000000000" pitchFamily="49" charset="77"/>
-                      </a:endParaRPr>
-                    </a:p>
-                  </a:txBody>
-                  <a:tcPr>
-                    <a:lnR w="12700" cap="flat" cmpd="sng" algn="ctr">
-                      <a:solidFill>
-                        <a:schemeClr val="bg1">
-                          <a:lumMod val="85000"/>
-                        </a:schemeClr>
-                      </a:solidFill>
-                      <a:prstDash val="solid"/>
-                      <a:round/>
-                      <a:headEnd type="none" w="med" len="med"/>
-                      <a:tailEnd type="none" w="med" len="med"/>
-                    </a:lnR>
-                    <a:solidFill>
-                      <a:schemeClr val="accent6">
-                        <a:lumMod val="20000"/>
-                        <a:lumOff val="80000"/>
-                      </a:schemeClr>
-                    </a:solidFill>
-                  </a:tcPr>
-                </a:tc>
-                <a:tc>
-                  <a:txBody>
-                    <a:bodyPr/>
-                    <a:lstStyle/>
-                    <a:p>
-                      <a:r>
-                        <a:rPr lang="en-US" sz="1200" dirty="0">
-                          <a:latin typeface="3270-MEDIUM" panose="02000609000000000000" pitchFamily="49" charset="77"/>
-                          <a:ea typeface="3270-MEDIUM" panose="02000609000000000000" pitchFamily="49" charset="77"/>
-                        </a:rPr>
-                        <a:t>Food</a:t>
-                      </a:r>
-                    </a:p>
-                  </a:txBody>
-                  <a:tcPr>
-                    <a:lnL w="12700" cap="flat" cmpd="sng" algn="ctr">
-                      <a:solidFill>
-                        <a:schemeClr val="bg1">
-                          <a:lumMod val="85000"/>
-                        </a:schemeClr>
-                      </a:solidFill>
-                      <a:prstDash val="solid"/>
-                      <a:round/>
-                      <a:headEnd type="none" w="med" len="med"/>
-                      <a:tailEnd type="none" w="med" len="med"/>
-                    </a:lnL>
-                    <a:solidFill>
-                      <a:schemeClr val="accent6">
-                        <a:lumMod val="20000"/>
-                        <a:lumOff val="80000"/>
-                      </a:schemeClr>
-                    </a:solidFill>
-                  </a:tcPr>
-                </a:tc>
-                <a:extLst>
-                  <a:ext uri="{0D108BD9-81ED-4DB2-BD59-A6C34878D82A}">
-                    <a16:rowId xmlns:a16="http://schemas.microsoft.com/office/drawing/2014/main" val="2031078206"/>
-                  </a:ext>
-                </a:extLst>
-              </a:tr>
-              <a:tr h="0">
-                <a:tc>
-                  <a:txBody>
-                    <a:bodyPr/>
-                    <a:lstStyle/>
-                    <a:p>
-                      <a:endParaRPr lang="en-US" sz="1200" dirty="0">
-                        <a:latin typeface="3270-MEDIUM" panose="02000609000000000000" pitchFamily="49" charset="77"/>
-                        <a:ea typeface="3270-MEDIUM" panose="02000609000000000000" pitchFamily="49" charset="77"/>
-                      </a:endParaRPr>
-                    </a:p>
-                  </a:txBody>
-                  <a:tcPr>
-                    <a:lnR w="12700" cap="flat" cmpd="sng" algn="ctr">
-                      <a:solidFill>
-                        <a:schemeClr val="bg1">
-                          <a:lumMod val="85000"/>
-                        </a:schemeClr>
-                      </a:solidFill>
-                      <a:prstDash val="solid"/>
-                      <a:round/>
-                      <a:headEnd type="none" w="med" len="med"/>
-                      <a:tailEnd type="none" w="med" len="med"/>
-                    </a:lnR>
-                    <a:solidFill>
-                      <a:schemeClr val="accent6">
-                        <a:lumMod val="20000"/>
-                        <a:lumOff val="80000"/>
-                      </a:schemeClr>
-                    </a:solidFill>
-                  </a:tcPr>
-                </a:tc>
-                <a:tc>
-                  <a:txBody>
-                    <a:bodyPr/>
-                    <a:lstStyle/>
-                    <a:p>
-                      <a:r>
-                        <a:rPr lang="en-US" sz="1200" dirty="0">
-                          <a:latin typeface="3270-MEDIUM" panose="02000609000000000000" pitchFamily="49" charset="77"/>
-                          <a:ea typeface="3270-MEDIUM" panose="02000609000000000000" pitchFamily="49" charset="77"/>
-                        </a:rPr>
-                        <a:t>Energy</a:t>
-                      </a:r>
-                    </a:p>
-                  </a:txBody>
-                  <a:tcPr>
-                    <a:lnL w="12700" cap="flat" cmpd="sng" algn="ctr">
-                      <a:solidFill>
-                        <a:schemeClr val="bg1">
-                          <a:lumMod val="85000"/>
-                        </a:schemeClr>
-                      </a:solidFill>
-                      <a:prstDash val="solid"/>
-                      <a:round/>
-                      <a:headEnd type="none" w="med" len="med"/>
-                      <a:tailEnd type="none" w="med" len="med"/>
-                    </a:lnL>
-                    <a:solidFill>
-                      <a:schemeClr val="accent6">
-                        <a:lumMod val="20000"/>
-                        <a:lumOff val="80000"/>
-                      </a:schemeClr>
-                    </a:solidFill>
-                  </a:tcPr>
-                </a:tc>
-                <a:extLst>
-                  <a:ext uri="{0D108BD9-81ED-4DB2-BD59-A6C34878D82A}">
-                    <a16:rowId xmlns:a16="http://schemas.microsoft.com/office/drawing/2014/main" val="3904796240"/>
-                  </a:ext>
-                </a:extLst>
-              </a:tr>
-              <a:tr h="0">
-                <a:tc>
-                  <a:txBody>
-                    <a:bodyPr/>
-                    <a:lstStyle/>
-                    <a:p>
-                      <a:endParaRPr lang="en-US" sz="1200" dirty="0">
-                        <a:latin typeface="3270-MEDIUM" panose="02000609000000000000" pitchFamily="49" charset="77"/>
-                        <a:ea typeface="3270-MEDIUM" panose="02000609000000000000" pitchFamily="49" charset="77"/>
-                      </a:endParaRPr>
-                    </a:p>
-                  </a:txBody>
-                  <a:tcPr>
-                    <a:lnR w="12700" cap="flat" cmpd="sng" algn="ctr">
-                      <a:solidFill>
-                        <a:schemeClr val="bg1">
-                          <a:lumMod val="85000"/>
-                        </a:schemeClr>
-                      </a:solidFill>
-                      <a:prstDash val="solid"/>
-                      <a:round/>
-                      <a:headEnd type="none" w="med" len="med"/>
-                      <a:tailEnd type="none" w="med" len="med"/>
-                    </a:lnR>
-                    <a:solidFill>
-                      <a:schemeClr val="accent6">
-                        <a:lumMod val="20000"/>
-                        <a:lumOff val="80000"/>
-                      </a:schemeClr>
-                    </a:solidFill>
-                  </a:tcPr>
-                </a:tc>
-                <a:tc>
-                  <a:txBody>
-                    <a:bodyPr/>
-                    <a:lstStyle/>
-                    <a:p>
-                      <a:endParaRPr lang="en-US" sz="1200" dirty="0">
-                        <a:latin typeface="3270-MEDIUM" panose="02000609000000000000" pitchFamily="49" charset="77"/>
-                        <a:ea typeface="3270-MEDIUM" panose="02000609000000000000" pitchFamily="49" charset="77"/>
-                      </a:endParaRPr>
-                    </a:p>
-                  </a:txBody>
-                  <a:tcPr>
-                    <a:lnL w="12700" cap="flat" cmpd="sng" algn="ctr">
-                      <a:solidFill>
-                        <a:schemeClr val="bg1">
-                          <a:lumMod val="85000"/>
-                        </a:schemeClr>
-                      </a:solidFill>
-                      <a:prstDash val="solid"/>
-                      <a:round/>
-                      <a:headEnd type="none" w="med" len="med"/>
-                      <a:tailEnd type="none" w="med" len="med"/>
-                    </a:lnL>
-                    <a:solidFill>
-                      <a:schemeClr val="accent6">
-                        <a:lumMod val="20000"/>
-                        <a:lumOff val="80000"/>
-                      </a:schemeClr>
-                    </a:solidFill>
-                  </a:tcPr>
-                </a:tc>
-                <a:extLst>
-                  <a:ext uri="{0D108BD9-81ED-4DB2-BD59-A6C34878D82A}">
-                    <a16:rowId xmlns:a16="http://schemas.microsoft.com/office/drawing/2014/main" val="1781141278"/>
-                  </a:ext>
-                </a:extLst>
-              </a:tr>
-              <a:tr h="0">
-                <a:tc>
-                  <a:txBody>
-                    <a:bodyPr/>
-                    <a:lstStyle/>
-                    <a:p>
-                      <a:r>
-                        <a:rPr lang="en-US" sz="1200" dirty="0">
-                          <a:latin typeface="3270-MEDIUM" panose="02000609000000000000" pitchFamily="49" charset="77"/>
-                          <a:ea typeface="3270-MEDIUM" panose="02000609000000000000" pitchFamily="49" charset="77"/>
-                        </a:rPr>
-                        <a:t>Produces</a:t>
-                      </a:r>
-                    </a:p>
-                  </a:txBody>
-                  <a:tcPr>
-                    <a:lnR w="12700" cap="flat" cmpd="sng" algn="ctr">
-                      <a:solidFill>
-                        <a:schemeClr val="bg1">
-                          <a:lumMod val="85000"/>
-                        </a:schemeClr>
-                      </a:solidFill>
-                      <a:prstDash val="solid"/>
-                      <a:round/>
-                      <a:headEnd type="none" w="med" len="med"/>
-                      <a:tailEnd type="none" w="med" len="med"/>
-                    </a:lnR>
-                  </a:tcPr>
-                </a:tc>
-                <a:tc>
-                  <a:txBody>
-                    <a:bodyPr/>
-                    <a:lstStyle/>
-                    <a:p>
-                      <a:r>
-                        <a:rPr lang="en-US" sz="1200" dirty="0">
-                          <a:latin typeface="3270-MEDIUM" panose="02000609000000000000" pitchFamily="49" charset="77"/>
-                          <a:ea typeface="3270-MEDIUM" panose="02000609000000000000" pitchFamily="49" charset="77"/>
-                        </a:rPr>
-                        <a:t>n/a</a:t>
-                      </a:r>
-                    </a:p>
-                  </a:txBody>
-                  <a:tcPr>
-                    <a:lnL w="12700" cap="flat" cmpd="sng" algn="ctr">
-                      <a:solidFill>
-                        <a:schemeClr val="bg1">
-                          <a:lumMod val="85000"/>
-                        </a:schemeClr>
-                      </a:solidFill>
-                      <a:prstDash val="solid"/>
-                      <a:round/>
-                      <a:headEnd type="none" w="med" len="med"/>
-                      <a:tailEnd type="none" w="med" len="med"/>
-                    </a:lnL>
-                  </a:tcPr>
-                </a:tc>
-                <a:extLst>
-                  <a:ext uri="{0D108BD9-81ED-4DB2-BD59-A6C34878D82A}">
-                    <a16:rowId xmlns:a16="http://schemas.microsoft.com/office/drawing/2014/main" val="433398975"/>
-                  </a:ext>
-                </a:extLst>
-              </a:tr>
-            </a:tbl>
-          </a:graphicData>
-        </a:graphic>
-      </p:graphicFrame>
-      <p:pic>
-        <p:nvPicPr>
-          <p:cNvPr id="10" name="Graphic 9" descr="City with solid fill">
-            <a:extLst>
-              <a:ext uri="{FF2B5EF4-FFF2-40B4-BE49-F238E27FC236}">
-                <a16:creationId xmlns:a16="http://schemas.microsoft.com/office/drawing/2014/main" id="{DCF0B7F3-698F-9B47-A562-C419E828FAA6}"/>
-              </a:ext>
-            </a:extLst>
-          </p:cNvPr>
-          <p:cNvPicPr>
-            <a:picLocks noChangeAspect="1"/>
-          </p:cNvPicPr>
-          <p:nvPr/>
-        </p:nvPicPr>
-        <p:blipFill>
-          <a:blip r:embed="rId2">
-            <a:extLst>
-              <a:ext uri="{28A0092B-C50C-407E-A947-70E740481C1C}">
-                <a14:useLocalDpi xmlns:a14="http://schemas.microsoft.com/office/drawing/2010/main" val="0"/>
-              </a:ext>
-              <a:ext uri="{96DAC541-7B7A-43D3-8B79-37D633B846F1}">
-                <asvg:svgBlip xmlns:asvg="http://schemas.microsoft.com/office/drawing/2016/SVG/main" r:embed="rId3"/>
-              </a:ext>
-            </a:extLst>
-          </a:blip>
-          <a:stretch>
-            <a:fillRect/>
-          </a:stretch>
-        </p:blipFill>
-        <p:spPr>
-          <a:xfrm>
-            <a:off x="636600" y="664210"/>
-            <a:ext cx="685800" cy="685800"/>
-          </a:xfrm>
-          <a:prstGeom prst="rect">
-            <a:avLst/>
-          </a:prstGeom>
-        </p:spPr>
-      </p:pic>
-      <p:graphicFrame>
-        <p:nvGraphicFramePr>
-          <p:cNvPr id="32" name="Table 7">
-            <a:extLst>
-              <a:ext uri="{FF2B5EF4-FFF2-40B4-BE49-F238E27FC236}">
-                <a16:creationId xmlns:a16="http://schemas.microsoft.com/office/drawing/2014/main" id="{47EB19B1-4BD6-E64A-9660-EEDBE40796D5}"/>
-              </a:ext>
-            </a:extLst>
-          </p:cNvPr>
-          <p:cNvGraphicFramePr>
-            <a:graphicFrameLocks noGrp="1"/>
-          </p:cNvGraphicFramePr>
-          <p:nvPr/>
-        </p:nvGraphicFramePr>
-        <p:xfrm>
-          <a:off x="3406198" y="581660"/>
-          <a:ext cx="2570975" cy="2536190"/>
-        </p:xfrm>
-        <a:graphic>
-          <a:graphicData uri="http://schemas.openxmlformats.org/drawingml/2006/table">
-            <a:tbl>
-              <a:tblPr firstRow="1">
-                <a:tableStyleId>{7E9639D4-E3E2-4D34-9284-5A2195B3D0D7}</a:tableStyleId>
-              </a:tblPr>
-              <a:tblGrid>
-                <a:gridCol w="920610">
-                  <a:extLst>
-                    <a:ext uri="{9D8B030D-6E8A-4147-A177-3AD203B41FA5}">
-                      <a16:colId xmlns:a16="http://schemas.microsoft.com/office/drawing/2014/main" val="1272844699"/>
-                    </a:ext>
-                  </a:extLst>
-                </a:gridCol>
-                <a:gridCol w="1650365">
-                  <a:extLst>
-                    <a:ext uri="{9D8B030D-6E8A-4147-A177-3AD203B41FA5}">
-                      <a16:colId xmlns:a16="http://schemas.microsoft.com/office/drawing/2014/main" val="128834327"/>
-                    </a:ext>
-                  </a:extLst>
-                </a:gridCol>
-              </a:tblGrid>
-              <a:tr h="890270">
-                <a:tc>
-                  <a:txBody>
-                    <a:bodyPr/>
-                    <a:lstStyle/>
-                    <a:p>
-                      <a:endParaRPr lang="en-US" dirty="0">
-                        <a:latin typeface="3270-MEDIUM" panose="02000609000000000000" pitchFamily="49" charset="77"/>
-                        <a:ea typeface="3270-MEDIUM" panose="02000609000000000000" pitchFamily="49" charset="77"/>
-                      </a:endParaRPr>
-                    </a:p>
-                  </a:txBody>
-                  <a:tcPr>
-                    <a:solidFill>
-                      <a:schemeClr val="accent1">
-                        <a:lumMod val="75000"/>
-                      </a:schemeClr>
-                    </a:solidFill>
-                  </a:tcPr>
-                </a:tc>
-                <a:tc>
-                  <a:txBody>
-                    <a:bodyPr/>
-                    <a:lstStyle/>
-                    <a:p>
-                      <a:pPr algn="l"/>
-                      <a:r>
-                        <a:rPr lang="en-US" sz="1800" dirty="0">
-                          <a:latin typeface="3270-MEDIUM" panose="02000609000000000000" pitchFamily="49" charset="77"/>
-                          <a:ea typeface="3270-MEDIUM" panose="02000609000000000000" pitchFamily="49" charset="77"/>
-                        </a:rPr>
-                        <a:t>Truck</a:t>
-                      </a:r>
-                    </a:p>
-                    <a:p>
-                      <a:pPr algn="l"/>
-                      <a:r>
-                        <a:rPr lang="en-US" sz="1800" dirty="0">
-                          <a:latin typeface="3270-MEDIUM" panose="02000609000000000000" pitchFamily="49" charset="77"/>
-                          <a:ea typeface="3270-MEDIUM" panose="02000609000000000000" pitchFamily="49" charset="77"/>
-                        </a:rPr>
-                        <a:t>Depot</a:t>
-                      </a:r>
-                      <a:endParaRPr lang="en-US" dirty="0">
-                        <a:latin typeface="3270-MEDIUM" panose="02000609000000000000" pitchFamily="49" charset="77"/>
-                        <a:ea typeface="3270-MEDIUM" panose="02000609000000000000" pitchFamily="49" charset="77"/>
-                      </a:endParaRPr>
-                    </a:p>
-                  </a:txBody>
-                  <a:tcPr anchor="ctr">
-                    <a:solidFill>
-                      <a:schemeClr val="accent1">
-                        <a:lumMod val="75000"/>
-                      </a:schemeClr>
-                    </a:solidFill>
-                  </a:tcPr>
-                </a:tc>
-                <a:extLst>
-                  <a:ext uri="{0D108BD9-81ED-4DB2-BD59-A6C34878D82A}">
-                    <a16:rowId xmlns:a16="http://schemas.microsoft.com/office/drawing/2014/main" val="2894059538"/>
-                  </a:ext>
-                </a:extLst>
-              </a:tr>
-              <a:tr h="0">
-                <a:tc>
-                  <a:txBody>
-                    <a:bodyPr/>
-                    <a:lstStyle/>
-                    <a:p>
-                      <a:r>
-                        <a:rPr lang="en-US" sz="1200" dirty="0">
-                          <a:latin typeface="3270-MEDIUM" panose="02000609000000000000" pitchFamily="49" charset="77"/>
-                          <a:ea typeface="3270-MEDIUM" panose="02000609000000000000" pitchFamily="49" charset="77"/>
-                        </a:rPr>
-                        <a:t>Type</a:t>
-                      </a:r>
-                    </a:p>
-                  </a:txBody>
-                  <a:tcPr>
-                    <a:lnR w="12700" cap="flat" cmpd="sng" algn="ctr">
-                      <a:solidFill>
-                        <a:schemeClr val="bg1">
-                          <a:lumMod val="85000"/>
-                        </a:schemeClr>
-                      </a:solidFill>
-                      <a:prstDash val="solid"/>
-                      <a:round/>
-                      <a:headEnd type="none" w="med" len="med"/>
-                      <a:tailEnd type="none" w="med" len="med"/>
-                    </a:lnR>
-                  </a:tcPr>
-                </a:tc>
-                <a:tc>
-                  <a:txBody>
-                    <a:bodyPr/>
-                    <a:lstStyle/>
-                    <a:p>
-                      <a:r>
-                        <a:rPr lang="en-US" sz="1200" dirty="0">
-                          <a:latin typeface="3270-MEDIUM" panose="02000609000000000000" pitchFamily="49" charset="77"/>
-                          <a:ea typeface="3270-MEDIUM" panose="02000609000000000000" pitchFamily="49" charset="77"/>
-                        </a:rPr>
-                        <a:t>Hub</a:t>
-                      </a:r>
-                    </a:p>
-                  </a:txBody>
-                  <a:tcPr>
-                    <a:lnL w="12700" cap="flat" cmpd="sng" algn="ctr">
-                      <a:solidFill>
-                        <a:schemeClr val="bg1">
-                          <a:lumMod val="85000"/>
-                        </a:schemeClr>
-                      </a:solidFill>
-                      <a:prstDash val="solid"/>
-                      <a:round/>
-                      <a:headEnd type="none" w="med" len="med"/>
-                      <a:tailEnd type="none" w="med" len="med"/>
-                    </a:lnL>
-                  </a:tcPr>
-                </a:tc>
-                <a:extLst>
-                  <a:ext uri="{0D108BD9-81ED-4DB2-BD59-A6C34878D82A}">
-                    <a16:rowId xmlns:a16="http://schemas.microsoft.com/office/drawing/2014/main" val="330879359"/>
-                  </a:ext>
-                </a:extLst>
-              </a:tr>
-              <a:tr h="0">
-                <a:tc>
-                  <a:txBody>
-                    <a:bodyPr/>
-                    <a:lstStyle/>
-                    <a:p>
-                      <a:r>
-                        <a:rPr lang="en-US" sz="1200" dirty="0">
-                          <a:latin typeface="3270-MEDIUM" panose="02000609000000000000" pitchFamily="49" charset="77"/>
-                          <a:ea typeface="3270-MEDIUM" panose="02000609000000000000" pitchFamily="49" charset="77"/>
-                        </a:rPr>
-                        <a:t>Consumes</a:t>
-                      </a:r>
-                    </a:p>
-                  </a:txBody>
-                  <a:tcPr>
-                    <a:lnR w="12700" cap="flat" cmpd="sng" algn="ctr">
-                      <a:solidFill>
-                        <a:schemeClr val="bg1">
-                          <a:lumMod val="85000"/>
-                        </a:schemeClr>
-                      </a:solidFill>
-                      <a:prstDash val="solid"/>
-                      <a:round/>
-                      <a:headEnd type="none" w="med" len="med"/>
-                      <a:tailEnd type="none" w="med" len="med"/>
-                    </a:lnR>
-                    <a:solidFill>
-                      <a:schemeClr val="accent1">
-                        <a:lumMod val="20000"/>
-                        <a:lumOff val="80000"/>
-                      </a:schemeClr>
-                    </a:solidFill>
-                  </a:tcPr>
-                </a:tc>
-                <a:tc>
-                  <a:txBody>
-                    <a:bodyPr/>
-                    <a:lstStyle/>
-                    <a:p>
-                      <a:r>
-                        <a:rPr lang="en-US" sz="1200" dirty="0">
-                          <a:latin typeface="3270-MEDIUM" panose="02000609000000000000" pitchFamily="49" charset="77"/>
-                          <a:ea typeface="3270-MEDIUM" panose="02000609000000000000" pitchFamily="49" charset="77"/>
-                        </a:rPr>
-                        <a:t>Petrochemicals</a:t>
-                      </a:r>
-                    </a:p>
-                  </a:txBody>
-                  <a:tcPr>
-                    <a:lnL w="12700" cap="flat" cmpd="sng" algn="ctr">
-                      <a:solidFill>
-                        <a:schemeClr val="bg1">
-                          <a:lumMod val="85000"/>
-                        </a:schemeClr>
-                      </a:solidFill>
-                      <a:prstDash val="solid"/>
-                      <a:round/>
-                      <a:headEnd type="none" w="med" len="med"/>
-                      <a:tailEnd type="none" w="med" len="med"/>
-                    </a:lnL>
-                    <a:solidFill>
-                      <a:schemeClr val="accent1">
-                        <a:lumMod val="20000"/>
-                        <a:lumOff val="80000"/>
-                      </a:schemeClr>
-                    </a:solidFill>
-                  </a:tcPr>
-                </a:tc>
-                <a:extLst>
-                  <a:ext uri="{0D108BD9-81ED-4DB2-BD59-A6C34878D82A}">
-                    <a16:rowId xmlns:a16="http://schemas.microsoft.com/office/drawing/2014/main" val="1421599528"/>
-                  </a:ext>
-                </a:extLst>
-              </a:tr>
-              <a:tr h="0">
-                <a:tc>
-                  <a:txBody>
-                    <a:bodyPr/>
-                    <a:lstStyle/>
-                    <a:p>
-                      <a:endParaRPr lang="en-US" sz="1200" dirty="0">
-                        <a:latin typeface="3270-MEDIUM" panose="02000609000000000000" pitchFamily="49" charset="77"/>
-                        <a:ea typeface="3270-MEDIUM" panose="02000609000000000000" pitchFamily="49" charset="77"/>
-                      </a:endParaRPr>
-                    </a:p>
-                  </a:txBody>
-                  <a:tcPr>
-                    <a:lnR w="12700" cap="flat" cmpd="sng" algn="ctr">
-                      <a:solidFill>
-                        <a:schemeClr val="bg1">
-                          <a:lumMod val="85000"/>
-                        </a:schemeClr>
-                      </a:solidFill>
-                      <a:prstDash val="solid"/>
-                      <a:round/>
-                      <a:headEnd type="none" w="med" len="med"/>
-                      <a:tailEnd type="none" w="med" len="med"/>
-                    </a:lnR>
-                    <a:solidFill>
-                      <a:schemeClr val="accent1">
-                        <a:lumMod val="20000"/>
-                        <a:lumOff val="80000"/>
-                      </a:schemeClr>
-                    </a:solidFill>
-                  </a:tcPr>
-                </a:tc>
-                <a:tc>
-                  <a:txBody>
-                    <a:bodyPr/>
-                    <a:lstStyle/>
-                    <a:p>
-                      <a:r>
-                        <a:rPr lang="en-US" sz="1200" dirty="0">
-                          <a:latin typeface="3270-MEDIUM" panose="02000609000000000000" pitchFamily="49" charset="77"/>
-                          <a:ea typeface="3270-MEDIUM" panose="02000609000000000000" pitchFamily="49" charset="77"/>
-                        </a:rPr>
-                        <a:t>Energy</a:t>
-                      </a:r>
-                    </a:p>
-                  </a:txBody>
-                  <a:tcPr>
-                    <a:lnL w="12700" cap="flat" cmpd="sng" algn="ctr">
-                      <a:solidFill>
-                        <a:schemeClr val="bg1">
-                          <a:lumMod val="85000"/>
-                        </a:schemeClr>
-                      </a:solidFill>
-                      <a:prstDash val="solid"/>
-                      <a:round/>
-                      <a:headEnd type="none" w="med" len="med"/>
-                      <a:tailEnd type="none" w="med" len="med"/>
-                    </a:lnL>
-                    <a:solidFill>
-                      <a:schemeClr val="accent1">
-                        <a:lumMod val="20000"/>
-                        <a:lumOff val="80000"/>
-                      </a:schemeClr>
-                    </a:solidFill>
-                  </a:tcPr>
-                </a:tc>
-                <a:extLst>
-                  <a:ext uri="{0D108BD9-81ED-4DB2-BD59-A6C34878D82A}">
-                    <a16:rowId xmlns:a16="http://schemas.microsoft.com/office/drawing/2014/main" val="3904796240"/>
-                  </a:ext>
-                </a:extLst>
-              </a:tr>
-              <a:tr h="0">
-                <a:tc>
-                  <a:txBody>
-                    <a:bodyPr/>
-                    <a:lstStyle/>
-                    <a:p>
-                      <a:endParaRPr lang="en-US" sz="1200" dirty="0">
-                        <a:latin typeface="3270-MEDIUM" panose="02000609000000000000" pitchFamily="49" charset="77"/>
-                        <a:ea typeface="3270-MEDIUM" panose="02000609000000000000" pitchFamily="49" charset="77"/>
-                      </a:endParaRPr>
-                    </a:p>
-                  </a:txBody>
-                  <a:tcPr>
-                    <a:lnR w="12700" cap="flat" cmpd="sng" algn="ctr">
-                      <a:solidFill>
-                        <a:schemeClr val="bg1">
-                          <a:lumMod val="85000"/>
-                        </a:schemeClr>
-                      </a:solidFill>
-                      <a:prstDash val="solid"/>
-                      <a:round/>
-                      <a:headEnd type="none" w="med" len="med"/>
-                      <a:tailEnd type="none" w="med" len="med"/>
-                    </a:lnR>
-                    <a:solidFill>
-                      <a:schemeClr val="accent1">
-                        <a:lumMod val="20000"/>
-                        <a:lumOff val="80000"/>
-                      </a:schemeClr>
-                    </a:solidFill>
-                  </a:tcPr>
-                </a:tc>
-                <a:tc>
-                  <a:txBody>
-                    <a:bodyPr/>
-                    <a:lstStyle/>
-                    <a:p>
-                      <a:endParaRPr lang="en-US" sz="1200" dirty="0">
-                        <a:latin typeface="3270-MEDIUM" panose="02000609000000000000" pitchFamily="49" charset="77"/>
-                        <a:ea typeface="3270-MEDIUM" panose="02000609000000000000" pitchFamily="49" charset="77"/>
-                      </a:endParaRPr>
-                    </a:p>
-                  </a:txBody>
-                  <a:tcPr>
-                    <a:lnL w="12700" cap="flat" cmpd="sng" algn="ctr">
-                      <a:solidFill>
-                        <a:schemeClr val="bg1">
-                          <a:lumMod val="85000"/>
-                        </a:schemeClr>
-                      </a:solidFill>
-                      <a:prstDash val="solid"/>
-                      <a:round/>
-                      <a:headEnd type="none" w="med" len="med"/>
-                      <a:tailEnd type="none" w="med" len="med"/>
-                    </a:lnL>
-                    <a:solidFill>
-                      <a:schemeClr val="accent1">
-                        <a:lumMod val="20000"/>
-                        <a:lumOff val="80000"/>
-                      </a:schemeClr>
-                    </a:solidFill>
-                  </a:tcPr>
-                </a:tc>
-                <a:extLst>
-                  <a:ext uri="{0D108BD9-81ED-4DB2-BD59-A6C34878D82A}">
-                    <a16:rowId xmlns:a16="http://schemas.microsoft.com/office/drawing/2014/main" val="1299690636"/>
-                  </a:ext>
-                </a:extLst>
-              </a:tr>
-              <a:tr h="0">
-                <a:tc>
-                  <a:txBody>
-                    <a:bodyPr/>
-                    <a:lstStyle/>
-                    <a:p>
-                      <a:endParaRPr lang="en-US" sz="1200" dirty="0">
-                        <a:latin typeface="3270-MEDIUM" panose="02000609000000000000" pitchFamily="49" charset="77"/>
-                        <a:ea typeface="3270-MEDIUM" panose="02000609000000000000" pitchFamily="49" charset="77"/>
-                      </a:endParaRPr>
-                    </a:p>
-                  </a:txBody>
-                  <a:tcPr>
-                    <a:lnR w="12700" cap="flat" cmpd="sng" algn="ctr">
-                      <a:solidFill>
-                        <a:schemeClr val="bg1">
-                          <a:lumMod val="85000"/>
-                        </a:schemeClr>
-                      </a:solidFill>
-                      <a:prstDash val="solid"/>
-                      <a:round/>
-                      <a:headEnd type="none" w="med" len="med"/>
-                      <a:tailEnd type="none" w="med" len="med"/>
-                    </a:lnR>
-                    <a:solidFill>
-                      <a:schemeClr val="accent1">
-                        <a:lumMod val="20000"/>
-                        <a:lumOff val="80000"/>
-                      </a:schemeClr>
-                    </a:solidFill>
-                  </a:tcPr>
-                </a:tc>
-                <a:tc>
-                  <a:txBody>
-                    <a:bodyPr/>
-                    <a:lstStyle/>
-                    <a:p>
-                      <a:endParaRPr lang="en-US" sz="1200" dirty="0">
-                        <a:latin typeface="3270-MEDIUM" panose="02000609000000000000" pitchFamily="49" charset="77"/>
-                        <a:ea typeface="3270-MEDIUM" panose="02000609000000000000" pitchFamily="49" charset="77"/>
-                      </a:endParaRPr>
-                    </a:p>
-                  </a:txBody>
-                  <a:tcPr>
-                    <a:lnL w="12700" cap="flat" cmpd="sng" algn="ctr">
-                      <a:solidFill>
-                        <a:schemeClr val="bg1">
-                          <a:lumMod val="85000"/>
-                        </a:schemeClr>
-                      </a:solidFill>
-                      <a:prstDash val="solid"/>
-                      <a:round/>
-                      <a:headEnd type="none" w="med" len="med"/>
-                      <a:tailEnd type="none" w="med" len="med"/>
-                    </a:lnL>
-                    <a:solidFill>
-                      <a:schemeClr val="accent1">
-                        <a:lumMod val="20000"/>
-                        <a:lumOff val="80000"/>
-                      </a:schemeClr>
-                    </a:solidFill>
-                  </a:tcPr>
-                </a:tc>
-                <a:extLst>
-                  <a:ext uri="{0D108BD9-81ED-4DB2-BD59-A6C34878D82A}">
-                    <a16:rowId xmlns:a16="http://schemas.microsoft.com/office/drawing/2014/main" val="1871616977"/>
-                  </a:ext>
-                </a:extLst>
-              </a:tr>
-              <a:tr h="0">
-                <a:tc>
-                  <a:txBody>
-                    <a:bodyPr/>
-                    <a:lstStyle/>
-                    <a:p>
-                      <a:r>
-                        <a:rPr lang="en-US" sz="1200" dirty="0">
-                          <a:latin typeface="3270-MEDIUM" panose="02000609000000000000" pitchFamily="49" charset="77"/>
-                          <a:ea typeface="3270-MEDIUM" panose="02000609000000000000" pitchFamily="49" charset="77"/>
-                        </a:rPr>
-                        <a:t>Manages</a:t>
-                      </a:r>
-                    </a:p>
-                  </a:txBody>
-                  <a:tcPr>
-                    <a:lnR w="12700" cap="flat" cmpd="sng" algn="ctr">
-                      <a:solidFill>
-                        <a:schemeClr val="bg1">
-                          <a:lumMod val="85000"/>
-                        </a:schemeClr>
-                      </a:solidFill>
-                      <a:prstDash val="solid"/>
-                      <a:round/>
-                      <a:headEnd type="none" w="med" len="med"/>
-                      <a:tailEnd type="none" w="med" len="med"/>
-                    </a:lnR>
-                  </a:tcPr>
-                </a:tc>
-                <a:tc>
-                  <a:txBody>
-                    <a:bodyPr/>
-                    <a:lstStyle/>
-                    <a:p>
-                      <a:r>
-                        <a:rPr lang="en-US" sz="1200" dirty="0">
-                          <a:latin typeface="3270-MEDIUM" panose="02000609000000000000" pitchFamily="49" charset="77"/>
-                          <a:ea typeface="3270-MEDIUM" panose="02000609000000000000" pitchFamily="49" charset="77"/>
-                        </a:rPr>
-                        <a:t>Trucks</a:t>
-                      </a:r>
-                    </a:p>
-                  </a:txBody>
-                  <a:tcPr>
-                    <a:lnL w="12700" cap="flat" cmpd="sng" algn="ctr">
-                      <a:solidFill>
-                        <a:schemeClr val="bg1">
-                          <a:lumMod val="85000"/>
-                        </a:schemeClr>
-                      </a:solidFill>
-                      <a:prstDash val="solid"/>
-                      <a:round/>
-                      <a:headEnd type="none" w="med" len="med"/>
-                      <a:tailEnd type="none" w="med" len="med"/>
-                    </a:lnL>
-                  </a:tcPr>
-                </a:tc>
-                <a:extLst>
-                  <a:ext uri="{0D108BD9-81ED-4DB2-BD59-A6C34878D82A}">
-                    <a16:rowId xmlns:a16="http://schemas.microsoft.com/office/drawing/2014/main" val="433398975"/>
-                  </a:ext>
-                </a:extLst>
-              </a:tr>
-            </a:tbl>
-          </a:graphicData>
-        </a:graphic>
-      </p:graphicFrame>
-      <p:graphicFrame>
-        <p:nvGraphicFramePr>
-          <p:cNvPr id="34" name="Table 7">
-            <a:extLst>
-              <a:ext uri="{FF2B5EF4-FFF2-40B4-BE49-F238E27FC236}">
-                <a16:creationId xmlns:a16="http://schemas.microsoft.com/office/drawing/2014/main" id="{01AD8857-E737-A642-9328-883B59715F28}"/>
-              </a:ext>
-            </a:extLst>
-          </p:cNvPr>
-          <p:cNvGraphicFramePr>
-            <a:graphicFrameLocks noGrp="1"/>
-          </p:cNvGraphicFramePr>
-          <p:nvPr/>
-        </p:nvGraphicFramePr>
-        <p:xfrm>
-          <a:off x="6301529" y="581660"/>
-          <a:ext cx="2527999" cy="2536190"/>
-        </p:xfrm>
-        <a:graphic>
-          <a:graphicData uri="http://schemas.openxmlformats.org/drawingml/2006/table">
-            <a:tbl>
-              <a:tblPr firstRow="1">
-                <a:tableStyleId>{7E9639D4-E3E2-4D34-9284-5A2195B3D0D7}</a:tableStyleId>
-              </a:tblPr>
-              <a:tblGrid>
-                <a:gridCol w="911543">
-                  <a:extLst>
-                    <a:ext uri="{9D8B030D-6E8A-4147-A177-3AD203B41FA5}">
-                      <a16:colId xmlns:a16="http://schemas.microsoft.com/office/drawing/2014/main" val="1272844699"/>
-                    </a:ext>
-                  </a:extLst>
-                </a:gridCol>
-                <a:gridCol w="1616456">
-                  <a:extLst>
-                    <a:ext uri="{9D8B030D-6E8A-4147-A177-3AD203B41FA5}">
-                      <a16:colId xmlns:a16="http://schemas.microsoft.com/office/drawing/2014/main" val="128834327"/>
-                    </a:ext>
-                  </a:extLst>
-                </a:gridCol>
-              </a:tblGrid>
-              <a:tr h="890270">
-                <a:tc>
-                  <a:txBody>
-                    <a:bodyPr/>
-                    <a:lstStyle/>
-                    <a:p>
-                      <a:endParaRPr lang="en-US" dirty="0">
-                        <a:latin typeface="3270-MEDIUM" panose="02000609000000000000" pitchFamily="49" charset="77"/>
-                        <a:ea typeface="3270-MEDIUM" panose="02000609000000000000" pitchFamily="49" charset="77"/>
-                      </a:endParaRPr>
-                    </a:p>
-                  </a:txBody>
-                  <a:tcPr>
-                    <a:solidFill>
-                      <a:schemeClr val="accent1">
-                        <a:lumMod val="75000"/>
-                      </a:schemeClr>
-                    </a:solidFill>
-                  </a:tcPr>
-                </a:tc>
-                <a:tc>
-                  <a:txBody>
-                    <a:bodyPr/>
-                    <a:lstStyle/>
-                    <a:p>
-                      <a:pPr algn="l"/>
-                      <a:r>
-                        <a:rPr lang="en-US" sz="1800" dirty="0">
-                          <a:latin typeface="3270-MEDIUM" panose="02000609000000000000" pitchFamily="49" charset="77"/>
-                          <a:ea typeface="3270-MEDIUM" panose="02000609000000000000" pitchFamily="49" charset="77"/>
-                        </a:rPr>
-                        <a:t>Airport</a:t>
-                      </a:r>
-                      <a:endParaRPr lang="en-US" dirty="0">
-                        <a:latin typeface="3270-MEDIUM" panose="02000609000000000000" pitchFamily="49" charset="77"/>
-                        <a:ea typeface="3270-MEDIUM" panose="02000609000000000000" pitchFamily="49" charset="77"/>
-                      </a:endParaRPr>
-                    </a:p>
-                  </a:txBody>
-                  <a:tcPr anchor="ctr">
-                    <a:solidFill>
-                      <a:schemeClr val="accent1">
-                        <a:lumMod val="75000"/>
-                      </a:schemeClr>
-                    </a:solidFill>
-                  </a:tcPr>
-                </a:tc>
-                <a:extLst>
-                  <a:ext uri="{0D108BD9-81ED-4DB2-BD59-A6C34878D82A}">
-                    <a16:rowId xmlns:a16="http://schemas.microsoft.com/office/drawing/2014/main" val="2894059538"/>
-                  </a:ext>
-                </a:extLst>
-              </a:tr>
-              <a:tr h="0">
-                <a:tc>
-                  <a:txBody>
-                    <a:bodyPr/>
-                    <a:lstStyle/>
-                    <a:p>
-                      <a:r>
-                        <a:rPr lang="en-US" sz="1200" dirty="0">
-                          <a:latin typeface="3270-MEDIUM" panose="02000609000000000000" pitchFamily="49" charset="77"/>
-                          <a:ea typeface="3270-MEDIUM" panose="02000609000000000000" pitchFamily="49" charset="77"/>
-                        </a:rPr>
-                        <a:t>Type</a:t>
-                      </a:r>
-                    </a:p>
-                  </a:txBody>
-                  <a:tcPr>
-                    <a:lnR w="12700" cap="flat" cmpd="sng" algn="ctr">
-                      <a:solidFill>
-                        <a:schemeClr val="bg1">
-                          <a:lumMod val="85000"/>
-                        </a:schemeClr>
-                      </a:solidFill>
-                      <a:prstDash val="solid"/>
-                      <a:round/>
-                      <a:headEnd type="none" w="med" len="med"/>
-                      <a:tailEnd type="none" w="med" len="med"/>
-                    </a:lnR>
-                  </a:tcPr>
-                </a:tc>
-                <a:tc>
-                  <a:txBody>
-                    <a:bodyPr/>
-                    <a:lstStyle/>
-                    <a:p>
-                      <a:r>
-                        <a:rPr lang="en-US" sz="1200" dirty="0">
-                          <a:latin typeface="3270-MEDIUM" panose="02000609000000000000" pitchFamily="49" charset="77"/>
-                          <a:ea typeface="3270-MEDIUM" panose="02000609000000000000" pitchFamily="49" charset="77"/>
-                        </a:rPr>
-                        <a:t>Hub</a:t>
-                      </a:r>
-                    </a:p>
-                  </a:txBody>
-                  <a:tcPr>
-                    <a:lnL w="12700" cap="flat" cmpd="sng" algn="ctr">
-                      <a:solidFill>
-                        <a:schemeClr val="bg1">
-                          <a:lumMod val="85000"/>
-                        </a:schemeClr>
-                      </a:solidFill>
-                      <a:prstDash val="solid"/>
-                      <a:round/>
-                      <a:headEnd type="none" w="med" len="med"/>
-                      <a:tailEnd type="none" w="med" len="med"/>
-                    </a:lnL>
-                  </a:tcPr>
-                </a:tc>
-                <a:extLst>
-                  <a:ext uri="{0D108BD9-81ED-4DB2-BD59-A6C34878D82A}">
-                    <a16:rowId xmlns:a16="http://schemas.microsoft.com/office/drawing/2014/main" val="2903128856"/>
-                  </a:ext>
-                </a:extLst>
-              </a:tr>
-              <a:tr h="0">
-                <a:tc>
-                  <a:txBody>
-                    <a:bodyPr/>
-                    <a:lstStyle/>
-                    <a:p>
-                      <a:r>
-                        <a:rPr lang="en-US" sz="1200" dirty="0">
-                          <a:latin typeface="3270-MEDIUM" panose="02000609000000000000" pitchFamily="49" charset="77"/>
-                          <a:ea typeface="3270-MEDIUM" panose="02000609000000000000" pitchFamily="49" charset="77"/>
-                        </a:rPr>
-                        <a:t>Consumes</a:t>
-                      </a:r>
-                    </a:p>
-                  </a:txBody>
-                  <a:tcPr>
-                    <a:lnR w="12700" cap="flat" cmpd="sng" algn="ctr">
-                      <a:solidFill>
-                        <a:schemeClr val="bg1">
-                          <a:lumMod val="85000"/>
-                        </a:schemeClr>
-                      </a:solidFill>
-                      <a:prstDash val="solid"/>
-                      <a:round/>
-                      <a:headEnd type="none" w="med" len="med"/>
-                      <a:tailEnd type="none" w="med" len="med"/>
-                    </a:lnR>
-                    <a:solidFill>
-                      <a:schemeClr val="accent1">
-                        <a:lumMod val="20000"/>
-                        <a:lumOff val="80000"/>
-                      </a:schemeClr>
-                    </a:solidFill>
-                  </a:tcPr>
-                </a:tc>
-                <a:tc>
-                  <a:txBody>
-                    <a:bodyPr/>
-                    <a:lstStyle/>
-                    <a:p>
-                      <a:r>
-                        <a:rPr lang="en-US" sz="1200" dirty="0">
-                          <a:latin typeface="3270-MEDIUM" panose="02000609000000000000" pitchFamily="49" charset="77"/>
-                          <a:ea typeface="3270-MEDIUM" panose="02000609000000000000" pitchFamily="49" charset="77"/>
-                        </a:rPr>
-                        <a:t>Petrochemicals</a:t>
-                      </a:r>
-                    </a:p>
-                  </a:txBody>
-                  <a:tcPr>
-                    <a:lnL w="12700" cap="flat" cmpd="sng" algn="ctr">
-                      <a:solidFill>
-                        <a:schemeClr val="bg1">
-                          <a:lumMod val="85000"/>
-                        </a:schemeClr>
-                      </a:solidFill>
-                      <a:prstDash val="solid"/>
-                      <a:round/>
-                      <a:headEnd type="none" w="med" len="med"/>
-                      <a:tailEnd type="none" w="med" len="med"/>
-                    </a:lnL>
-                    <a:solidFill>
-                      <a:schemeClr val="accent1">
-                        <a:lumMod val="20000"/>
-                        <a:lumOff val="80000"/>
-                      </a:schemeClr>
-                    </a:solidFill>
-                  </a:tcPr>
-                </a:tc>
-                <a:extLst>
-                  <a:ext uri="{0D108BD9-81ED-4DB2-BD59-A6C34878D82A}">
-                    <a16:rowId xmlns:a16="http://schemas.microsoft.com/office/drawing/2014/main" val="1421599528"/>
-                  </a:ext>
-                </a:extLst>
-              </a:tr>
-              <a:tr h="0">
-                <a:tc>
-                  <a:txBody>
-                    <a:bodyPr/>
-                    <a:lstStyle/>
-                    <a:p>
-                      <a:endParaRPr lang="en-US" sz="1200" dirty="0">
-                        <a:latin typeface="3270-MEDIUM" panose="02000609000000000000" pitchFamily="49" charset="77"/>
-                        <a:ea typeface="3270-MEDIUM" panose="02000609000000000000" pitchFamily="49" charset="77"/>
-                      </a:endParaRPr>
-                    </a:p>
-                  </a:txBody>
-                  <a:tcPr>
-                    <a:lnR w="12700" cap="flat" cmpd="sng" algn="ctr">
-                      <a:solidFill>
-                        <a:schemeClr val="bg1">
-                          <a:lumMod val="85000"/>
-                        </a:schemeClr>
-                      </a:solidFill>
-                      <a:prstDash val="solid"/>
-                      <a:round/>
-                      <a:headEnd type="none" w="med" len="med"/>
-                      <a:tailEnd type="none" w="med" len="med"/>
-                    </a:lnR>
-                    <a:solidFill>
-                      <a:schemeClr val="accent1">
-                        <a:lumMod val="20000"/>
-                        <a:lumOff val="80000"/>
-                      </a:schemeClr>
-                    </a:solidFill>
-                  </a:tcPr>
-                </a:tc>
-                <a:tc>
-                  <a:txBody>
-                    <a:bodyPr/>
-                    <a:lstStyle/>
-                    <a:p>
-                      <a:r>
-                        <a:rPr lang="en-US" sz="1200" dirty="0">
-                          <a:latin typeface="3270-MEDIUM" panose="02000609000000000000" pitchFamily="49" charset="77"/>
-                          <a:ea typeface="3270-MEDIUM" panose="02000609000000000000" pitchFamily="49" charset="77"/>
-                        </a:rPr>
-                        <a:t>Energy</a:t>
-                      </a:r>
-                    </a:p>
-                  </a:txBody>
-                  <a:tcPr>
-                    <a:lnL w="12700" cap="flat" cmpd="sng" algn="ctr">
-                      <a:solidFill>
-                        <a:schemeClr val="bg1">
-                          <a:lumMod val="85000"/>
-                        </a:schemeClr>
-                      </a:solidFill>
-                      <a:prstDash val="solid"/>
-                      <a:round/>
-                      <a:headEnd type="none" w="med" len="med"/>
-                      <a:tailEnd type="none" w="med" len="med"/>
-                    </a:lnL>
-                    <a:solidFill>
-                      <a:schemeClr val="accent1">
-                        <a:lumMod val="20000"/>
-                        <a:lumOff val="80000"/>
-                      </a:schemeClr>
-                    </a:solidFill>
-                  </a:tcPr>
-                </a:tc>
-                <a:extLst>
-                  <a:ext uri="{0D108BD9-81ED-4DB2-BD59-A6C34878D82A}">
-                    <a16:rowId xmlns:a16="http://schemas.microsoft.com/office/drawing/2014/main" val="2031078206"/>
-                  </a:ext>
-                </a:extLst>
-              </a:tr>
-              <a:tr h="0">
-                <a:tc>
-                  <a:txBody>
-                    <a:bodyPr/>
-                    <a:lstStyle/>
-                    <a:p>
-                      <a:endParaRPr lang="en-US" sz="1200" dirty="0">
-                        <a:latin typeface="3270-MEDIUM" panose="02000609000000000000" pitchFamily="49" charset="77"/>
-                        <a:ea typeface="3270-MEDIUM" panose="02000609000000000000" pitchFamily="49" charset="77"/>
-                      </a:endParaRPr>
-                    </a:p>
-                  </a:txBody>
-                  <a:tcPr>
-                    <a:lnR w="12700" cap="flat" cmpd="sng" algn="ctr">
-                      <a:solidFill>
-                        <a:schemeClr val="bg1">
-                          <a:lumMod val="85000"/>
-                        </a:schemeClr>
-                      </a:solidFill>
-                      <a:prstDash val="solid"/>
-                      <a:round/>
-                      <a:headEnd type="none" w="med" len="med"/>
-                      <a:tailEnd type="none" w="med" len="med"/>
-                    </a:lnR>
-                    <a:solidFill>
-                      <a:schemeClr val="accent1">
-                        <a:lumMod val="20000"/>
-                        <a:lumOff val="80000"/>
-                      </a:schemeClr>
-                    </a:solidFill>
-                  </a:tcPr>
-                </a:tc>
-                <a:tc>
-                  <a:txBody>
-                    <a:bodyPr/>
-                    <a:lstStyle/>
-                    <a:p>
-                      <a:endParaRPr lang="en-US" sz="1200" dirty="0">
-                        <a:latin typeface="3270-MEDIUM" panose="02000609000000000000" pitchFamily="49" charset="77"/>
-                        <a:ea typeface="3270-MEDIUM" panose="02000609000000000000" pitchFamily="49" charset="77"/>
-                      </a:endParaRPr>
-                    </a:p>
-                  </a:txBody>
-                  <a:tcPr>
-                    <a:lnL w="12700" cap="flat" cmpd="sng" algn="ctr">
-                      <a:solidFill>
-                        <a:schemeClr val="bg1">
-                          <a:lumMod val="85000"/>
-                        </a:schemeClr>
-                      </a:solidFill>
-                      <a:prstDash val="solid"/>
-                      <a:round/>
-                      <a:headEnd type="none" w="med" len="med"/>
-                      <a:tailEnd type="none" w="med" len="med"/>
-                    </a:lnL>
-                    <a:solidFill>
-                      <a:schemeClr val="accent1">
-                        <a:lumMod val="20000"/>
-                        <a:lumOff val="80000"/>
-                      </a:schemeClr>
-                    </a:solidFill>
-                  </a:tcPr>
-                </a:tc>
-                <a:extLst>
-                  <a:ext uri="{0D108BD9-81ED-4DB2-BD59-A6C34878D82A}">
-                    <a16:rowId xmlns:a16="http://schemas.microsoft.com/office/drawing/2014/main" val="3277922784"/>
-                  </a:ext>
-                </a:extLst>
-              </a:tr>
-              <a:tr h="0">
-                <a:tc>
-                  <a:txBody>
-                    <a:bodyPr/>
-                    <a:lstStyle/>
-                    <a:p>
-                      <a:endParaRPr lang="en-US" sz="1200" dirty="0">
-                        <a:latin typeface="3270-MEDIUM" panose="02000609000000000000" pitchFamily="49" charset="77"/>
-                        <a:ea typeface="3270-MEDIUM" panose="02000609000000000000" pitchFamily="49" charset="77"/>
-                      </a:endParaRPr>
-                    </a:p>
-                  </a:txBody>
-                  <a:tcPr>
-                    <a:lnR w="12700" cap="flat" cmpd="sng" algn="ctr">
-                      <a:solidFill>
-                        <a:schemeClr val="bg1">
-                          <a:lumMod val="85000"/>
-                        </a:schemeClr>
-                      </a:solidFill>
-                      <a:prstDash val="solid"/>
-                      <a:round/>
-                      <a:headEnd type="none" w="med" len="med"/>
-                      <a:tailEnd type="none" w="med" len="med"/>
-                    </a:lnR>
-                    <a:solidFill>
-                      <a:schemeClr val="accent1">
-                        <a:lumMod val="20000"/>
-                        <a:lumOff val="80000"/>
-                      </a:schemeClr>
-                    </a:solidFill>
-                  </a:tcPr>
-                </a:tc>
-                <a:tc>
-                  <a:txBody>
-                    <a:bodyPr/>
-                    <a:lstStyle/>
-                    <a:p>
-                      <a:endParaRPr lang="en-US" sz="1200" dirty="0">
-                        <a:latin typeface="3270-MEDIUM" panose="02000609000000000000" pitchFamily="49" charset="77"/>
-                        <a:ea typeface="3270-MEDIUM" panose="02000609000000000000" pitchFamily="49" charset="77"/>
-                      </a:endParaRPr>
-                    </a:p>
-                  </a:txBody>
-                  <a:tcPr>
-                    <a:lnL w="12700" cap="flat" cmpd="sng" algn="ctr">
-                      <a:solidFill>
-                        <a:schemeClr val="bg1">
-                          <a:lumMod val="85000"/>
-                        </a:schemeClr>
-                      </a:solidFill>
-                      <a:prstDash val="solid"/>
-                      <a:round/>
-                      <a:headEnd type="none" w="med" len="med"/>
-                      <a:tailEnd type="none" w="med" len="med"/>
-                    </a:lnL>
-                    <a:solidFill>
-                      <a:schemeClr val="accent1">
-                        <a:lumMod val="20000"/>
-                        <a:lumOff val="80000"/>
-                      </a:schemeClr>
-                    </a:solidFill>
-                  </a:tcPr>
-                </a:tc>
-                <a:extLst>
-                  <a:ext uri="{0D108BD9-81ED-4DB2-BD59-A6C34878D82A}">
-                    <a16:rowId xmlns:a16="http://schemas.microsoft.com/office/drawing/2014/main" val="850234154"/>
-                  </a:ext>
-                </a:extLst>
-              </a:tr>
-              <a:tr h="0">
-                <a:tc>
-                  <a:txBody>
-                    <a:bodyPr/>
-                    <a:lstStyle/>
-                    <a:p>
-                      <a:r>
-                        <a:rPr lang="en-US" sz="1200" dirty="0">
-                          <a:latin typeface="3270-MEDIUM" panose="02000609000000000000" pitchFamily="49" charset="77"/>
-                          <a:ea typeface="3270-MEDIUM" panose="02000609000000000000" pitchFamily="49" charset="77"/>
-                        </a:rPr>
-                        <a:t>Manages</a:t>
-                      </a:r>
-                    </a:p>
-                  </a:txBody>
-                  <a:tcPr>
-                    <a:lnR w="12700" cap="flat" cmpd="sng" algn="ctr">
-                      <a:solidFill>
-                        <a:schemeClr val="bg1">
-                          <a:lumMod val="85000"/>
-                        </a:schemeClr>
-                      </a:solidFill>
-                      <a:prstDash val="solid"/>
-                      <a:round/>
-                      <a:headEnd type="none" w="med" len="med"/>
-                      <a:tailEnd type="none" w="med" len="med"/>
-                    </a:lnR>
-                  </a:tcPr>
-                </a:tc>
-                <a:tc>
-                  <a:txBody>
-                    <a:bodyPr/>
-                    <a:lstStyle/>
-                    <a:p>
-                      <a:r>
-                        <a:rPr lang="en-US" sz="1200" dirty="0">
-                          <a:latin typeface="3270-MEDIUM" panose="02000609000000000000" pitchFamily="49" charset="77"/>
-                          <a:ea typeface="3270-MEDIUM" panose="02000609000000000000" pitchFamily="49" charset="77"/>
-                        </a:rPr>
-                        <a:t>Planes</a:t>
-                      </a:r>
-                    </a:p>
-                  </a:txBody>
-                  <a:tcPr>
-                    <a:lnL w="12700" cap="flat" cmpd="sng" algn="ctr">
-                      <a:solidFill>
-                        <a:schemeClr val="bg1">
-                          <a:lumMod val="85000"/>
-                        </a:schemeClr>
-                      </a:solidFill>
-                      <a:prstDash val="solid"/>
-                      <a:round/>
-                      <a:headEnd type="none" w="med" len="med"/>
-                      <a:tailEnd type="none" w="med" len="med"/>
-                    </a:lnL>
-                  </a:tcPr>
-                </a:tc>
-                <a:extLst>
-                  <a:ext uri="{0D108BD9-81ED-4DB2-BD59-A6C34878D82A}">
-                    <a16:rowId xmlns:a16="http://schemas.microsoft.com/office/drawing/2014/main" val="2087540763"/>
-                  </a:ext>
-                </a:extLst>
-              </a:tr>
-            </a:tbl>
-          </a:graphicData>
-        </a:graphic>
-      </p:graphicFrame>
-      <p:graphicFrame>
-        <p:nvGraphicFramePr>
-          <p:cNvPr id="36" name="Table 7">
-            <a:extLst>
-              <a:ext uri="{FF2B5EF4-FFF2-40B4-BE49-F238E27FC236}">
-                <a16:creationId xmlns:a16="http://schemas.microsoft.com/office/drawing/2014/main" id="{6E6A7D44-9D3C-1743-A74D-C062957741A7}"/>
-              </a:ext>
-            </a:extLst>
-          </p:cNvPr>
-          <p:cNvGraphicFramePr>
-            <a:graphicFrameLocks noGrp="1"/>
-          </p:cNvGraphicFramePr>
-          <p:nvPr/>
-        </p:nvGraphicFramePr>
-        <p:xfrm>
-          <a:off x="9153884" y="571500"/>
-          <a:ext cx="2570974" cy="2536190"/>
-        </p:xfrm>
-        <a:graphic>
-          <a:graphicData uri="http://schemas.openxmlformats.org/drawingml/2006/table">
-            <a:tbl>
-              <a:tblPr firstRow="1">
-                <a:tableStyleId>{7E9639D4-E3E2-4D34-9284-5A2195B3D0D7}</a:tableStyleId>
-              </a:tblPr>
-              <a:tblGrid>
-                <a:gridCol w="1021112">
-                  <a:extLst>
-                    <a:ext uri="{9D8B030D-6E8A-4147-A177-3AD203B41FA5}">
-                      <a16:colId xmlns:a16="http://schemas.microsoft.com/office/drawing/2014/main" val="1272844699"/>
-                    </a:ext>
-                  </a:extLst>
-                </a:gridCol>
-                <a:gridCol w="1549862">
-                  <a:extLst>
-                    <a:ext uri="{9D8B030D-6E8A-4147-A177-3AD203B41FA5}">
-                      <a16:colId xmlns:a16="http://schemas.microsoft.com/office/drawing/2014/main" val="128834327"/>
-                    </a:ext>
-                  </a:extLst>
-                </a:gridCol>
-              </a:tblGrid>
-              <a:tr h="890270">
-                <a:tc>
-                  <a:txBody>
-                    <a:bodyPr/>
-                    <a:lstStyle/>
-                    <a:p>
-                      <a:endParaRPr lang="en-US" dirty="0">
-                        <a:latin typeface="3270-MEDIUM" panose="02000609000000000000" pitchFamily="49" charset="77"/>
-                        <a:ea typeface="3270-MEDIUM" panose="02000609000000000000" pitchFamily="49" charset="77"/>
-                      </a:endParaRPr>
-                    </a:p>
-                  </a:txBody>
-                  <a:tcPr>
-                    <a:solidFill>
-                      <a:schemeClr val="accent1">
-                        <a:lumMod val="75000"/>
-                      </a:schemeClr>
-                    </a:solidFill>
-                  </a:tcPr>
-                </a:tc>
-                <a:tc>
-                  <a:txBody>
-                    <a:bodyPr/>
-                    <a:lstStyle/>
-                    <a:p>
-                      <a:pPr algn="l"/>
-                      <a:r>
-                        <a:rPr lang="en-US" sz="1800" dirty="0">
-                          <a:latin typeface="3270-MEDIUM" panose="02000609000000000000" pitchFamily="49" charset="77"/>
-                          <a:ea typeface="3270-MEDIUM" panose="02000609000000000000" pitchFamily="49" charset="77"/>
-                        </a:rPr>
-                        <a:t>Port</a:t>
-                      </a:r>
-                      <a:endParaRPr lang="en-US" dirty="0">
-                        <a:latin typeface="3270-MEDIUM" panose="02000609000000000000" pitchFamily="49" charset="77"/>
-                        <a:ea typeface="3270-MEDIUM" panose="02000609000000000000" pitchFamily="49" charset="77"/>
-                      </a:endParaRPr>
-                    </a:p>
-                  </a:txBody>
-                  <a:tcPr anchor="ctr">
-                    <a:solidFill>
-                      <a:schemeClr val="accent1">
-                        <a:lumMod val="75000"/>
-                      </a:schemeClr>
-                    </a:solidFill>
-                  </a:tcPr>
-                </a:tc>
-                <a:extLst>
-                  <a:ext uri="{0D108BD9-81ED-4DB2-BD59-A6C34878D82A}">
-                    <a16:rowId xmlns:a16="http://schemas.microsoft.com/office/drawing/2014/main" val="2894059538"/>
-                  </a:ext>
-                </a:extLst>
-              </a:tr>
-              <a:tr h="0">
-                <a:tc>
-                  <a:txBody>
-                    <a:bodyPr/>
-                    <a:lstStyle/>
-                    <a:p>
-                      <a:r>
-                        <a:rPr lang="en-US" sz="1200" dirty="0">
-                          <a:latin typeface="3270-MEDIUM" panose="02000609000000000000" pitchFamily="49" charset="77"/>
-                          <a:ea typeface="3270-MEDIUM" panose="02000609000000000000" pitchFamily="49" charset="77"/>
-                        </a:rPr>
-                        <a:t>Type</a:t>
-                      </a:r>
-                    </a:p>
-                  </a:txBody>
-                  <a:tcPr>
-                    <a:lnR w="12700" cap="flat" cmpd="sng" algn="ctr">
-                      <a:solidFill>
-                        <a:schemeClr val="bg1">
-                          <a:lumMod val="85000"/>
-                        </a:schemeClr>
-                      </a:solidFill>
-                      <a:prstDash val="solid"/>
-                      <a:round/>
-                      <a:headEnd type="none" w="med" len="med"/>
-                      <a:tailEnd type="none" w="med" len="med"/>
-                    </a:lnR>
-                  </a:tcPr>
-                </a:tc>
-                <a:tc>
-                  <a:txBody>
-                    <a:bodyPr/>
-                    <a:lstStyle/>
-                    <a:p>
-                      <a:r>
-                        <a:rPr lang="en-US" sz="1200" dirty="0">
-                          <a:latin typeface="3270-MEDIUM" panose="02000609000000000000" pitchFamily="49" charset="77"/>
-                          <a:ea typeface="3270-MEDIUM" panose="02000609000000000000" pitchFamily="49" charset="77"/>
-                        </a:rPr>
-                        <a:t>Hub</a:t>
-                      </a:r>
-                    </a:p>
-                  </a:txBody>
-                  <a:tcPr>
-                    <a:lnL w="12700" cap="flat" cmpd="sng" algn="ctr">
-                      <a:solidFill>
-                        <a:schemeClr val="bg1">
-                          <a:lumMod val="85000"/>
-                        </a:schemeClr>
-                      </a:solidFill>
-                      <a:prstDash val="solid"/>
-                      <a:round/>
-                      <a:headEnd type="none" w="med" len="med"/>
-                      <a:tailEnd type="none" w="med" len="med"/>
-                    </a:lnL>
-                  </a:tcPr>
-                </a:tc>
-                <a:extLst>
-                  <a:ext uri="{0D108BD9-81ED-4DB2-BD59-A6C34878D82A}">
-                    <a16:rowId xmlns:a16="http://schemas.microsoft.com/office/drawing/2014/main" val="2903128856"/>
-                  </a:ext>
-                </a:extLst>
-              </a:tr>
-              <a:tr h="0">
-                <a:tc>
-                  <a:txBody>
-                    <a:bodyPr/>
-                    <a:lstStyle/>
-                    <a:p>
-                      <a:r>
-                        <a:rPr lang="en-US" sz="1200" dirty="0">
-                          <a:latin typeface="3270-MEDIUM" panose="02000609000000000000" pitchFamily="49" charset="77"/>
-                          <a:ea typeface="3270-MEDIUM" panose="02000609000000000000" pitchFamily="49" charset="77"/>
-                        </a:rPr>
-                        <a:t>Consumes</a:t>
-                      </a:r>
-                    </a:p>
-                  </a:txBody>
-                  <a:tcPr>
-                    <a:lnR w="12700" cap="flat" cmpd="sng" algn="ctr">
-                      <a:solidFill>
-                        <a:schemeClr val="bg1">
-                          <a:lumMod val="85000"/>
-                        </a:schemeClr>
-                      </a:solidFill>
-                      <a:prstDash val="solid"/>
-                      <a:round/>
-                      <a:headEnd type="none" w="med" len="med"/>
-                      <a:tailEnd type="none" w="med" len="med"/>
-                    </a:lnR>
-                    <a:solidFill>
-                      <a:schemeClr val="accent1">
-                        <a:lumMod val="20000"/>
-                        <a:lumOff val="80000"/>
-                      </a:schemeClr>
-                    </a:solidFill>
-                  </a:tcPr>
-                </a:tc>
-                <a:tc>
-                  <a:txBody>
-                    <a:bodyPr/>
-                    <a:lstStyle/>
-                    <a:p>
-                      <a:r>
-                        <a:rPr lang="en-US" sz="1200" dirty="0">
-                          <a:latin typeface="3270-MEDIUM" panose="02000609000000000000" pitchFamily="49" charset="77"/>
-                          <a:ea typeface="3270-MEDIUM" panose="02000609000000000000" pitchFamily="49" charset="77"/>
-                        </a:rPr>
-                        <a:t>Petrochemicals</a:t>
-                      </a:r>
-                    </a:p>
-                  </a:txBody>
-                  <a:tcPr>
-                    <a:lnL w="12700" cap="flat" cmpd="sng" algn="ctr">
-                      <a:solidFill>
-                        <a:schemeClr val="bg1">
-                          <a:lumMod val="85000"/>
-                        </a:schemeClr>
-                      </a:solidFill>
-                      <a:prstDash val="solid"/>
-                      <a:round/>
-                      <a:headEnd type="none" w="med" len="med"/>
-                      <a:tailEnd type="none" w="med" len="med"/>
-                    </a:lnL>
-                    <a:solidFill>
-                      <a:schemeClr val="accent1">
-                        <a:lumMod val="20000"/>
-                        <a:lumOff val="80000"/>
-                      </a:schemeClr>
-                    </a:solidFill>
-                  </a:tcPr>
-                </a:tc>
-                <a:extLst>
-                  <a:ext uri="{0D108BD9-81ED-4DB2-BD59-A6C34878D82A}">
-                    <a16:rowId xmlns:a16="http://schemas.microsoft.com/office/drawing/2014/main" val="1421599528"/>
-                  </a:ext>
-                </a:extLst>
-              </a:tr>
-              <a:tr h="0">
-                <a:tc>
-                  <a:txBody>
-                    <a:bodyPr/>
-                    <a:lstStyle/>
-                    <a:p>
-                      <a:endParaRPr lang="en-US" sz="1200" dirty="0">
-                        <a:latin typeface="3270-MEDIUM" panose="02000609000000000000" pitchFamily="49" charset="77"/>
-                        <a:ea typeface="3270-MEDIUM" panose="02000609000000000000" pitchFamily="49" charset="77"/>
-                      </a:endParaRPr>
-                    </a:p>
-                  </a:txBody>
-                  <a:tcPr>
-                    <a:lnR w="12700" cap="flat" cmpd="sng" algn="ctr">
-                      <a:solidFill>
-                        <a:schemeClr val="bg1">
-                          <a:lumMod val="85000"/>
-                        </a:schemeClr>
-                      </a:solidFill>
-                      <a:prstDash val="solid"/>
-                      <a:round/>
-                      <a:headEnd type="none" w="med" len="med"/>
-                      <a:tailEnd type="none" w="med" len="med"/>
-                    </a:lnR>
-                    <a:solidFill>
-                      <a:schemeClr val="accent1">
-                        <a:lumMod val="20000"/>
-                        <a:lumOff val="80000"/>
-                      </a:schemeClr>
-                    </a:solidFill>
-                  </a:tcPr>
-                </a:tc>
-                <a:tc>
-                  <a:txBody>
-                    <a:bodyPr/>
-                    <a:lstStyle/>
-                    <a:p>
-                      <a:r>
-                        <a:rPr lang="en-US" sz="1200" dirty="0">
-                          <a:latin typeface="3270-MEDIUM" panose="02000609000000000000" pitchFamily="49" charset="77"/>
-                          <a:ea typeface="3270-MEDIUM" panose="02000609000000000000" pitchFamily="49" charset="77"/>
-                        </a:rPr>
-                        <a:t>Energy</a:t>
-                      </a:r>
-                    </a:p>
-                  </a:txBody>
-                  <a:tcPr>
-                    <a:lnL w="12700" cap="flat" cmpd="sng" algn="ctr">
-                      <a:solidFill>
-                        <a:schemeClr val="bg1">
-                          <a:lumMod val="85000"/>
-                        </a:schemeClr>
-                      </a:solidFill>
-                      <a:prstDash val="solid"/>
-                      <a:round/>
-                      <a:headEnd type="none" w="med" len="med"/>
-                      <a:tailEnd type="none" w="med" len="med"/>
-                    </a:lnL>
-                    <a:solidFill>
-                      <a:schemeClr val="accent1">
-                        <a:lumMod val="20000"/>
-                        <a:lumOff val="80000"/>
-                      </a:schemeClr>
-                    </a:solidFill>
-                  </a:tcPr>
-                </a:tc>
-                <a:extLst>
-                  <a:ext uri="{0D108BD9-81ED-4DB2-BD59-A6C34878D82A}">
-                    <a16:rowId xmlns:a16="http://schemas.microsoft.com/office/drawing/2014/main" val="2031078206"/>
-                  </a:ext>
-                </a:extLst>
-              </a:tr>
-              <a:tr h="0">
-                <a:tc>
-                  <a:txBody>
-                    <a:bodyPr/>
-                    <a:lstStyle/>
-                    <a:p>
-                      <a:endParaRPr lang="en-US" sz="1200" dirty="0">
-                        <a:latin typeface="3270-MEDIUM" panose="02000609000000000000" pitchFamily="49" charset="77"/>
-                        <a:ea typeface="3270-MEDIUM" panose="02000609000000000000" pitchFamily="49" charset="77"/>
-                      </a:endParaRPr>
-                    </a:p>
-                  </a:txBody>
-                  <a:tcPr>
-                    <a:lnR w="12700" cap="flat" cmpd="sng" algn="ctr">
-                      <a:solidFill>
-                        <a:schemeClr val="bg1">
-                          <a:lumMod val="85000"/>
-                        </a:schemeClr>
-                      </a:solidFill>
-                      <a:prstDash val="solid"/>
-                      <a:round/>
-                      <a:headEnd type="none" w="med" len="med"/>
-                      <a:tailEnd type="none" w="med" len="med"/>
-                    </a:lnR>
-                    <a:solidFill>
-                      <a:schemeClr val="accent1">
-                        <a:lumMod val="20000"/>
-                        <a:lumOff val="80000"/>
-                      </a:schemeClr>
-                    </a:solidFill>
-                  </a:tcPr>
-                </a:tc>
-                <a:tc>
-                  <a:txBody>
-                    <a:bodyPr/>
-                    <a:lstStyle/>
-                    <a:p>
-                      <a:endParaRPr lang="en-US" sz="1200" dirty="0">
-                        <a:latin typeface="3270-MEDIUM" panose="02000609000000000000" pitchFamily="49" charset="77"/>
-                        <a:ea typeface="3270-MEDIUM" panose="02000609000000000000" pitchFamily="49" charset="77"/>
-                      </a:endParaRPr>
-                    </a:p>
-                  </a:txBody>
-                  <a:tcPr>
-                    <a:lnL w="12700" cap="flat" cmpd="sng" algn="ctr">
-                      <a:solidFill>
-                        <a:schemeClr val="bg1">
-                          <a:lumMod val="85000"/>
-                        </a:schemeClr>
-                      </a:solidFill>
-                      <a:prstDash val="solid"/>
-                      <a:round/>
-                      <a:headEnd type="none" w="med" len="med"/>
-                      <a:tailEnd type="none" w="med" len="med"/>
-                    </a:lnL>
-                    <a:solidFill>
-                      <a:schemeClr val="accent1">
-                        <a:lumMod val="20000"/>
-                        <a:lumOff val="80000"/>
-                      </a:schemeClr>
-                    </a:solidFill>
-                  </a:tcPr>
-                </a:tc>
-                <a:extLst>
-                  <a:ext uri="{0D108BD9-81ED-4DB2-BD59-A6C34878D82A}">
-                    <a16:rowId xmlns:a16="http://schemas.microsoft.com/office/drawing/2014/main" val="4145858562"/>
-                  </a:ext>
-                </a:extLst>
-              </a:tr>
-              <a:tr h="0">
-                <a:tc>
-                  <a:txBody>
-                    <a:bodyPr/>
-                    <a:lstStyle/>
-                    <a:p>
-                      <a:endParaRPr lang="en-US" sz="1200" dirty="0">
-                        <a:latin typeface="3270-MEDIUM" panose="02000609000000000000" pitchFamily="49" charset="77"/>
-                        <a:ea typeface="3270-MEDIUM" panose="02000609000000000000" pitchFamily="49" charset="77"/>
-                      </a:endParaRPr>
-                    </a:p>
-                  </a:txBody>
-                  <a:tcPr>
-                    <a:lnR w="12700" cap="flat" cmpd="sng" algn="ctr">
-                      <a:solidFill>
-                        <a:schemeClr val="bg1">
-                          <a:lumMod val="85000"/>
-                        </a:schemeClr>
-                      </a:solidFill>
-                      <a:prstDash val="solid"/>
-                      <a:round/>
-                      <a:headEnd type="none" w="med" len="med"/>
-                      <a:tailEnd type="none" w="med" len="med"/>
-                    </a:lnR>
-                    <a:solidFill>
-                      <a:schemeClr val="accent1">
-                        <a:lumMod val="20000"/>
-                        <a:lumOff val="80000"/>
-                      </a:schemeClr>
-                    </a:solidFill>
-                  </a:tcPr>
-                </a:tc>
-                <a:tc>
-                  <a:txBody>
-                    <a:bodyPr/>
-                    <a:lstStyle/>
-                    <a:p>
-                      <a:endParaRPr lang="en-US" sz="1200" dirty="0">
-                        <a:latin typeface="3270-MEDIUM" panose="02000609000000000000" pitchFamily="49" charset="77"/>
-                        <a:ea typeface="3270-MEDIUM" panose="02000609000000000000" pitchFamily="49" charset="77"/>
-                      </a:endParaRPr>
-                    </a:p>
-                  </a:txBody>
-                  <a:tcPr>
-                    <a:lnL w="12700" cap="flat" cmpd="sng" algn="ctr">
-                      <a:solidFill>
-                        <a:schemeClr val="bg1">
-                          <a:lumMod val="85000"/>
-                        </a:schemeClr>
-                      </a:solidFill>
-                      <a:prstDash val="solid"/>
-                      <a:round/>
-                      <a:headEnd type="none" w="med" len="med"/>
-                      <a:tailEnd type="none" w="med" len="med"/>
-                    </a:lnL>
-                    <a:solidFill>
-                      <a:schemeClr val="accent1">
-                        <a:lumMod val="20000"/>
-                        <a:lumOff val="80000"/>
-                      </a:schemeClr>
-                    </a:solidFill>
-                  </a:tcPr>
-                </a:tc>
-                <a:extLst>
-                  <a:ext uri="{0D108BD9-81ED-4DB2-BD59-A6C34878D82A}">
-                    <a16:rowId xmlns:a16="http://schemas.microsoft.com/office/drawing/2014/main" val="2311641730"/>
-                  </a:ext>
-                </a:extLst>
-              </a:tr>
-              <a:tr h="0">
-                <a:tc>
-                  <a:txBody>
-                    <a:bodyPr/>
-                    <a:lstStyle/>
-                    <a:p>
-                      <a:r>
-                        <a:rPr lang="en-US" sz="1200" dirty="0">
-                          <a:latin typeface="3270-MEDIUM" panose="02000609000000000000" pitchFamily="49" charset="77"/>
-                          <a:ea typeface="3270-MEDIUM" panose="02000609000000000000" pitchFamily="49" charset="77"/>
-                        </a:rPr>
-                        <a:t>Manages</a:t>
-                      </a:r>
-                    </a:p>
-                  </a:txBody>
-                  <a:tcPr>
-                    <a:lnR w="12700" cap="flat" cmpd="sng" algn="ctr">
-                      <a:solidFill>
-                        <a:schemeClr val="bg1">
-                          <a:lumMod val="85000"/>
-                        </a:schemeClr>
-                      </a:solidFill>
-                      <a:prstDash val="solid"/>
-                      <a:round/>
-                      <a:headEnd type="none" w="med" len="med"/>
-                      <a:tailEnd type="none" w="med" len="med"/>
-                    </a:lnR>
-                  </a:tcPr>
-                </a:tc>
-                <a:tc>
-                  <a:txBody>
-                    <a:bodyPr/>
-                    <a:lstStyle/>
-                    <a:p>
-                      <a:r>
-                        <a:rPr lang="en-US" sz="1200" dirty="0">
-                          <a:latin typeface="3270-MEDIUM" panose="02000609000000000000" pitchFamily="49" charset="77"/>
-                          <a:ea typeface="3270-MEDIUM" panose="02000609000000000000" pitchFamily="49" charset="77"/>
-                        </a:rPr>
-                        <a:t>Ships</a:t>
-                      </a:r>
-                    </a:p>
-                  </a:txBody>
-                  <a:tcPr>
-                    <a:lnL w="12700" cap="flat" cmpd="sng" algn="ctr">
-                      <a:solidFill>
-                        <a:schemeClr val="bg1">
-                          <a:lumMod val="85000"/>
-                        </a:schemeClr>
-                      </a:solidFill>
-                      <a:prstDash val="solid"/>
-                      <a:round/>
-                      <a:headEnd type="none" w="med" len="med"/>
-                      <a:tailEnd type="none" w="med" len="med"/>
-                    </a:lnL>
-                  </a:tcPr>
-                </a:tc>
-                <a:extLst>
-                  <a:ext uri="{0D108BD9-81ED-4DB2-BD59-A6C34878D82A}">
-                    <a16:rowId xmlns:a16="http://schemas.microsoft.com/office/drawing/2014/main" val="2087540763"/>
-                  </a:ext>
-                </a:extLst>
-              </a:tr>
-            </a:tbl>
-          </a:graphicData>
-        </a:graphic>
-      </p:graphicFrame>
-      <p:pic>
-        <p:nvPicPr>
-          <p:cNvPr id="50" name="Graphic 49" descr="Take Off with solid fill">
-            <a:extLst>
-              <a:ext uri="{FF2B5EF4-FFF2-40B4-BE49-F238E27FC236}">
-                <a16:creationId xmlns:a16="http://schemas.microsoft.com/office/drawing/2014/main" id="{F04EFD69-413E-2146-979B-F294F253CB8F}"/>
-              </a:ext>
-            </a:extLst>
-          </p:cNvPr>
-          <p:cNvPicPr>
-            <a:picLocks noChangeAspect="1"/>
-          </p:cNvPicPr>
-          <p:nvPr/>
-        </p:nvPicPr>
-        <p:blipFill>
-          <a:blip r:embed="rId4">
-            <a:extLst>
-              <a:ext uri="{28A0092B-C50C-407E-A947-70E740481C1C}">
-                <a14:useLocalDpi xmlns:a14="http://schemas.microsoft.com/office/drawing/2010/main" val="0"/>
-              </a:ext>
-              <a:ext uri="{96DAC541-7B7A-43D3-8B79-37D633B846F1}">
-                <asvg:svgBlip xmlns:asvg="http://schemas.microsoft.com/office/drawing/2016/SVG/main" r:embed="rId5"/>
-              </a:ext>
-            </a:extLst>
-          </a:blip>
-          <a:stretch>
-            <a:fillRect/>
-          </a:stretch>
-        </p:blipFill>
-        <p:spPr>
-          <a:xfrm>
-            <a:off x="6396778" y="648970"/>
-            <a:ext cx="685800" cy="685800"/>
-          </a:xfrm>
-          <a:prstGeom prst="rect">
-            <a:avLst/>
-          </a:prstGeom>
-        </p:spPr>
-      </p:pic>
-      <p:graphicFrame>
-        <p:nvGraphicFramePr>
-          <p:cNvPr id="57" name="Table 7">
-            <a:extLst>
-              <a:ext uri="{FF2B5EF4-FFF2-40B4-BE49-F238E27FC236}">
-                <a16:creationId xmlns:a16="http://schemas.microsoft.com/office/drawing/2014/main" id="{68CBCD35-7F54-3D47-9AFD-7B69EC8FE1B2}"/>
-              </a:ext>
-            </a:extLst>
-          </p:cNvPr>
-          <p:cNvGraphicFramePr>
-            <a:graphicFrameLocks noGrp="1"/>
-          </p:cNvGraphicFramePr>
-          <p:nvPr/>
-        </p:nvGraphicFramePr>
-        <p:xfrm>
-          <a:off x="510867" y="3639312"/>
-          <a:ext cx="2570974" cy="2536190"/>
-        </p:xfrm>
-        <a:graphic>
-          <a:graphicData uri="http://schemas.openxmlformats.org/drawingml/2006/table">
-            <a:tbl>
-              <a:tblPr firstRow="1">
-                <a:tableStyleId>{7E9639D4-E3E2-4D34-9284-5A2195B3D0D7}</a:tableStyleId>
-              </a:tblPr>
-              <a:tblGrid>
-                <a:gridCol w="837658">
-                  <a:extLst>
-                    <a:ext uri="{9D8B030D-6E8A-4147-A177-3AD203B41FA5}">
-                      <a16:colId xmlns:a16="http://schemas.microsoft.com/office/drawing/2014/main" val="1272844699"/>
-                    </a:ext>
-                  </a:extLst>
-                </a:gridCol>
-                <a:gridCol w="1733316">
-                  <a:extLst>
-                    <a:ext uri="{9D8B030D-6E8A-4147-A177-3AD203B41FA5}">
-                      <a16:colId xmlns:a16="http://schemas.microsoft.com/office/drawing/2014/main" val="128834327"/>
-                    </a:ext>
-                  </a:extLst>
-                </a:gridCol>
-              </a:tblGrid>
-              <a:tr h="890270">
-                <a:tc>
-                  <a:txBody>
-                    <a:bodyPr/>
-                    <a:lstStyle/>
-                    <a:p>
-                      <a:endParaRPr lang="en-US" dirty="0">
-                        <a:latin typeface="3270-MEDIUM" panose="02000609000000000000" pitchFamily="49" charset="77"/>
-                        <a:ea typeface="3270-MEDIUM" panose="02000609000000000000" pitchFamily="49" charset="77"/>
-                      </a:endParaRPr>
-                    </a:p>
-                  </a:txBody>
-                  <a:tcPr>
-                    <a:solidFill>
-                      <a:schemeClr val="tx1"/>
-                    </a:solidFill>
-                  </a:tcPr>
-                </a:tc>
-                <a:tc>
-                  <a:txBody>
-                    <a:bodyPr/>
-                    <a:lstStyle/>
-                    <a:p>
-                      <a:pPr algn="l"/>
-                      <a:r>
-                        <a:rPr lang="en-US" sz="1800" dirty="0">
-                          <a:latin typeface="3270-MEDIUM" panose="02000609000000000000" pitchFamily="49" charset="77"/>
-                          <a:ea typeface="3270-MEDIUM" panose="02000609000000000000" pitchFamily="49" charset="77"/>
-                        </a:rPr>
-                        <a:t>Warehouse</a:t>
-                      </a:r>
-                      <a:endParaRPr lang="en-US" dirty="0">
-                        <a:latin typeface="3270-MEDIUM" panose="02000609000000000000" pitchFamily="49" charset="77"/>
-                        <a:ea typeface="3270-MEDIUM" panose="02000609000000000000" pitchFamily="49" charset="77"/>
-                      </a:endParaRPr>
-                    </a:p>
-                  </a:txBody>
-                  <a:tcPr anchor="ctr">
-                    <a:solidFill>
-                      <a:schemeClr val="tx1"/>
-                    </a:solidFill>
-                  </a:tcPr>
-                </a:tc>
-                <a:extLst>
-                  <a:ext uri="{0D108BD9-81ED-4DB2-BD59-A6C34878D82A}">
-                    <a16:rowId xmlns:a16="http://schemas.microsoft.com/office/drawing/2014/main" val="2894059538"/>
-                  </a:ext>
-                </a:extLst>
-              </a:tr>
-              <a:tr h="0">
-                <a:tc>
-                  <a:txBody>
-                    <a:bodyPr/>
-                    <a:lstStyle/>
-                    <a:p>
-                      <a:r>
-                        <a:rPr lang="en-US" sz="1200" dirty="0">
-                          <a:latin typeface="3270-MEDIUM" panose="02000609000000000000" pitchFamily="49" charset="77"/>
-                          <a:ea typeface="3270-MEDIUM" panose="02000609000000000000" pitchFamily="49" charset="77"/>
-                        </a:rPr>
-                        <a:t>Type</a:t>
-                      </a:r>
-                    </a:p>
-                  </a:txBody>
-                  <a:tcPr>
-                    <a:lnR w="12700" cap="flat" cmpd="sng" algn="ctr">
-                      <a:solidFill>
-                        <a:schemeClr val="bg1">
-                          <a:lumMod val="85000"/>
-                        </a:schemeClr>
-                      </a:solidFill>
-                      <a:prstDash val="solid"/>
-                      <a:round/>
-                      <a:headEnd type="none" w="med" len="med"/>
-                      <a:tailEnd type="none" w="med" len="med"/>
-                    </a:lnR>
-                  </a:tcPr>
-                </a:tc>
-                <a:tc>
-                  <a:txBody>
-                    <a:bodyPr/>
-                    <a:lstStyle/>
-                    <a:p>
-                      <a:r>
-                        <a:rPr lang="en-US" sz="1200" dirty="0">
-                          <a:latin typeface="3270-MEDIUM" panose="02000609000000000000" pitchFamily="49" charset="77"/>
-                          <a:ea typeface="3270-MEDIUM" panose="02000609000000000000" pitchFamily="49" charset="77"/>
-                        </a:rPr>
-                        <a:t>Producer</a:t>
-                      </a:r>
-                    </a:p>
-                  </a:txBody>
-                  <a:tcPr>
-                    <a:lnL w="12700" cap="flat" cmpd="sng" algn="ctr">
-                      <a:solidFill>
-                        <a:schemeClr val="bg1">
-                          <a:lumMod val="85000"/>
-                        </a:schemeClr>
-                      </a:solidFill>
-                      <a:prstDash val="solid"/>
-                      <a:round/>
-                      <a:headEnd type="none" w="med" len="med"/>
-                      <a:tailEnd type="none" w="med" len="med"/>
-                    </a:lnL>
-                  </a:tcPr>
-                </a:tc>
-                <a:extLst>
-                  <a:ext uri="{0D108BD9-81ED-4DB2-BD59-A6C34878D82A}">
-                    <a16:rowId xmlns:a16="http://schemas.microsoft.com/office/drawing/2014/main" val="2903128856"/>
-                  </a:ext>
-                </a:extLst>
-              </a:tr>
-              <a:tr h="0">
-                <a:tc>
-                  <a:txBody>
-                    <a:bodyPr/>
-                    <a:lstStyle/>
-                    <a:p>
-                      <a:r>
-                        <a:rPr lang="en-US" sz="1200" dirty="0">
-                          <a:latin typeface="3270-MEDIUM" panose="02000609000000000000" pitchFamily="49" charset="77"/>
-                          <a:ea typeface="3270-MEDIUM" panose="02000609000000000000" pitchFamily="49" charset="77"/>
-                        </a:rPr>
-                        <a:t>Holds</a:t>
-                      </a:r>
-                    </a:p>
-                  </a:txBody>
-                  <a:tcPr>
-                    <a:lnR w="12700" cap="flat" cmpd="sng" algn="ctr">
-                      <a:solidFill>
-                        <a:schemeClr val="bg1">
-                          <a:lumMod val="85000"/>
-                        </a:schemeClr>
-                      </a:solidFill>
-                      <a:prstDash val="solid"/>
-                      <a:round/>
-                      <a:headEnd type="none" w="med" len="med"/>
-                      <a:tailEnd type="none" w="med" len="med"/>
-                    </a:lnR>
-                    <a:solidFill>
-                      <a:schemeClr val="bg1">
-                        <a:lumMod val="95000"/>
-                      </a:schemeClr>
-                    </a:solidFill>
-                  </a:tcPr>
-                </a:tc>
-                <a:tc>
-                  <a:txBody>
-                    <a:bodyPr/>
-                    <a:lstStyle/>
-                    <a:p>
-                      <a:r>
-                        <a:rPr lang="en-US" sz="1200" dirty="0">
-                          <a:latin typeface="3270-MEDIUM" panose="02000609000000000000" pitchFamily="49" charset="77"/>
-                          <a:ea typeface="3270-MEDIUM" panose="02000609000000000000" pitchFamily="49" charset="77"/>
-                        </a:rPr>
-                        <a:t>Petrochemicals</a:t>
-                      </a:r>
-                    </a:p>
-                  </a:txBody>
-                  <a:tcPr>
-                    <a:lnL w="12700" cap="flat" cmpd="sng" algn="ctr">
-                      <a:solidFill>
-                        <a:schemeClr val="bg1">
-                          <a:lumMod val="85000"/>
-                        </a:schemeClr>
-                      </a:solidFill>
-                      <a:prstDash val="solid"/>
-                      <a:round/>
-                      <a:headEnd type="none" w="med" len="med"/>
-                      <a:tailEnd type="none" w="med" len="med"/>
-                    </a:lnL>
-                    <a:solidFill>
-                      <a:schemeClr val="bg1">
-                        <a:lumMod val="95000"/>
-                      </a:schemeClr>
-                    </a:solidFill>
-                  </a:tcPr>
-                </a:tc>
-                <a:extLst>
-                  <a:ext uri="{0D108BD9-81ED-4DB2-BD59-A6C34878D82A}">
-                    <a16:rowId xmlns:a16="http://schemas.microsoft.com/office/drawing/2014/main" val="1421599528"/>
-                  </a:ext>
-                </a:extLst>
-              </a:tr>
-              <a:tr h="0">
-                <a:tc>
-                  <a:txBody>
-                    <a:bodyPr/>
-                    <a:lstStyle/>
-                    <a:p>
-                      <a:endParaRPr lang="en-US" sz="1200" dirty="0">
-                        <a:latin typeface="3270-MEDIUM" panose="02000609000000000000" pitchFamily="49" charset="77"/>
-                        <a:ea typeface="3270-MEDIUM" panose="02000609000000000000" pitchFamily="49" charset="77"/>
-                      </a:endParaRPr>
-                    </a:p>
-                  </a:txBody>
-                  <a:tcPr>
-                    <a:lnR w="12700" cap="flat" cmpd="sng" algn="ctr">
-                      <a:solidFill>
-                        <a:schemeClr val="bg1">
-                          <a:lumMod val="85000"/>
-                        </a:schemeClr>
-                      </a:solidFill>
-                      <a:prstDash val="solid"/>
-                      <a:round/>
-                      <a:headEnd type="none" w="med" len="med"/>
-                      <a:tailEnd type="none" w="med" len="med"/>
-                    </a:lnR>
-                    <a:solidFill>
-                      <a:schemeClr val="bg1">
-                        <a:lumMod val="95000"/>
-                      </a:schemeClr>
-                    </a:solidFill>
-                  </a:tcPr>
-                </a:tc>
-                <a:tc>
-                  <a:txBody>
-                    <a:bodyPr/>
-                    <a:lstStyle/>
-                    <a:p>
-                      <a:r>
-                        <a:rPr lang="en-US" sz="1200" dirty="0">
-                          <a:latin typeface="3270-MEDIUM" panose="02000609000000000000" pitchFamily="49" charset="77"/>
-                          <a:ea typeface="3270-MEDIUM" panose="02000609000000000000" pitchFamily="49" charset="77"/>
-                        </a:rPr>
-                        <a:t>Textiles</a:t>
-                      </a:r>
-                    </a:p>
-                  </a:txBody>
-                  <a:tcPr>
-                    <a:lnL w="12700" cap="flat" cmpd="sng" algn="ctr">
-                      <a:solidFill>
-                        <a:schemeClr val="bg1">
-                          <a:lumMod val="85000"/>
-                        </a:schemeClr>
-                      </a:solidFill>
-                      <a:prstDash val="solid"/>
-                      <a:round/>
-                      <a:headEnd type="none" w="med" len="med"/>
-                      <a:tailEnd type="none" w="med" len="med"/>
-                    </a:lnL>
-                    <a:solidFill>
-                      <a:schemeClr val="bg1">
-                        <a:lumMod val="95000"/>
-                      </a:schemeClr>
-                    </a:solidFill>
-                  </a:tcPr>
-                </a:tc>
-                <a:extLst>
-                  <a:ext uri="{0D108BD9-81ED-4DB2-BD59-A6C34878D82A}">
-                    <a16:rowId xmlns:a16="http://schemas.microsoft.com/office/drawing/2014/main" val="68366329"/>
-                  </a:ext>
-                </a:extLst>
-              </a:tr>
-              <a:tr h="0">
-                <a:tc>
-                  <a:txBody>
-                    <a:bodyPr/>
-                    <a:lstStyle/>
-                    <a:p>
-                      <a:endParaRPr lang="en-US" sz="1200" dirty="0">
-                        <a:latin typeface="3270-MEDIUM" panose="02000609000000000000" pitchFamily="49" charset="77"/>
-                        <a:ea typeface="3270-MEDIUM" panose="02000609000000000000" pitchFamily="49" charset="77"/>
-                      </a:endParaRPr>
-                    </a:p>
-                  </a:txBody>
-                  <a:tcPr>
-                    <a:lnR w="12700" cap="flat" cmpd="sng" algn="ctr">
-                      <a:solidFill>
-                        <a:schemeClr val="bg1">
-                          <a:lumMod val="85000"/>
-                        </a:schemeClr>
-                      </a:solidFill>
-                      <a:prstDash val="solid"/>
-                      <a:round/>
-                      <a:headEnd type="none" w="med" len="med"/>
-                      <a:tailEnd type="none" w="med" len="med"/>
-                    </a:lnR>
-                    <a:solidFill>
-                      <a:schemeClr val="bg1">
-                        <a:lumMod val="95000"/>
-                      </a:schemeClr>
-                    </a:solidFill>
-                  </a:tcPr>
-                </a:tc>
-                <a:tc>
-                  <a:txBody>
-                    <a:bodyPr/>
-                    <a:lstStyle/>
-                    <a:p>
-                      <a:r>
-                        <a:rPr lang="en-US" sz="1200" dirty="0">
-                          <a:latin typeface="3270-MEDIUM" panose="02000609000000000000" pitchFamily="49" charset="77"/>
-                          <a:ea typeface="3270-MEDIUM" panose="02000609000000000000" pitchFamily="49" charset="77"/>
-                        </a:rPr>
-                        <a:t>Lumber</a:t>
-                      </a:r>
-                    </a:p>
-                  </a:txBody>
-                  <a:tcPr>
-                    <a:lnL w="12700" cap="flat" cmpd="sng" algn="ctr">
-                      <a:solidFill>
-                        <a:schemeClr val="bg1">
-                          <a:lumMod val="85000"/>
-                        </a:schemeClr>
-                      </a:solidFill>
-                      <a:prstDash val="solid"/>
-                      <a:round/>
-                      <a:headEnd type="none" w="med" len="med"/>
-                      <a:tailEnd type="none" w="med" len="med"/>
-                    </a:lnL>
-                    <a:solidFill>
-                      <a:schemeClr val="bg1">
-                        <a:lumMod val="95000"/>
-                      </a:schemeClr>
-                    </a:solidFill>
-                  </a:tcPr>
-                </a:tc>
-                <a:extLst>
-                  <a:ext uri="{0D108BD9-81ED-4DB2-BD59-A6C34878D82A}">
-                    <a16:rowId xmlns:a16="http://schemas.microsoft.com/office/drawing/2014/main" val="3204950678"/>
-                  </a:ext>
-                </a:extLst>
-              </a:tr>
-              <a:tr h="0">
-                <a:tc>
-                  <a:txBody>
-                    <a:bodyPr/>
-                    <a:lstStyle/>
-                    <a:p>
-                      <a:endParaRPr lang="en-US" sz="1200" dirty="0">
-                        <a:latin typeface="3270-MEDIUM" panose="02000609000000000000" pitchFamily="49" charset="77"/>
-                        <a:ea typeface="3270-MEDIUM" panose="02000609000000000000" pitchFamily="49" charset="77"/>
-                      </a:endParaRPr>
-                    </a:p>
-                  </a:txBody>
-                  <a:tcPr>
-                    <a:lnR w="12700" cap="flat" cmpd="sng" algn="ctr">
-                      <a:solidFill>
-                        <a:schemeClr val="bg1">
-                          <a:lumMod val="85000"/>
-                        </a:schemeClr>
-                      </a:solidFill>
-                      <a:prstDash val="solid"/>
-                      <a:round/>
-                      <a:headEnd type="none" w="med" len="med"/>
-                      <a:tailEnd type="none" w="med" len="med"/>
-                    </a:lnR>
-                    <a:solidFill>
-                      <a:schemeClr val="bg1">
-                        <a:lumMod val="95000"/>
-                      </a:schemeClr>
-                    </a:solidFill>
-                  </a:tcPr>
-                </a:tc>
-                <a:tc>
-                  <a:txBody>
-                    <a:bodyPr/>
-                    <a:lstStyle/>
-                    <a:p>
-                      <a:r>
-                        <a:rPr lang="en-US" sz="1200" dirty="0">
-                          <a:latin typeface="3270-MEDIUM" panose="02000609000000000000" pitchFamily="49" charset="77"/>
-                          <a:ea typeface="3270-MEDIUM" panose="02000609000000000000" pitchFamily="49" charset="77"/>
-                        </a:rPr>
-                        <a:t>Food</a:t>
-                      </a:r>
-                    </a:p>
-                  </a:txBody>
-                  <a:tcPr>
-                    <a:lnL w="12700" cap="flat" cmpd="sng" algn="ctr">
-                      <a:solidFill>
-                        <a:schemeClr val="bg1">
-                          <a:lumMod val="85000"/>
-                        </a:schemeClr>
-                      </a:solidFill>
-                      <a:prstDash val="solid"/>
-                      <a:round/>
-                      <a:headEnd type="none" w="med" len="med"/>
-                      <a:tailEnd type="none" w="med" len="med"/>
-                    </a:lnL>
-                    <a:solidFill>
-                      <a:schemeClr val="bg1">
-                        <a:lumMod val="95000"/>
-                      </a:schemeClr>
-                    </a:solidFill>
-                  </a:tcPr>
-                </a:tc>
-                <a:extLst>
-                  <a:ext uri="{0D108BD9-81ED-4DB2-BD59-A6C34878D82A}">
-                    <a16:rowId xmlns:a16="http://schemas.microsoft.com/office/drawing/2014/main" val="3815761018"/>
-                  </a:ext>
-                </a:extLst>
-              </a:tr>
-              <a:tr h="0">
-                <a:tc>
-                  <a:txBody>
-                    <a:bodyPr/>
-                    <a:lstStyle/>
-                    <a:p>
-                      <a:endParaRPr lang="en-US" sz="1200" dirty="0">
-                        <a:latin typeface="3270-MEDIUM" panose="02000609000000000000" pitchFamily="49" charset="77"/>
-                        <a:ea typeface="3270-MEDIUM" panose="02000609000000000000" pitchFamily="49" charset="77"/>
-                      </a:endParaRPr>
-                    </a:p>
-                  </a:txBody>
-                  <a:tcPr>
-                    <a:lnR w="12700" cap="flat" cmpd="sng" algn="ctr">
-                      <a:solidFill>
-                        <a:schemeClr val="bg1">
-                          <a:lumMod val="85000"/>
-                        </a:schemeClr>
-                      </a:solidFill>
-                      <a:prstDash val="solid"/>
-                      <a:round/>
-                      <a:headEnd type="none" w="med" len="med"/>
-                      <a:tailEnd type="none" w="med" len="med"/>
-                    </a:lnR>
-                    <a:solidFill>
-                      <a:schemeClr val="bg1">
-                        <a:lumMod val="95000"/>
-                      </a:schemeClr>
-                    </a:solidFill>
-                  </a:tcPr>
-                </a:tc>
-                <a:tc>
-                  <a:txBody>
-                    <a:bodyPr/>
-                    <a:lstStyle/>
-                    <a:p>
-                      <a:r>
-                        <a:rPr lang="en-US" sz="1200" dirty="0">
-                          <a:latin typeface="3270-MEDIUM" panose="02000609000000000000" pitchFamily="49" charset="77"/>
-                          <a:ea typeface="3270-MEDIUM" panose="02000609000000000000" pitchFamily="49" charset="77"/>
-                        </a:rPr>
-                        <a:t>Goods</a:t>
-                      </a:r>
-                    </a:p>
-                  </a:txBody>
-                  <a:tcPr>
-                    <a:lnL w="12700" cap="flat" cmpd="sng" algn="ctr">
-                      <a:solidFill>
-                        <a:schemeClr val="bg1">
-                          <a:lumMod val="85000"/>
-                        </a:schemeClr>
-                      </a:solidFill>
-                      <a:prstDash val="solid"/>
-                      <a:round/>
-                      <a:headEnd type="none" w="med" len="med"/>
-                      <a:tailEnd type="none" w="med" len="med"/>
-                    </a:lnL>
-                    <a:solidFill>
-                      <a:schemeClr val="bg1">
-                        <a:lumMod val="95000"/>
-                      </a:schemeClr>
-                    </a:solidFill>
-                  </a:tcPr>
-                </a:tc>
-                <a:extLst>
-                  <a:ext uri="{0D108BD9-81ED-4DB2-BD59-A6C34878D82A}">
-                    <a16:rowId xmlns:a16="http://schemas.microsoft.com/office/drawing/2014/main" val="3325708241"/>
-                  </a:ext>
-                </a:extLst>
-              </a:tr>
-            </a:tbl>
-          </a:graphicData>
-        </a:graphic>
-      </p:graphicFrame>
-      <p:pic>
-        <p:nvPicPr>
-          <p:cNvPr id="58" name="Graphic 57" descr="Warehouse with solid fill">
-            <a:extLst>
-              <a:ext uri="{FF2B5EF4-FFF2-40B4-BE49-F238E27FC236}">
-                <a16:creationId xmlns:a16="http://schemas.microsoft.com/office/drawing/2014/main" id="{04479B03-8D95-E44A-A1AD-43339B392A78}"/>
-              </a:ext>
-            </a:extLst>
-          </p:cNvPr>
-          <p:cNvPicPr>
-            <a:picLocks noChangeAspect="1"/>
-          </p:cNvPicPr>
-          <p:nvPr/>
-        </p:nvPicPr>
-        <p:blipFill>
-          <a:blip r:embed="rId6">
-            <a:extLst>
-              <a:ext uri="{28A0092B-C50C-407E-A947-70E740481C1C}">
-                <a14:useLocalDpi xmlns:a14="http://schemas.microsoft.com/office/drawing/2010/main" val="0"/>
-              </a:ext>
-              <a:ext uri="{96DAC541-7B7A-43D3-8B79-37D633B846F1}">
-                <asvg:svgBlip xmlns:asvg="http://schemas.microsoft.com/office/drawing/2016/SVG/main" r:embed="rId7"/>
-              </a:ext>
-            </a:extLst>
-          </a:blip>
-          <a:stretch>
-            <a:fillRect/>
-          </a:stretch>
-        </p:blipFill>
-        <p:spPr>
-          <a:xfrm>
-            <a:off x="636600" y="3730752"/>
-            <a:ext cx="685800" cy="685800"/>
-          </a:xfrm>
-          <a:prstGeom prst="rect">
-            <a:avLst/>
-          </a:prstGeom>
-        </p:spPr>
-      </p:pic>
-      <p:graphicFrame>
-        <p:nvGraphicFramePr>
-          <p:cNvPr id="59" name="Table 7">
-            <a:extLst>
-              <a:ext uri="{FF2B5EF4-FFF2-40B4-BE49-F238E27FC236}">
-                <a16:creationId xmlns:a16="http://schemas.microsoft.com/office/drawing/2014/main" id="{F408746E-B14C-4043-8EC1-553DFFBF19C6}"/>
-              </a:ext>
-            </a:extLst>
-          </p:cNvPr>
-          <p:cNvGraphicFramePr>
-            <a:graphicFrameLocks noGrp="1"/>
-          </p:cNvGraphicFramePr>
-          <p:nvPr/>
-        </p:nvGraphicFramePr>
-        <p:xfrm>
-          <a:off x="3406198" y="3649472"/>
-          <a:ext cx="2570975" cy="2536190"/>
-        </p:xfrm>
-        <a:graphic>
-          <a:graphicData uri="http://schemas.openxmlformats.org/drawingml/2006/table">
-            <a:tbl>
-              <a:tblPr firstRow="1">
-                <a:tableStyleId>{7E9639D4-E3E2-4D34-9284-5A2195B3D0D7}</a:tableStyleId>
-              </a:tblPr>
-              <a:tblGrid>
-                <a:gridCol w="920610">
-                  <a:extLst>
-                    <a:ext uri="{9D8B030D-6E8A-4147-A177-3AD203B41FA5}">
-                      <a16:colId xmlns:a16="http://schemas.microsoft.com/office/drawing/2014/main" val="1272844699"/>
-                    </a:ext>
-                  </a:extLst>
-                </a:gridCol>
-                <a:gridCol w="1650365">
-                  <a:extLst>
-                    <a:ext uri="{9D8B030D-6E8A-4147-A177-3AD203B41FA5}">
-                      <a16:colId xmlns:a16="http://schemas.microsoft.com/office/drawing/2014/main" val="128834327"/>
-                    </a:ext>
-                  </a:extLst>
-                </a:gridCol>
-              </a:tblGrid>
-              <a:tr h="890270">
-                <a:tc>
-                  <a:txBody>
-                    <a:bodyPr/>
-                    <a:lstStyle/>
-                    <a:p>
-                      <a:endParaRPr lang="en-US" dirty="0">
-                        <a:latin typeface="3270-MEDIUM" panose="02000609000000000000" pitchFamily="49" charset="77"/>
-                        <a:ea typeface="3270-MEDIUM" panose="02000609000000000000" pitchFamily="49" charset="77"/>
-                      </a:endParaRPr>
-                    </a:p>
-                  </a:txBody>
-                  <a:tcPr>
-                    <a:solidFill>
-                      <a:schemeClr val="accent5"/>
-                    </a:solidFill>
-                  </a:tcPr>
-                </a:tc>
-                <a:tc>
-                  <a:txBody>
-                    <a:bodyPr/>
-                    <a:lstStyle/>
-                    <a:p>
-                      <a:pPr algn="l"/>
-                      <a:r>
-                        <a:rPr lang="en-US" sz="1800" dirty="0">
-                          <a:latin typeface="3270-MEDIUM" panose="02000609000000000000" pitchFamily="49" charset="77"/>
-                          <a:ea typeface="3270-MEDIUM" panose="02000609000000000000" pitchFamily="49" charset="77"/>
-                        </a:rPr>
-                        <a:t>Truck</a:t>
-                      </a:r>
-                      <a:endParaRPr lang="en-US" dirty="0">
-                        <a:latin typeface="3270-MEDIUM" panose="02000609000000000000" pitchFamily="49" charset="77"/>
-                        <a:ea typeface="3270-MEDIUM" panose="02000609000000000000" pitchFamily="49" charset="77"/>
-                      </a:endParaRPr>
-                    </a:p>
-                  </a:txBody>
-                  <a:tcPr anchor="ctr">
-                    <a:solidFill>
-                      <a:schemeClr val="accent5"/>
-                    </a:solidFill>
-                  </a:tcPr>
-                </a:tc>
-                <a:extLst>
-                  <a:ext uri="{0D108BD9-81ED-4DB2-BD59-A6C34878D82A}">
-                    <a16:rowId xmlns:a16="http://schemas.microsoft.com/office/drawing/2014/main" val="2894059538"/>
-                  </a:ext>
-                </a:extLst>
-              </a:tr>
-              <a:tr h="0">
-                <a:tc>
-                  <a:txBody>
-                    <a:bodyPr/>
-                    <a:lstStyle/>
-                    <a:p>
-                      <a:r>
-                        <a:rPr lang="en-US" sz="1200" dirty="0">
-                          <a:latin typeface="3270-MEDIUM" panose="02000609000000000000" pitchFamily="49" charset="77"/>
-                          <a:ea typeface="3270-MEDIUM" panose="02000609000000000000" pitchFamily="49" charset="77"/>
-                        </a:rPr>
-                        <a:t>Type</a:t>
-                      </a:r>
-                    </a:p>
-                  </a:txBody>
-                  <a:tcPr>
-                    <a:lnR w="12700" cap="flat" cmpd="sng" algn="ctr">
-                      <a:solidFill>
-                        <a:schemeClr val="bg1">
-                          <a:lumMod val="85000"/>
-                        </a:schemeClr>
-                      </a:solidFill>
-                      <a:prstDash val="solid"/>
-                      <a:round/>
-                      <a:headEnd type="none" w="med" len="med"/>
-                      <a:tailEnd type="none" w="med" len="med"/>
-                    </a:lnR>
-                  </a:tcPr>
-                </a:tc>
-                <a:tc>
-                  <a:txBody>
-                    <a:bodyPr/>
-                    <a:lstStyle/>
-                    <a:p>
-                      <a:r>
-                        <a:rPr lang="en-US" sz="1200" dirty="0">
-                          <a:latin typeface="3270-MEDIUM" panose="02000609000000000000" pitchFamily="49" charset="77"/>
-                          <a:ea typeface="3270-MEDIUM" panose="02000609000000000000" pitchFamily="49" charset="77"/>
-                        </a:rPr>
-                        <a:t>Vehicle</a:t>
-                      </a:r>
-                    </a:p>
-                  </a:txBody>
-                  <a:tcPr>
-                    <a:lnL w="12700" cap="flat" cmpd="sng" algn="ctr">
-                      <a:solidFill>
-                        <a:schemeClr val="bg1">
-                          <a:lumMod val="85000"/>
-                        </a:schemeClr>
-                      </a:solidFill>
-                      <a:prstDash val="solid"/>
-                      <a:round/>
-                      <a:headEnd type="none" w="med" len="med"/>
-                      <a:tailEnd type="none" w="med" len="med"/>
-                    </a:lnL>
-                  </a:tcPr>
-                </a:tc>
-                <a:extLst>
-                  <a:ext uri="{0D108BD9-81ED-4DB2-BD59-A6C34878D82A}">
-                    <a16:rowId xmlns:a16="http://schemas.microsoft.com/office/drawing/2014/main" val="330879359"/>
-                  </a:ext>
-                </a:extLst>
-              </a:tr>
-              <a:tr h="0">
-                <a:tc>
-                  <a:txBody>
-                    <a:bodyPr/>
-                    <a:lstStyle/>
-                    <a:p>
-                      <a:r>
-                        <a:rPr lang="en-US" sz="1200" dirty="0">
-                          <a:latin typeface="3270-MEDIUM" panose="02000609000000000000" pitchFamily="49" charset="77"/>
-                          <a:ea typeface="3270-MEDIUM" panose="02000609000000000000" pitchFamily="49" charset="77"/>
-                        </a:rPr>
-                        <a:t>Carries</a:t>
-                      </a:r>
-                    </a:p>
-                  </a:txBody>
-                  <a:tcPr>
-                    <a:lnR w="12700" cap="flat" cmpd="sng" algn="ctr">
-                      <a:solidFill>
-                        <a:schemeClr val="bg1">
-                          <a:lumMod val="85000"/>
-                        </a:schemeClr>
-                      </a:solidFill>
-                      <a:prstDash val="solid"/>
-                      <a:round/>
-                      <a:headEnd type="none" w="med" len="med"/>
-                      <a:tailEnd type="none" w="med" len="med"/>
-                    </a:lnR>
-                    <a:solidFill>
-                      <a:schemeClr val="accent5">
-                        <a:lumMod val="20000"/>
-                        <a:lumOff val="80000"/>
-                      </a:schemeClr>
-                    </a:solidFill>
-                  </a:tcPr>
-                </a:tc>
-                <a:tc>
-                  <a:txBody>
-                    <a:bodyPr/>
-                    <a:lstStyle/>
-                    <a:p>
-                      <a:r>
-                        <a:rPr lang="en-US" sz="1200" dirty="0">
-                          <a:latin typeface="3270-MEDIUM" panose="02000609000000000000" pitchFamily="49" charset="77"/>
-                          <a:ea typeface="3270-MEDIUM" panose="02000609000000000000" pitchFamily="49" charset="77"/>
-                        </a:rPr>
-                        <a:t>Crude</a:t>
-                      </a:r>
-                    </a:p>
-                  </a:txBody>
-                  <a:tcPr>
-                    <a:lnL w="12700" cap="flat" cmpd="sng" algn="ctr">
-                      <a:solidFill>
-                        <a:schemeClr val="bg1">
-                          <a:lumMod val="85000"/>
-                        </a:schemeClr>
-                      </a:solidFill>
-                      <a:prstDash val="solid"/>
-                      <a:round/>
-                      <a:headEnd type="none" w="med" len="med"/>
-                      <a:tailEnd type="none" w="med" len="med"/>
-                    </a:lnL>
-                    <a:solidFill>
-                      <a:schemeClr val="accent5">
-                        <a:lumMod val="20000"/>
-                        <a:lumOff val="80000"/>
-                      </a:schemeClr>
-                    </a:solidFill>
-                  </a:tcPr>
-                </a:tc>
-                <a:extLst>
-                  <a:ext uri="{0D108BD9-81ED-4DB2-BD59-A6C34878D82A}">
-                    <a16:rowId xmlns:a16="http://schemas.microsoft.com/office/drawing/2014/main" val="1421599528"/>
-                  </a:ext>
-                </a:extLst>
-              </a:tr>
-              <a:tr h="0">
-                <a:tc>
-                  <a:txBody>
-                    <a:bodyPr/>
-                    <a:lstStyle/>
-                    <a:p>
-                      <a:endParaRPr lang="en-US" sz="1200" dirty="0">
-                        <a:latin typeface="3270-MEDIUM" panose="02000609000000000000" pitchFamily="49" charset="77"/>
-                        <a:ea typeface="3270-MEDIUM" panose="02000609000000000000" pitchFamily="49" charset="77"/>
-                      </a:endParaRPr>
-                    </a:p>
-                  </a:txBody>
-                  <a:tcPr>
-                    <a:lnR w="12700" cap="flat" cmpd="sng" algn="ctr">
-                      <a:solidFill>
-                        <a:schemeClr val="bg1">
-                          <a:lumMod val="85000"/>
-                        </a:schemeClr>
-                      </a:solidFill>
-                      <a:prstDash val="solid"/>
-                      <a:round/>
-                      <a:headEnd type="none" w="med" len="med"/>
-                      <a:tailEnd type="none" w="med" len="med"/>
-                    </a:lnR>
-                    <a:solidFill>
-                      <a:schemeClr val="accent5">
-                        <a:lumMod val="20000"/>
-                        <a:lumOff val="80000"/>
-                      </a:schemeClr>
-                    </a:solidFill>
-                  </a:tcPr>
-                </a:tc>
-                <a:tc>
-                  <a:txBody>
-                    <a:bodyPr/>
-                    <a:lstStyle/>
-                    <a:p>
-                      <a:r>
-                        <a:rPr lang="en-US" sz="1200" dirty="0">
-                          <a:latin typeface="3270-MEDIUM" panose="02000609000000000000" pitchFamily="49" charset="77"/>
-                          <a:ea typeface="3270-MEDIUM" panose="02000609000000000000" pitchFamily="49" charset="77"/>
-                        </a:rPr>
-                        <a:t>Petrochemicals</a:t>
-                      </a:r>
-                    </a:p>
-                  </a:txBody>
-                  <a:tcPr>
-                    <a:lnL w="12700" cap="flat" cmpd="sng" algn="ctr">
-                      <a:solidFill>
-                        <a:schemeClr val="bg1">
-                          <a:lumMod val="85000"/>
-                        </a:schemeClr>
-                      </a:solidFill>
-                      <a:prstDash val="solid"/>
-                      <a:round/>
-                      <a:headEnd type="none" w="med" len="med"/>
-                      <a:tailEnd type="none" w="med" len="med"/>
-                    </a:lnL>
-                    <a:solidFill>
-                      <a:schemeClr val="accent5">
-                        <a:lumMod val="20000"/>
-                        <a:lumOff val="80000"/>
-                      </a:schemeClr>
-                    </a:solidFill>
-                  </a:tcPr>
-                </a:tc>
-                <a:extLst>
-                  <a:ext uri="{0D108BD9-81ED-4DB2-BD59-A6C34878D82A}">
-                    <a16:rowId xmlns:a16="http://schemas.microsoft.com/office/drawing/2014/main" val="3904796240"/>
-                  </a:ext>
-                </a:extLst>
-              </a:tr>
-              <a:tr h="0">
-                <a:tc>
-                  <a:txBody>
-                    <a:bodyPr/>
-                    <a:lstStyle/>
-                    <a:p>
-                      <a:endParaRPr lang="en-US" sz="1200" dirty="0">
-                        <a:latin typeface="3270-MEDIUM" panose="02000609000000000000" pitchFamily="49" charset="77"/>
-                        <a:ea typeface="3270-MEDIUM" panose="02000609000000000000" pitchFamily="49" charset="77"/>
-                      </a:endParaRPr>
-                    </a:p>
-                  </a:txBody>
-                  <a:tcPr>
-                    <a:lnR w="12700" cap="flat" cmpd="sng" algn="ctr">
-                      <a:solidFill>
-                        <a:schemeClr val="bg1">
-                          <a:lumMod val="85000"/>
-                        </a:schemeClr>
-                      </a:solidFill>
-                      <a:prstDash val="solid"/>
-                      <a:round/>
-                      <a:headEnd type="none" w="med" len="med"/>
-                      <a:tailEnd type="none" w="med" len="med"/>
-                    </a:lnR>
-                    <a:solidFill>
-                      <a:schemeClr val="accent5">
-                        <a:lumMod val="20000"/>
-                        <a:lumOff val="80000"/>
-                      </a:schemeClr>
-                    </a:solidFill>
-                  </a:tcPr>
-                </a:tc>
-                <a:tc>
-                  <a:txBody>
-                    <a:bodyPr/>
-                    <a:lstStyle/>
-                    <a:p>
-                      <a:r>
-                        <a:rPr lang="en-US" sz="1200" dirty="0">
-                          <a:latin typeface="3270-MEDIUM" panose="02000609000000000000" pitchFamily="49" charset="77"/>
-                          <a:ea typeface="3270-MEDIUM" panose="02000609000000000000" pitchFamily="49" charset="77"/>
-                        </a:rPr>
-                        <a:t>Cotton, Textiles</a:t>
-                      </a:r>
-                    </a:p>
-                  </a:txBody>
-                  <a:tcPr>
-                    <a:lnL w="12700" cap="flat" cmpd="sng" algn="ctr">
-                      <a:solidFill>
-                        <a:schemeClr val="bg1">
-                          <a:lumMod val="85000"/>
-                        </a:schemeClr>
-                      </a:solidFill>
-                      <a:prstDash val="solid"/>
-                      <a:round/>
-                      <a:headEnd type="none" w="med" len="med"/>
-                      <a:tailEnd type="none" w="med" len="med"/>
-                    </a:lnL>
-                    <a:solidFill>
-                      <a:schemeClr val="accent5">
-                        <a:lumMod val="20000"/>
-                        <a:lumOff val="80000"/>
-                      </a:schemeClr>
-                    </a:solidFill>
-                  </a:tcPr>
-                </a:tc>
-                <a:extLst>
-                  <a:ext uri="{0D108BD9-81ED-4DB2-BD59-A6C34878D82A}">
-                    <a16:rowId xmlns:a16="http://schemas.microsoft.com/office/drawing/2014/main" val="1299690636"/>
-                  </a:ext>
-                </a:extLst>
-              </a:tr>
-              <a:tr h="0">
-                <a:tc>
-                  <a:txBody>
-                    <a:bodyPr/>
-                    <a:lstStyle/>
-                    <a:p>
-                      <a:endParaRPr lang="en-US" sz="1200" dirty="0">
-                        <a:latin typeface="3270-MEDIUM" panose="02000609000000000000" pitchFamily="49" charset="77"/>
-                        <a:ea typeface="3270-MEDIUM" panose="02000609000000000000" pitchFamily="49" charset="77"/>
-                      </a:endParaRPr>
-                    </a:p>
-                  </a:txBody>
-                  <a:tcPr>
-                    <a:lnR w="12700" cap="flat" cmpd="sng" algn="ctr">
-                      <a:solidFill>
-                        <a:schemeClr val="bg1">
-                          <a:lumMod val="85000"/>
-                        </a:schemeClr>
-                      </a:solidFill>
-                      <a:prstDash val="solid"/>
-                      <a:round/>
-                      <a:headEnd type="none" w="med" len="med"/>
-                      <a:tailEnd type="none" w="med" len="med"/>
-                    </a:lnR>
-                    <a:solidFill>
-                      <a:schemeClr val="accent5">
-                        <a:lumMod val="20000"/>
-                        <a:lumOff val="80000"/>
-                      </a:schemeClr>
-                    </a:solidFill>
-                  </a:tcPr>
-                </a:tc>
-                <a:tc>
-                  <a:txBody>
-                    <a:bodyPr/>
-                    <a:lstStyle/>
-                    <a:p>
-                      <a:r>
-                        <a:rPr lang="en-US" sz="1200" dirty="0">
-                          <a:latin typeface="3270-MEDIUM" panose="02000609000000000000" pitchFamily="49" charset="77"/>
-                          <a:ea typeface="3270-MEDIUM" panose="02000609000000000000" pitchFamily="49" charset="77"/>
-                        </a:rPr>
-                        <a:t>Trees, Lumber</a:t>
-                      </a:r>
-                    </a:p>
-                  </a:txBody>
-                  <a:tcPr>
-                    <a:lnL w="12700" cap="flat" cmpd="sng" algn="ctr">
-                      <a:solidFill>
-                        <a:schemeClr val="bg1">
-                          <a:lumMod val="85000"/>
-                        </a:schemeClr>
-                      </a:solidFill>
-                      <a:prstDash val="solid"/>
-                      <a:round/>
-                      <a:headEnd type="none" w="med" len="med"/>
-                      <a:tailEnd type="none" w="med" len="med"/>
-                    </a:lnL>
-                    <a:solidFill>
-                      <a:schemeClr val="accent5">
-                        <a:lumMod val="20000"/>
-                        <a:lumOff val="80000"/>
-                      </a:schemeClr>
-                    </a:solidFill>
-                  </a:tcPr>
-                </a:tc>
-                <a:extLst>
-                  <a:ext uri="{0D108BD9-81ED-4DB2-BD59-A6C34878D82A}">
-                    <a16:rowId xmlns:a16="http://schemas.microsoft.com/office/drawing/2014/main" val="1871616977"/>
-                  </a:ext>
-                </a:extLst>
-              </a:tr>
-              <a:tr h="0">
-                <a:tc>
-                  <a:txBody>
-                    <a:bodyPr/>
-                    <a:lstStyle/>
-                    <a:p>
-                      <a:endParaRPr lang="en-US" sz="1200" dirty="0">
-                        <a:latin typeface="3270-MEDIUM" panose="02000609000000000000" pitchFamily="49" charset="77"/>
-                        <a:ea typeface="3270-MEDIUM" panose="02000609000000000000" pitchFamily="49" charset="77"/>
-                      </a:endParaRPr>
-                    </a:p>
-                  </a:txBody>
-                  <a:tcPr>
-                    <a:lnR w="12700" cap="flat" cmpd="sng" algn="ctr">
-                      <a:solidFill>
-                        <a:schemeClr val="bg1">
-                          <a:lumMod val="85000"/>
-                        </a:schemeClr>
-                      </a:solidFill>
-                      <a:prstDash val="solid"/>
-                      <a:round/>
-                      <a:headEnd type="none" w="med" len="med"/>
-                      <a:tailEnd type="none" w="med" len="med"/>
-                    </a:lnR>
-                    <a:solidFill>
-                      <a:schemeClr val="accent5">
-                        <a:lumMod val="20000"/>
-                        <a:lumOff val="80000"/>
-                      </a:schemeClr>
-                    </a:solidFill>
-                  </a:tcPr>
-                </a:tc>
-                <a:tc>
-                  <a:txBody>
-                    <a:bodyPr/>
-                    <a:lstStyle/>
-                    <a:p>
-                      <a:r>
-                        <a:rPr lang="en-US" sz="1200" dirty="0">
-                          <a:latin typeface="3270-MEDIUM" panose="02000609000000000000" pitchFamily="49" charset="77"/>
-                          <a:ea typeface="3270-MEDIUM" panose="02000609000000000000" pitchFamily="49" charset="77"/>
-                        </a:rPr>
-                        <a:t>Food, Goods</a:t>
-                      </a:r>
-                    </a:p>
-                  </a:txBody>
-                  <a:tcPr>
-                    <a:lnL w="12700" cap="flat" cmpd="sng" algn="ctr">
-                      <a:solidFill>
-                        <a:schemeClr val="bg1">
-                          <a:lumMod val="85000"/>
-                        </a:schemeClr>
-                      </a:solidFill>
-                      <a:prstDash val="solid"/>
-                      <a:round/>
-                      <a:headEnd type="none" w="med" len="med"/>
-                      <a:tailEnd type="none" w="med" len="med"/>
-                    </a:lnL>
-                    <a:solidFill>
-                      <a:schemeClr val="accent5">
-                        <a:lumMod val="20000"/>
-                        <a:lumOff val="80000"/>
-                      </a:schemeClr>
-                    </a:solidFill>
-                  </a:tcPr>
-                </a:tc>
-                <a:extLst>
-                  <a:ext uri="{0D108BD9-81ED-4DB2-BD59-A6C34878D82A}">
-                    <a16:rowId xmlns:a16="http://schemas.microsoft.com/office/drawing/2014/main" val="433398975"/>
-                  </a:ext>
-                </a:extLst>
-              </a:tr>
-            </a:tbl>
-          </a:graphicData>
-        </a:graphic>
-      </p:graphicFrame>
-      <p:graphicFrame>
-        <p:nvGraphicFramePr>
-          <p:cNvPr id="60" name="Table 7">
-            <a:extLst>
-              <a:ext uri="{FF2B5EF4-FFF2-40B4-BE49-F238E27FC236}">
-                <a16:creationId xmlns:a16="http://schemas.microsoft.com/office/drawing/2014/main" id="{BDC7C117-C320-0E46-91A1-417746BFD2AA}"/>
-              </a:ext>
-            </a:extLst>
-          </p:cNvPr>
-          <p:cNvGraphicFramePr>
-            <a:graphicFrameLocks noGrp="1"/>
-          </p:cNvGraphicFramePr>
-          <p:nvPr/>
-        </p:nvGraphicFramePr>
-        <p:xfrm>
-          <a:off x="6301529" y="3649472"/>
-          <a:ext cx="2527999" cy="2536190"/>
-        </p:xfrm>
-        <a:graphic>
-          <a:graphicData uri="http://schemas.openxmlformats.org/drawingml/2006/table">
-            <a:tbl>
-              <a:tblPr firstRow="1">
-                <a:tableStyleId>{7E9639D4-E3E2-4D34-9284-5A2195B3D0D7}</a:tableStyleId>
-              </a:tblPr>
-              <a:tblGrid>
-                <a:gridCol w="911543">
-                  <a:extLst>
-                    <a:ext uri="{9D8B030D-6E8A-4147-A177-3AD203B41FA5}">
-                      <a16:colId xmlns:a16="http://schemas.microsoft.com/office/drawing/2014/main" val="1272844699"/>
-                    </a:ext>
-                  </a:extLst>
-                </a:gridCol>
-                <a:gridCol w="1616456">
-                  <a:extLst>
-                    <a:ext uri="{9D8B030D-6E8A-4147-A177-3AD203B41FA5}">
-                      <a16:colId xmlns:a16="http://schemas.microsoft.com/office/drawing/2014/main" val="128834327"/>
-                    </a:ext>
-                  </a:extLst>
-                </a:gridCol>
-              </a:tblGrid>
-              <a:tr h="890270">
-                <a:tc>
-                  <a:txBody>
-                    <a:bodyPr/>
-                    <a:lstStyle/>
-                    <a:p>
-                      <a:endParaRPr lang="en-US" dirty="0">
-                        <a:latin typeface="3270-MEDIUM" panose="02000609000000000000" pitchFamily="49" charset="77"/>
-                        <a:ea typeface="3270-MEDIUM" panose="02000609000000000000" pitchFamily="49" charset="77"/>
-                      </a:endParaRPr>
-                    </a:p>
-                  </a:txBody>
-                  <a:tcPr>
-                    <a:solidFill>
-                      <a:schemeClr val="accent5"/>
-                    </a:solidFill>
-                  </a:tcPr>
-                </a:tc>
-                <a:tc>
-                  <a:txBody>
-                    <a:bodyPr/>
-                    <a:lstStyle/>
-                    <a:p>
-                      <a:pPr algn="l"/>
-                      <a:r>
-                        <a:rPr lang="en-US" sz="1800" dirty="0">
-                          <a:latin typeface="3270-MEDIUM" panose="02000609000000000000" pitchFamily="49" charset="77"/>
-                          <a:ea typeface="3270-MEDIUM" panose="02000609000000000000" pitchFamily="49" charset="77"/>
-                        </a:rPr>
-                        <a:t>Plane</a:t>
-                      </a:r>
-                      <a:endParaRPr lang="en-US" dirty="0">
-                        <a:latin typeface="3270-MEDIUM" panose="02000609000000000000" pitchFamily="49" charset="77"/>
-                        <a:ea typeface="3270-MEDIUM" panose="02000609000000000000" pitchFamily="49" charset="77"/>
-                      </a:endParaRPr>
-                    </a:p>
-                  </a:txBody>
-                  <a:tcPr anchor="ctr">
-                    <a:solidFill>
-                      <a:schemeClr val="accent5"/>
-                    </a:solidFill>
-                  </a:tcPr>
-                </a:tc>
-                <a:extLst>
-                  <a:ext uri="{0D108BD9-81ED-4DB2-BD59-A6C34878D82A}">
-                    <a16:rowId xmlns:a16="http://schemas.microsoft.com/office/drawing/2014/main" val="2894059538"/>
-                  </a:ext>
-                </a:extLst>
-              </a:tr>
-              <a:tr h="0">
-                <a:tc>
-                  <a:txBody>
-                    <a:bodyPr/>
-                    <a:lstStyle/>
-                    <a:p>
-                      <a:r>
-                        <a:rPr lang="en-US" sz="1200" dirty="0">
-                          <a:latin typeface="3270-MEDIUM" panose="02000609000000000000" pitchFamily="49" charset="77"/>
-                          <a:ea typeface="3270-MEDIUM" panose="02000609000000000000" pitchFamily="49" charset="77"/>
-                        </a:rPr>
-                        <a:t>Type</a:t>
-                      </a:r>
-                    </a:p>
-                  </a:txBody>
-                  <a:tcPr>
-                    <a:lnR w="12700" cap="flat" cmpd="sng" algn="ctr">
-                      <a:solidFill>
-                        <a:schemeClr val="bg1">
-                          <a:lumMod val="85000"/>
-                        </a:schemeClr>
-                      </a:solidFill>
-                      <a:prstDash val="solid"/>
-                      <a:round/>
-                      <a:headEnd type="none" w="med" len="med"/>
-                      <a:tailEnd type="none" w="med" len="med"/>
-                    </a:lnR>
-                  </a:tcPr>
-                </a:tc>
-                <a:tc>
-                  <a:txBody>
-                    <a:bodyPr/>
-                    <a:lstStyle/>
-                    <a:p>
-                      <a:r>
-                        <a:rPr lang="en-US" sz="1200" dirty="0">
-                          <a:latin typeface="3270-MEDIUM" panose="02000609000000000000" pitchFamily="49" charset="77"/>
-                          <a:ea typeface="3270-MEDIUM" panose="02000609000000000000" pitchFamily="49" charset="77"/>
-                        </a:rPr>
-                        <a:t>Vehicle</a:t>
-                      </a:r>
-                    </a:p>
-                  </a:txBody>
-                  <a:tcPr>
-                    <a:lnL w="12700" cap="flat" cmpd="sng" algn="ctr">
-                      <a:solidFill>
-                        <a:schemeClr val="bg1">
-                          <a:lumMod val="85000"/>
-                        </a:schemeClr>
-                      </a:solidFill>
-                      <a:prstDash val="solid"/>
-                      <a:round/>
-                      <a:headEnd type="none" w="med" len="med"/>
-                      <a:tailEnd type="none" w="med" len="med"/>
-                    </a:lnL>
-                  </a:tcPr>
-                </a:tc>
-                <a:extLst>
-                  <a:ext uri="{0D108BD9-81ED-4DB2-BD59-A6C34878D82A}">
-                    <a16:rowId xmlns:a16="http://schemas.microsoft.com/office/drawing/2014/main" val="2903128856"/>
-                  </a:ext>
-                </a:extLst>
-              </a:tr>
-              <a:tr h="0">
-                <a:tc>
-                  <a:txBody>
-                    <a:bodyPr/>
-                    <a:lstStyle/>
-                    <a:p>
-                      <a:r>
-                        <a:rPr lang="en-US" sz="1200" dirty="0">
-                          <a:latin typeface="3270-MEDIUM" panose="02000609000000000000" pitchFamily="49" charset="77"/>
-                          <a:ea typeface="3270-MEDIUM" panose="02000609000000000000" pitchFamily="49" charset="77"/>
-                        </a:rPr>
-                        <a:t>Carries</a:t>
-                      </a:r>
-                    </a:p>
-                  </a:txBody>
-                  <a:tcPr>
-                    <a:lnR w="12700" cap="flat" cmpd="sng" algn="ctr">
-                      <a:solidFill>
-                        <a:schemeClr val="bg1">
-                          <a:lumMod val="85000"/>
-                        </a:schemeClr>
-                      </a:solidFill>
-                      <a:prstDash val="solid"/>
-                      <a:round/>
-                      <a:headEnd type="none" w="med" len="med"/>
-                      <a:tailEnd type="none" w="med" len="med"/>
-                    </a:lnR>
-                    <a:solidFill>
-                      <a:schemeClr val="accent5">
-                        <a:lumMod val="20000"/>
-                        <a:lumOff val="80000"/>
-                      </a:schemeClr>
-                    </a:solidFill>
-                  </a:tcPr>
-                </a:tc>
-                <a:tc>
-                  <a:txBody>
-                    <a:bodyPr/>
-                    <a:lstStyle/>
-                    <a:p>
-                      <a:r>
-                        <a:rPr lang="en-US" sz="1200" dirty="0">
-                          <a:latin typeface="3270-MEDIUM" panose="02000609000000000000" pitchFamily="49" charset="77"/>
-                          <a:ea typeface="3270-MEDIUM" panose="02000609000000000000" pitchFamily="49" charset="77"/>
-                        </a:rPr>
-                        <a:t>Petrochemicals</a:t>
-                      </a:r>
-                    </a:p>
-                  </a:txBody>
-                  <a:tcPr>
-                    <a:lnL w="12700" cap="flat" cmpd="sng" algn="ctr">
-                      <a:solidFill>
-                        <a:schemeClr val="bg1">
-                          <a:lumMod val="85000"/>
-                        </a:schemeClr>
-                      </a:solidFill>
-                      <a:prstDash val="solid"/>
-                      <a:round/>
-                      <a:headEnd type="none" w="med" len="med"/>
-                      <a:tailEnd type="none" w="med" len="med"/>
-                    </a:lnL>
-                    <a:solidFill>
-                      <a:schemeClr val="accent5">
-                        <a:lumMod val="20000"/>
-                        <a:lumOff val="80000"/>
-                      </a:schemeClr>
-                    </a:solidFill>
-                  </a:tcPr>
-                </a:tc>
-                <a:extLst>
-                  <a:ext uri="{0D108BD9-81ED-4DB2-BD59-A6C34878D82A}">
-                    <a16:rowId xmlns:a16="http://schemas.microsoft.com/office/drawing/2014/main" val="1421599528"/>
-                  </a:ext>
-                </a:extLst>
-              </a:tr>
-              <a:tr h="0">
-                <a:tc>
-                  <a:txBody>
-                    <a:bodyPr/>
-                    <a:lstStyle/>
-                    <a:p>
-                      <a:endParaRPr lang="en-US" sz="1200" dirty="0">
-                        <a:latin typeface="3270-MEDIUM" panose="02000609000000000000" pitchFamily="49" charset="77"/>
-                        <a:ea typeface="3270-MEDIUM" panose="02000609000000000000" pitchFamily="49" charset="77"/>
-                      </a:endParaRPr>
-                    </a:p>
-                  </a:txBody>
-                  <a:tcPr>
-                    <a:lnR w="12700" cap="flat" cmpd="sng" algn="ctr">
-                      <a:solidFill>
-                        <a:schemeClr val="bg1">
-                          <a:lumMod val="85000"/>
-                        </a:schemeClr>
-                      </a:solidFill>
-                      <a:prstDash val="solid"/>
-                      <a:round/>
-                      <a:headEnd type="none" w="med" len="med"/>
-                      <a:tailEnd type="none" w="med" len="med"/>
-                    </a:lnR>
-                    <a:solidFill>
-                      <a:schemeClr val="accent5">
-                        <a:lumMod val="20000"/>
-                        <a:lumOff val="80000"/>
-                      </a:schemeClr>
-                    </a:solidFill>
-                  </a:tcPr>
-                </a:tc>
-                <a:tc>
-                  <a:txBody>
-                    <a:bodyPr/>
-                    <a:lstStyle/>
-                    <a:p>
-                      <a:r>
-                        <a:rPr lang="en-US" sz="1200" dirty="0">
-                          <a:latin typeface="3270-MEDIUM" panose="02000609000000000000" pitchFamily="49" charset="77"/>
-                          <a:ea typeface="3270-MEDIUM" panose="02000609000000000000" pitchFamily="49" charset="77"/>
-                        </a:rPr>
-                        <a:t>Textiles</a:t>
-                      </a:r>
-                    </a:p>
-                  </a:txBody>
-                  <a:tcPr>
-                    <a:lnL w="12700" cap="flat" cmpd="sng" algn="ctr">
-                      <a:solidFill>
-                        <a:schemeClr val="bg1">
-                          <a:lumMod val="85000"/>
-                        </a:schemeClr>
-                      </a:solidFill>
-                      <a:prstDash val="solid"/>
-                      <a:round/>
-                      <a:headEnd type="none" w="med" len="med"/>
-                      <a:tailEnd type="none" w="med" len="med"/>
-                    </a:lnL>
-                    <a:solidFill>
-                      <a:schemeClr val="accent5">
-                        <a:lumMod val="20000"/>
-                        <a:lumOff val="80000"/>
-                      </a:schemeClr>
-                    </a:solidFill>
-                  </a:tcPr>
-                </a:tc>
-                <a:extLst>
-                  <a:ext uri="{0D108BD9-81ED-4DB2-BD59-A6C34878D82A}">
-                    <a16:rowId xmlns:a16="http://schemas.microsoft.com/office/drawing/2014/main" val="2031078206"/>
-                  </a:ext>
-                </a:extLst>
-              </a:tr>
-              <a:tr h="0">
-                <a:tc>
-                  <a:txBody>
-                    <a:bodyPr/>
-                    <a:lstStyle/>
-                    <a:p>
-                      <a:endParaRPr lang="en-US" sz="1200" dirty="0">
-                        <a:latin typeface="3270-MEDIUM" panose="02000609000000000000" pitchFamily="49" charset="77"/>
-                        <a:ea typeface="3270-MEDIUM" panose="02000609000000000000" pitchFamily="49" charset="77"/>
-                      </a:endParaRPr>
-                    </a:p>
-                  </a:txBody>
-                  <a:tcPr>
-                    <a:lnR w="12700" cap="flat" cmpd="sng" algn="ctr">
-                      <a:solidFill>
-                        <a:schemeClr val="bg1">
-                          <a:lumMod val="85000"/>
-                        </a:schemeClr>
-                      </a:solidFill>
-                      <a:prstDash val="solid"/>
-                      <a:round/>
-                      <a:headEnd type="none" w="med" len="med"/>
-                      <a:tailEnd type="none" w="med" len="med"/>
-                    </a:lnR>
-                    <a:solidFill>
-                      <a:schemeClr val="accent5">
-                        <a:lumMod val="20000"/>
-                        <a:lumOff val="80000"/>
-                      </a:schemeClr>
-                    </a:solidFill>
-                  </a:tcPr>
-                </a:tc>
-                <a:tc>
-                  <a:txBody>
-                    <a:bodyPr/>
-                    <a:lstStyle/>
-                    <a:p>
-                      <a:r>
-                        <a:rPr lang="en-US" sz="1200" dirty="0">
-                          <a:latin typeface="3270-MEDIUM" panose="02000609000000000000" pitchFamily="49" charset="77"/>
-                          <a:ea typeface="3270-MEDIUM" panose="02000609000000000000" pitchFamily="49" charset="77"/>
-                        </a:rPr>
-                        <a:t>Food</a:t>
-                      </a:r>
-                    </a:p>
-                  </a:txBody>
-                  <a:tcPr>
-                    <a:lnL w="12700" cap="flat" cmpd="sng" algn="ctr">
-                      <a:solidFill>
-                        <a:schemeClr val="bg1">
-                          <a:lumMod val="85000"/>
-                        </a:schemeClr>
-                      </a:solidFill>
-                      <a:prstDash val="solid"/>
-                      <a:round/>
-                      <a:headEnd type="none" w="med" len="med"/>
-                      <a:tailEnd type="none" w="med" len="med"/>
-                    </a:lnL>
-                    <a:solidFill>
-                      <a:schemeClr val="accent5">
-                        <a:lumMod val="20000"/>
-                        <a:lumOff val="80000"/>
-                      </a:schemeClr>
-                    </a:solidFill>
-                  </a:tcPr>
-                </a:tc>
-                <a:extLst>
-                  <a:ext uri="{0D108BD9-81ED-4DB2-BD59-A6C34878D82A}">
-                    <a16:rowId xmlns:a16="http://schemas.microsoft.com/office/drawing/2014/main" val="3277922784"/>
-                  </a:ext>
-                </a:extLst>
-              </a:tr>
-              <a:tr h="0">
-                <a:tc>
-                  <a:txBody>
-                    <a:bodyPr/>
-                    <a:lstStyle/>
-                    <a:p>
-                      <a:endParaRPr lang="en-US" sz="1200" dirty="0">
-                        <a:latin typeface="3270-MEDIUM" panose="02000609000000000000" pitchFamily="49" charset="77"/>
-                        <a:ea typeface="3270-MEDIUM" panose="02000609000000000000" pitchFamily="49" charset="77"/>
-                      </a:endParaRPr>
-                    </a:p>
-                  </a:txBody>
-                  <a:tcPr>
-                    <a:lnR w="12700" cap="flat" cmpd="sng" algn="ctr">
-                      <a:solidFill>
-                        <a:schemeClr val="bg1">
-                          <a:lumMod val="85000"/>
-                        </a:schemeClr>
-                      </a:solidFill>
-                      <a:prstDash val="solid"/>
-                      <a:round/>
-                      <a:headEnd type="none" w="med" len="med"/>
-                      <a:tailEnd type="none" w="med" len="med"/>
-                    </a:lnR>
-                    <a:solidFill>
-                      <a:schemeClr val="accent5">
-                        <a:lumMod val="20000"/>
-                        <a:lumOff val="80000"/>
-                      </a:schemeClr>
-                    </a:solidFill>
-                  </a:tcPr>
-                </a:tc>
-                <a:tc>
-                  <a:txBody>
-                    <a:bodyPr/>
-                    <a:lstStyle/>
-                    <a:p>
-                      <a:r>
-                        <a:rPr lang="en-US" sz="1200" dirty="0">
-                          <a:latin typeface="3270-MEDIUM" panose="02000609000000000000" pitchFamily="49" charset="77"/>
-                          <a:ea typeface="3270-MEDIUM" panose="02000609000000000000" pitchFamily="49" charset="77"/>
-                        </a:rPr>
-                        <a:t>Goods</a:t>
-                      </a:r>
-                    </a:p>
-                  </a:txBody>
-                  <a:tcPr>
-                    <a:lnL w="12700" cap="flat" cmpd="sng" algn="ctr">
-                      <a:solidFill>
-                        <a:schemeClr val="bg1">
-                          <a:lumMod val="85000"/>
-                        </a:schemeClr>
-                      </a:solidFill>
-                      <a:prstDash val="solid"/>
-                      <a:round/>
-                      <a:headEnd type="none" w="med" len="med"/>
-                      <a:tailEnd type="none" w="med" len="med"/>
-                    </a:lnL>
-                    <a:solidFill>
-                      <a:schemeClr val="accent5">
-                        <a:lumMod val="20000"/>
-                        <a:lumOff val="80000"/>
-                      </a:schemeClr>
-                    </a:solidFill>
-                  </a:tcPr>
-                </a:tc>
-                <a:extLst>
-                  <a:ext uri="{0D108BD9-81ED-4DB2-BD59-A6C34878D82A}">
-                    <a16:rowId xmlns:a16="http://schemas.microsoft.com/office/drawing/2014/main" val="850234154"/>
-                  </a:ext>
-                </a:extLst>
-              </a:tr>
-              <a:tr h="0">
-                <a:tc>
-                  <a:txBody>
-                    <a:bodyPr/>
-                    <a:lstStyle/>
-                    <a:p>
-                      <a:endParaRPr lang="en-US" sz="1200" dirty="0">
-                        <a:latin typeface="3270-MEDIUM" panose="02000609000000000000" pitchFamily="49" charset="77"/>
-                        <a:ea typeface="3270-MEDIUM" panose="02000609000000000000" pitchFamily="49" charset="77"/>
-                      </a:endParaRPr>
-                    </a:p>
-                  </a:txBody>
-                  <a:tcPr>
-                    <a:lnR w="12700" cap="flat" cmpd="sng" algn="ctr">
-                      <a:solidFill>
-                        <a:schemeClr val="bg1">
-                          <a:lumMod val="85000"/>
-                        </a:schemeClr>
-                      </a:solidFill>
-                      <a:prstDash val="solid"/>
-                      <a:round/>
-                      <a:headEnd type="none" w="med" len="med"/>
-                      <a:tailEnd type="none" w="med" len="med"/>
-                    </a:lnR>
-                    <a:solidFill>
-                      <a:schemeClr val="accent5">
-                        <a:lumMod val="20000"/>
-                        <a:lumOff val="80000"/>
-                      </a:schemeClr>
-                    </a:solidFill>
-                  </a:tcPr>
-                </a:tc>
-                <a:tc>
-                  <a:txBody>
-                    <a:bodyPr/>
-                    <a:lstStyle/>
-                    <a:p>
-                      <a:endParaRPr lang="en-US" sz="1200" dirty="0">
-                        <a:latin typeface="3270-MEDIUM" panose="02000609000000000000" pitchFamily="49" charset="77"/>
-                        <a:ea typeface="3270-MEDIUM" panose="02000609000000000000" pitchFamily="49" charset="77"/>
-                      </a:endParaRPr>
-                    </a:p>
-                  </a:txBody>
-                  <a:tcPr>
-                    <a:lnL w="12700" cap="flat" cmpd="sng" algn="ctr">
-                      <a:solidFill>
-                        <a:schemeClr val="bg1">
-                          <a:lumMod val="85000"/>
-                        </a:schemeClr>
-                      </a:solidFill>
-                      <a:prstDash val="solid"/>
-                      <a:round/>
-                      <a:headEnd type="none" w="med" len="med"/>
-                      <a:tailEnd type="none" w="med" len="med"/>
-                    </a:lnL>
-                    <a:solidFill>
-                      <a:schemeClr val="accent5">
-                        <a:lumMod val="20000"/>
-                        <a:lumOff val="80000"/>
-                      </a:schemeClr>
-                    </a:solidFill>
-                  </a:tcPr>
-                </a:tc>
-                <a:extLst>
-                  <a:ext uri="{0D108BD9-81ED-4DB2-BD59-A6C34878D82A}">
-                    <a16:rowId xmlns:a16="http://schemas.microsoft.com/office/drawing/2014/main" val="2087540763"/>
-                  </a:ext>
-                </a:extLst>
-              </a:tr>
-            </a:tbl>
-          </a:graphicData>
-        </a:graphic>
-      </p:graphicFrame>
-      <p:graphicFrame>
-        <p:nvGraphicFramePr>
-          <p:cNvPr id="61" name="Table 7">
-            <a:extLst>
-              <a:ext uri="{FF2B5EF4-FFF2-40B4-BE49-F238E27FC236}">
-                <a16:creationId xmlns:a16="http://schemas.microsoft.com/office/drawing/2014/main" id="{1CCDFBF7-33B4-D14A-AA53-EE86C66929D5}"/>
-              </a:ext>
-            </a:extLst>
-          </p:cNvPr>
-          <p:cNvGraphicFramePr>
-            <a:graphicFrameLocks noGrp="1"/>
-          </p:cNvGraphicFramePr>
-          <p:nvPr/>
-        </p:nvGraphicFramePr>
-        <p:xfrm>
-          <a:off x="9153884" y="3639312"/>
-          <a:ext cx="2570974" cy="2536190"/>
-        </p:xfrm>
-        <a:graphic>
-          <a:graphicData uri="http://schemas.openxmlformats.org/drawingml/2006/table">
-            <a:tbl>
-              <a:tblPr firstRow="1">
-                <a:tableStyleId>{7E9639D4-E3E2-4D34-9284-5A2195B3D0D7}</a:tableStyleId>
-              </a:tblPr>
-              <a:tblGrid>
-                <a:gridCol w="1021112">
-                  <a:extLst>
-                    <a:ext uri="{9D8B030D-6E8A-4147-A177-3AD203B41FA5}">
-                      <a16:colId xmlns:a16="http://schemas.microsoft.com/office/drawing/2014/main" val="1272844699"/>
-                    </a:ext>
-                  </a:extLst>
-                </a:gridCol>
-                <a:gridCol w="1549862">
-                  <a:extLst>
-                    <a:ext uri="{9D8B030D-6E8A-4147-A177-3AD203B41FA5}">
-                      <a16:colId xmlns:a16="http://schemas.microsoft.com/office/drawing/2014/main" val="128834327"/>
-                    </a:ext>
-                  </a:extLst>
-                </a:gridCol>
-              </a:tblGrid>
-              <a:tr h="890270">
-                <a:tc>
-                  <a:txBody>
-                    <a:bodyPr/>
-                    <a:lstStyle/>
-                    <a:p>
-                      <a:endParaRPr lang="en-US" dirty="0">
-                        <a:latin typeface="3270-MEDIUM" panose="02000609000000000000" pitchFamily="49" charset="77"/>
-                        <a:ea typeface="3270-MEDIUM" panose="02000609000000000000" pitchFamily="49" charset="77"/>
-                      </a:endParaRPr>
-                    </a:p>
-                  </a:txBody>
-                  <a:tcPr>
-                    <a:solidFill>
-                      <a:schemeClr val="accent5"/>
-                    </a:solidFill>
-                  </a:tcPr>
-                </a:tc>
-                <a:tc>
-                  <a:txBody>
-                    <a:bodyPr/>
-                    <a:lstStyle/>
-                    <a:p>
-                      <a:pPr algn="l"/>
-                      <a:r>
-                        <a:rPr lang="en-US" sz="1800" dirty="0">
-                          <a:latin typeface="3270-MEDIUM" panose="02000609000000000000" pitchFamily="49" charset="77"/>
-                          <a:ea typeface="3270-MEDIUM" panose="02000609000000000000" pitchFamily="49" charset="77"/>
-                        </a:rPr>
-                        <a:t>Ship</a:t>
-                      </a:r>
-                      <a:endParaRPr lang="en-US" dirty="0">
-                        <a:latin typeface="3270-MEDIUM" panose="02000609000000000000" pitchFamily="49" charset="77"/>
-                        <a:ea typeface="3270-MEDIUM" panose="02000609000000000000" pitchFamily="49" charset="77"/>
-                      </a:endParaRPr>
-                    </a:p>
-                  </a:txBody>
-                  <a:tcPr anchor="ctr">
-                    <a:solidFill>
-                      <a:schemeClr val="accent5"/>
-                    </a:solidFill>
-                  </a:tcPr>
-                </a:tc>
-                <a:extLst>
-                  <a:ext uri="{0D108BD9-81ED-4DB2-BD59-A6C34878D82A}">
-                    <a16:rowId xmlns:a16="http://schemas.microsoft.com/office/drawing/2014/main" val="2894059538"/>
-                  </a:ext>
-                </a:extLst>
-              </a:tr>
-              <a:tr h="0">
-                <a:tc>
-                  <a:txBody>
-                    <a:bodyPr/>
-                    <a:lstStyle/>
-                    <a:p>
-                      <a:r>
-                        <a:rPr lang="en-US" sz="1200" dirty="0">
-                          <a:latin typeface="3270-MEDIUM" panose="02000609000000000000" pitchFamily="49" charset="77"/>
-                          <a:ea typeface="3270-MEDIUM" panose="02000609000000000000" pitchFamily="49" charset="77"/>
-                        </a:rPr>
-                        <a:t>Type</a:t>
-                      </a:r>
-                    </a:p>
-                  </a:txBody>
-                  <a:tcPr>
-                    <a:lnR w="12700" cap="flat" cmpd="sng" algn="ctr">
-                      <a:solidFill>
-                        <a:schemeClr val="bg1">
-                          <a:lumMod val="85000"/>
-                        </a:schemeClr>
-                      </a:solidFill>
-                      <a:prstDash val="solid"/>
-                      <a:round/>
-                      <a:headEnd type="none" w="med" len="med"/>
-                      <a:tailEnd type="none" w="med" len="med"/>
-                    </a:lnR>
-                  </a:tcPr>
-                </a:tc>
-                <a:tc>
-                  <a:txBody>
-                    <a:bodyPr/>
-                    <a:lstStyle/>
-                    <a:p>
-                      <a:r>
-                        <a:rPr lang="en-US" sz="1200" dirty="0">
-                          <a:latin typeface="3270-MEDIUM" panose="02000609000000000000" pitchFamily="49" charset="77"/>
-                          <a:ea typeface="3270-MEDIUM" panose="02000609000000000000" pitchFamily="49" charset="77"/>
-                        </a:rPr>
-                        <a:t>Vehicle</a:t>
-                      </a:r>
-                    </a:p>
-                  </a:txBody>
-                  <a:tcPr>
-                    <a:lnL w="12700" cap="flat" cmpd="sng" algn="ctr">
-                      <a:solidFill>
-                        <a:schemeClr val="bg1">
-                          <a:lumMod val="85000"/>
-                        </a:schemeClr>
-                      </a:solidFill>
-                      <a:prstDash val="solid"/>
-                      <a:round/>
-                      <a:headEnd type="none" w="med" len="med"/>
-                      <a:tailEnd type="none" w="med" len="med"/>
-                    </a:lnL>
-                  </a:tcPr>
-                </a:tc>
-                <a:extLst>
-                  <a:ext uri="{0D108BD9-81ED-4DB2-BD59-A6C34878D82A}">
-                    <a16:rowId xmlns:a16="http://schemas.microsoft.com/office/drawing/2014/main" val="2903128856"/>
-                  </a:ext>
-                </a:extLst>
-              </a:tr>
-              <a:tr h="0">
-                <a:tc>
-                  <a:txBody>
-                    <a:bodyPr/>
-                    <a:lstStyle/>
-                    <a:p>
-                      <a:r>
-                        <a:rPr lang="en-US" sz="1200" dirty="0">
-                          <a:latin typeface="3270-MEDIUM" panose="02000609000000000000" pitchFamily="49" charset="77"/>
-                          <a:ea typeface="3270-MEDIUM" panose="02000609000000000000" pitchFamily="49" charset="77"/>
-                        </a:rPr>
-                        <a:t>Carries</a:t>
-                      </a:r>
-                    </a:p>
-                  </a:txBody>
-                  <a:tcPr>
-                    <a:lnR w="12700" cap="flat" cmpd="sng" algn="ctr">
-                      <a:solidFill>
-                        <a:schemeClr val="bg1">
-                          <a:lumMod val="85000"/>
-                        </a:schemeClr>
-                      </a:solidFill>
-                      <a:prstDash val="solid"/>
-                      <a:round/>
-                      <a:headEnd type="none" w="med" len="med"/>
-                      <a:tailEnd type="none" w="med" len="med"/>
-                    </a:lnR>
-                    <a:solidFill>
-                      <a:schemeClr val="accent5">
-                        <a:lumMod val="20000"/>
-                        <a:lumOff val="80000"/>
-                      </a:schemeClr>
-                    </a:solidFill>
-                  </a:tcPr>
-                </a:tc>
-                <a:tc>
-                  <a:txBody>
-                    <a:bodyPr/>
-                    <a:lstStyle/>
-                    <a:p>
-                      <a:r>
-                        <a:rPr lang="en-US" sz="1200" dirty="0">
-                          <a:latin typeface="3270-MEDIUM" panose="02000609000000000000" pitchFamily="49" charset="77"/>
-                          <a:ea typeface="3270-MEDIUM" panose="02000609000000000000" pitchFamily="49" charset="77"/>
-                        </a:rPr>
-                        <a:t>Petrochemicals</a:t>
-                      </a:r>
-                    </a:p>
-                  </a:txBody>
-                  <a:tcPr>
-                    <a:lnL w="12700" cap="flat" cmpd="sng" algn="ctr">
-                      <a:solidFill>
-                        <a:schemeClr val="bg1">
-                          <a:lumMod val="85000"/>
-                        </a:schemeClr>
-                      </a:solidFill>
-                      <a:prstDash val="solid"/>
-                      <a:round/>
-                      <a:headEnd type="none" w="med" len="med"/>
-                      <a:tailEnd type="none" w="med" len="med"/>
-                    </a:lnL>
-                    <a:solidFill>
-                      <a:schemeClr val="accent5">
-                        <a:lumMod val="20000"/>
-                        <a:lumOff val="80000"/>
-                      </a:schemeClr>
-                    </a:solidFill>
-                  </a:tcPr>
-                </a:tc>
-                <a:extLst>
-                  <a:ext uri="{0D108BD9-81ED-4DB2-BD59-A6C34878D82A}">
-                    <a16:rowId xmlns:a16="http://schemas.microsoft.com/office/drawing/2014/main" val="1421599528"/>
-                  </a:ext>
-                </a:extLst>
-              </a:tr>
-              <a:tr h="0">
-                <a:tc>
-                  <a:txBody>
-                    <a:bodyPr/>
-                    <a:lstStyle/>
-                    <a:p>
-                      <a:endParaRPr lang="en-US" sz="1200" dirty="0">
-                        <a:latin typeface="3270-MEDIUM" panose="02000609000000000000" pitchFamily="49" charset="77"/>
-                        <a:ea typeface="3270-MEDIUM" panose="02000609000000000000" pitchFamily="49" charset="77"/>
-                      </a:endParaRPr>
-                    </a:p>
-                  </a:txBody>
-                  <a:tcPr>
-                    <a:lnR w="12700" cap="flat" cmpd="sng" algn="ctr">
-                      <a:solidFill>
-                        <a:schemeClr val="bg1">
-                          <a:lumMod val="85000"/>
-                        </a:schemeClr>
-                      </a:solidFill>
-                      <a:prstDash val="solid"/>
-                      <a:round/>
-                      <a:headEnd type="none" w="med" len="med"/>
-                      <a:tailEnd type="none" w="med" len="med"/>
-                    </a:lnR>
-                    <a:solidFill>
-                      <a:schemeClr val="accent5">
-                        <a:lumMod val="20000"/>
-                        <a:lumOff val="80000"/>
-                      </a:schemeClr>
-                    </a:solidFill>
-                  </a:tcPr>
-                </a:tc>
-                <a:tc>
-                  <a:txBody>
-                    <a:bodyPr/>
-                    <a:lstStyle/>
-                    <a:p>
-                      <a:r>
-                        <a:rPr lang="en-US" sz="1200" dirty="0">
-                          <a:latin typeface="3270-MEDIUM" panose="02000609000000000000" pitchFamily="49" charset="77"/>
-                          <a:ea typeface="3270-MEDIUM" panose="02000609000000000000" pitchFamily="49" charset="77"/>
-                        </a:rPr>
-                        <a:t>Textiles</a:t>
-                      </a:r>
-                    </a:p>
-                  </a:txBody>
-                  <a:tcPr>
-                    <a:lnL w="12700" cap="flat" cmpd="sng" algn="ctr">
-                      <a:solidFill>
-                        <a:schemeClr val="bg1">
-                          <a:lumMod val="85000"/>
-                        </a:schemeClr>
-                      </a:solidFill>
-                      <a:prstDash val="solid"/>
-                      <a:round/>
-                      <a:headEnd type="none" w="med" len="med"/>
-                      <a:tailEnd type="none" w="med" len="med"/>
-                    </a:lnL>
-                    <a:solidFill>
-                      <a:schemeClr val="accent5">
-                        <a:lumMod val="20000"/>
-                        <a:lumOff val="80000"/>
-                      </a:schemeClr>
-                    </a:solidFill>
-                  </a:tcPr>
-                </a:tc>
-                <a:extLst>
-                  <a:ext uri="{0D108BD9-81ED-4DB2-BD59-A6C34878D82A}">
-                    <a16:rowId xmlns:a16="http://schemas.microsoft.com/office/drawing/2014/main" val="2031078206"/>
-                  </a:ext>
-                </a:extLst>
-              </a:tr>
-              <a:tr h="0">
-                <a:tc>
-                  <a:txBody>
-                    <a:bodyPr/>
-                    <a:lstStyle/>
-                    <a:p>
-                      <a:endParaRPr lang="en-US" sz="1200" dirty="0">
-                        <a:latin typeface="3270-MEDIUM" panose="02000609000000000000" pitchFamily="49" charset="77"/>
-                        <a:ea typeface="3270-MEDIUM" panose="02000609000000000000" pitchFamily="49" charset="77"/>
-                      </a:endParaRPr>
-                    </a:p>
-                  </a:txBody>
-                  <a:tcPr>
-                    <a:lnR w="12700" cap="flat" cmpd="sng" algn="ctr">
-                      <a:solidFill>
-                        <a:schemeClr val="bg1">
-                          <a:lumMod val="85000"/>
-                        </a:schemeClr>
-                      </a:solidFill>
-                      <a:prstDash val="solid"/>
-                      <a:round/>
-                      <a:headEnd type="none" w="med" len="med"/>
-                      <a:tailEnd type="none" w="med" len="med"/>
-                    </a:lnR>
-                    <a:solidFill>
-                      <a:schemeClr val="accent5">
-                        <a:lumMod val="20000"/>
-                        <a:lumOff val="80000"/>
-                      </a:schemeClr>
-                    </a:solidFill>
-                  </a:tcPr>
-                </a:tc>
-                <a:tc>
-                  <a:txBody>
-                    <a:bodyPr/>
-                    <a:lstStyle/>
-                    <a:p>
-                      <a:r>
-                        <a:rPr lang="en-US" sz="1200" dirty="0">
-                          <a:latin typeface="3270-MEDIUM" panose="02000609000000000000" pitchFamily="49" charset="77"/>
-                          <a:ea typeface="3270-MEDIUM" panose="02000609000000000000" pitchFamily="49" charset="77"/>
-                        </a:rPr>
-                        <a:t>Crude, Coal</a:t>
-                      </a:r>
-                    </a:p>
-                  </a:txBody>
-                  <a:tcPr>
-                    <a:lnL w="12700" cap="flat" cmpd="sng" algn="ctr">
-                      <a:solidFill>
-                        <a:schemeClr val="bg1">
-                          <a:lumMod val="85000"/>
-                        </a:schemeClr>
-                      </a:solidFill>
-                      <a:prstDash val="solid"/>
-                      <a:round/>
-                      <a:headEnd type="none" w="med" len="med"/>
-                      <a:tailEnd type="none" w="med" len="med"/>
-                    </a:lnL>
-                    <a:solidFill>
-                      <a:schemeClr val="accent5">
-                        <a:lumMod val="20000"/>
-                        <a:lumOff val="80000"/>
-                      </a:schemeClr>
-                    </a:solidFill>
-                  </a:tcPr>
-                </a:tc>
-                <a:extLst>
-                  <a:ext uri="{0D108BD9-81ED-4DB2-BD59-A6C34878D82A}">
-                    <a16:rowId xmlns:a16="http://schemas.microsoft.com/office/drawing/2014/main" val="4145858562"/>
-                  </a:ext>
-                </a:extLst>
-              </a:tr>
-              <a:tr h="0">
-                <a:tc>
-                  <a:txBody>
-                    <a:bodyPr/>
-                    <a:lstStyle/>
-                    <a:p>
-                      <a:endParaRPr lang="en-US" sz="1200" dirty="0">
-                        <a:latin typeface="3270-MEDIUM" panose="02000609000000000000" pitchFamily="49" charset="77"/>
-                        <a:ea typeface="3270-MEDIUM" panose="02000609000000000000" pitchFamily="49" charset="77"/>
-                      </a:endParaRPr>
-                    </a:p>
-                  </a:txBody>
-                  <a:tcPr>
-                    <a:lnR w="12700" cap="flat" cmpd="sng" algn="ctr">
-                      <a:solidFill>
-                        <a:schemeClr val="bg1">
-                          <a:lumMod val="85000"/>
-                        </a:schemeClr>
-                      </a:solidFill>
-                      <a:prstDash val="solid"/>
-                      <a:round/>
-                      <a:headEnd type="none" w="med" len="med"/>
-                      <a:tailEnd type="none" w="med" len="med"/>
-                    </a:lnR>
-                    <a:solidFill>
-                      <a:schemeClr val="accent5">
-                        <a:lumMod val="20000"/>
-                        <a:lumOff val="80000"/>
-                      </a:schemeClr>
-                    </a:solidFill>
-                  </a:tcPr>
-                </a:tc>
-                <a:tc>
-                  <a:txBody>
-                    <a:bodyPr/>
-                    <a:lstStyle/>
-                    <a:p>
-                      <a:pPr marL="0" marR="0" lvl="0" indent="0" algn="l" defTabSz="914400" rtl="0" eaLnBrk="1" fontAlgn="auto" latinLnBrk="0" hangingPunct="1">
-                        <a:lnSpc>
-                          <a:spcPct val="100000"/>
-                        </a:lnSpc>
-                        <a:spcBef>
-                          <a:spcPts val="0"/>
-                        </a:spcBef>
-                        <a:spcAft>
-                          <a:spcPts val="0"/>
-                        </a:spcAft>
-                        <a:buClrTx/>
-                        <a:buSzTx/>
-                        <a:buFontTx/>
-                        <a:buNone/>
-                        <a:tabLst/>
-                        <a:defRPr/>
-                      </a:pPr>
-                      <a:r>
-                        <a:rPr lang="en-US" sz="1200" dirty="0">
-                          <a:latin typeface="3270-MEDIUM" panose="02000609000000000000" pitchFamily="49" charset="77"/>
-                          <a:ea typeface="3270-MEDIUM" panose="02000609000000000000" pitchFamily="49" charset="77"/>
-                        </a:rPr>
-                        <a:t>Trees, Lumber</a:t>
-                      </a:r>
-                    </a:p>
-                  </a:txBody>
-                  <a:tcPr>
-                    <a:lnL w="12700" cap="flat" cmpd="sng" algn="ctr">
-                      <a:solidFill>
-                        <a:schemeClr val="bg1">
-                          <a:lumMod val="85000"/>
-                        </a:schemeClr>
-                      </a:solidFill>
-                      <a:prstDash val="solid"/>
-                      <a:round/>
-                      <a:headEnd type="none" w="med" len="med"/>
-                      <a:tailEnd type="none" w="med" len="med"/>
-                    </a:lnL>
-                    <a:solidFill>
-                      <a:schemeClr val="accent5">
-                        <a:lumMod val="20000"/>
-                        <a:lumOff val="80000"/>
-                      </a:schemeClr>
-                    </a:solidFill>
-                  </a:tcPr>
-                </a:tc>
-                <a:extLst>
-                  <a:ext uri="{0D108BD9-81ED-4DB2-BD59-A6C34878D82A}">
-                    <a16:rowId xmlns:a16="http://schemas.microsoft.com/office/drawing/2014/main" val="2311641730"/>
-                  </a:ext>
-                </a:extLst>
-              </a:tr>
-              <a:tr h="0">
-                <a:tc>
-                  <a:txBody>
-                    <a:bodyPr/>
-                    <a:lstStyle/>
-                    <a:p>
-                      <a:endParaRPr lang="en-US" sz="1200" dirty="0">
-                        <a:latin typeface="3270-MEDIUM" panose="02000609000000000000" pitchFamily="49" charset="77"/>
-                        <a:ea typeface="3270-MEDIUM" panose="02000609000000000000" pitchFamily="49" charset="77"/>
-                      </a:endParaRPr>
-                    </a:p>
-                  </a:txBody>
-                  <a:tcPr>
-                    <a:lnR w="12700" cap="flat" cmpd="sng" algn="ctr">
-                      <a:solidFill>
-                        <a:schemeClr val="bg1">
-                          <a:lumMod val="85000"/>
-                        </a:schemeClr>
-                      </a:solidFill>
-                      <a:prstDash val="solid"/>
-                      <a:round/>
-                      <a:headEnd type="none" w="med" len="med"/>
-                      <a:tailEnd type="none" w="med" len="med"/>
-                    </a:lnR>
-                    <a:solidFill>
-                      <a:schemeClr val="accent5">
-                        <a:lumMod val="20000"/>
-                        <a:lumOff val="80000"/>
-                      </a:schemeClr>
-                    </a:solidFill>
-                  </a:tcPr>
-                </a:tc>
-                <a:tc>
-                  <a:txBody>
-                    <a:bodyPr/>
-                    <a:lstStyle/>
-                    <a:p>
-                      <a:pPr marL="0" marR="0" lvl="0" indent="0" algn="l" defTabSz="914400" rtl="0" eaLnBrk="1" fontAlgn="auto" latinLnBrk="0" hangingPunct="1">
-                        <a:lnSpc>
-                          <a:spcPct val="100000"/>
-                        </a:lnSpc>
-                        <a:spcBef>
-                          <a:spcPts val="0"/>
-                        </a:spcBef>
-                        <a:spcAft>
-                          <a:spcPts val="0"/>
-                        </a:spcAft>
-                        <a:buClrTx/>
-                        <a:buSzTx/>
-                        <a:buFontTx/>
-                        <a:buNone/>
-                        <a:tabLst/>
-                        <a:defRPr/>
-                      </a:pPr>
-                      <a:r>
-                        <a:rPr lang="en-US" sz="1200" dirty="0">
-                          <a:latin typeface="3270-MEDIUM" panose="02000609000000000000" pitchFamily="49" charset="77"/>
-                          <a:ea typeface="3270-MEDIUM" panose="02000609000000000000" pitchFamily="49" charset="77"/>
-                        </a:rPr>
-                        <a:t>Food, Goods</a:t>
-                      </a:r>
-                    </a:p>
-                  </a:txBody>
-                  <a:tcPr>
-                    <a:lnL w="12700" cap="flat" cmpd="sng" algn="ctr">
-                      <a:solidFill>
-                        <a:schemeClr val="bg1">
-                          <a:lumMod val="85000"/>
-                        </a:schemeClr>
-                      </a:solidFill>
-                      <a:prstDash val="solid"/>
-                      <a:round/>
-                      <a:headEnd type="none" w="med" len="med"/>
-                      <a:tailEnd type="none" w="med" len="med"/>
-                    </a:lnL>
-                    <a:solidFill>
-                      <a:schemeClr val="accent5">
-                        <a:lumMod val="20000"/>
-                        <a:lumOff val="80000"/>
-                      </a:schemeClr>
-                    </a:solidFill>
-                  </a:tcPr>
-                </a:tc>
-                <a:extLst>
-                  <a:ext uri="{0D108BD9-81ED-4DB2-BD59-A6C34878D82A}">
-                    <a16:rowId xmlns:a16="http://schemas.microsoft.com/office/drawing/2014/main" val="2087540763"/>
-                  </a:ext>
-                </a:extLst>
-              </a:tr>
-            </a:tbl>
-          </a:graphicData>
-        </a:graphic>
-      </p:graphicFrame>
-      <p:pic>
-        <p:nvPicPr>
-          <p:cNvPr id="62" name="Graphic 61" descr="Truck with solid fill">
-            <a:extLst>
-              <a:ext uri="{FF2B5EF4-FFF2-40B4-BE49-F238E27FC236}">
-                <a16:creationId xmlns:a16="http://schemas.microsoft.com/office/drawing/2014/main" id="{42932687-BAFC-A949-A9C4-10E20F8B1BD1}"/>
-              </a:ext>
-            </a:extLst>
-          </p:cNvPr>
-          <p:cNvPicPr>
-            <a:picLocks noChangeAspect="1"/>
-          </p:cNvPicPr>
-          <p:nvPr/>
-        </p:nvPicPr>
-        <p:blipFill>
-          <a:blip r:embed="rId8">
-            <a:extLst>
-              <a:ext uri="{28A0092B-C50C-407E-A947-70E740481C1C}">
-                <a14:useLocalDpi xmlns:a14="http://schemas.microsoft.com/office/drawing/2010/main" val="0"/>
-              </a:ext>
-              <a:ext uri="{96DAC541-7B7A-43D3-8B79-37D633B846F1}">
-                <asvg:svgBlip xmlns:asvg="http://schemas.microsoft.com/office/drawing/2016/SVG/main" r:embed="rId9"/>
-              </a:ext>
-            </a:extLst>
-          </a:blip>
-          <a:stretch>
-            <a:fillRect/>
-          </a:stretch>
-        </p:blipFill>
-        <p:spPr>
-          <a:xfrm>
-            <a:off x="3531613" y="3716782"/>
-            <a:ext cx="685800" cy="685800"/>
-          </a:xfrm>
-          <a:prstGeom prst="rect">
-            <a:avLst/>
-          </a:prstGeom>
-        </p:spPr>
-      </p:pic>
-      <p:pic>
-        <p:nvPicPr>
-          <p:cNvPr id="64" name="Graphic 63" descr="Cruise ship with solid fill">
-            <a:extLst>
-              <a:ext uri="{FF2B5EF4-FFF2-40B4-BE49-F238E27FC236}">
-                <a16:creationId xmlns:a16="http://schemas.microsoft.com/office/drawing/2014/main" id="{357EBC3F-C8A8-2A47-A78E-A5F4C1141D67}"/>
-              </a:ext>
-            </a:extLst>
-          </p:cNvPr>
-          <p:cNvPicPr>
-            <a:picLocks noChangeAspect="1"/>
-          </p:cNvPicPr>
-          <p:nvPr/>
-        </p:nvPicPr>
-        <p:blipFill>
-          <a:blip r:embed="rId10">
-            <a:extLst>
-              <a:ext uri="{28A0092B-C50C-407E-A947-70E740481C1C}">
-                <a14:useLocalDpi xmlns:a14="http://schemas.microsoft.com/office/drawing/2010/main" val="0"/>
-              </a:ext>
-              <a:ext uri="{96DAC541-7B7A-43D3-8B79-37D633B846F1}">
-                <asvg:svgBlip xmlns:asvg="http://schemas.microsoft.com/office/drawing/2016/SVG/main" r:embed="rId11"/>
-              </a:ext>
-            </a:extLst>
-          </a:blip>
-          <a:stretch>
-            <a:fillRect/>
-          </a:stretch>
-        </p:blipFill>
-        <p:spPr>
-          <a:xfrm>
-            <a:off x="9281340" y="3710432"/>
-            <a:ext cx="685800" cy="685800"/>
-          </a:xfrm>
-          <a:prstGeom prst="rect">
-            <a:avLst/>
-          </a:prstGeom>
-        </p:spPr>
-      </p:pic>
-      <p:pic>
-        <p:nvPicPr>
-          <p:cNvPr id="66" name="Graphic 65" descr="Crane with solid fill">
-            <a:extLst>
-              <a:ext uri="{FF2B5EF4-FFF2-40B4-BE49-F238E27FC236}">
-                <a16:creationId xmlns:a16="http://schemas.microsoft.com/office/drawing/2014/main" id="{9E6E516C-D4F1-084F-8B11-31DE877A9C45}"/>
-              </a:ext>
-            </a:extLst>
-          </p:cNvPr>
-          <p:cNvPicPr>
-            <a:picLocks noChangeAspect="1"/>
-          </p:cNvPicPr>
-          <p:nvPr/>
-        </p:nvPicPr>
-        <p:blipFill>
-          <a:blip r:embed="rId12">
-            <a:extLst>
-              <a:ext uri="{28A0092B-C50C-407E-A947-70E740481C1C}">
-                <a14:useLocalDpi xmlns:a14="http://schemas.microsoft.com/office/drawing/2010/main" val="0"/>
-              </a:ext>
-              <a:ext uri="{96DAC541-7B7A-43D3-8B79-37D633B846F1}">
-                <asvg:svgBlip xmlns:asvg="http://schemas.microsoft.com/office/drawing/2016/SVG/main" r:embed="rId13"/>
-              </a:ext>
-            </a:extLst>
-          </a:blip>
-          <a:stretch>
-            <a:fillRect/>
-          </a:stretch>
-        </p:blipFill>
-        <p:spPr>
-          <a:xfrm>
-            <a:off x="9281340" y="648970"/>
-            <a:ext cx="685800" cy="685800"/>
-          </a:xfrm>
-          <a:prstGeom prst="rect">
-            <a:avLst/>
-          </a:prstGeom>
-        </p:spPr>
-      </p:pic>
-      <p:pic>
-        <p:nvPicPr>
-          <p:cNvPr id="68" name="Graphic 67" descr="Airplane with solid fill">
-            <a:extLst>
-              <a:ext uri="{FF2B5EF4-FFF2-40B4-BE49-F238E27FC236}">
-                <a16:creationId xmlns:a16="http://schemas.microsoft.com/office/drawing/2014/main" id="{0FC2A63A-381B-714E-9095-52F6465B3C49}"/>
-              </a:ext>
-            </a:extLst>
-          </p:cNvPr>
-          <p:cNvPicPr>
-            <a:picLocks noChangeAspect="1"/>
-          </p:cNvPicPr>
-          <p:nvPr/>
-        </p:nvPicPr>
-        <p:blipFill>
-          <a:blip r:embed="rId14">
-            <a:extLst>
-              <a:ext uri="{28A0092B-C50C-407E-A947-70E740481C1C}">
-                <a14:useLocalDpi xmlns:a14="http://schemas.microsoft.com/office/drawing/2010/main" val="0"/>
-              </a:ext>
-              <a:ext uri="{96DAC541-7B7A-43D3-8B79-37D633B846F1}">
-                <asvg:svgBlip xmlns:asvg="http://schemas.microsoft.com/office/drawing/2016/SVG/main" r:embed="rId15"/>
-              </a:ext>
-            </a:extLst>
-          </a:blip>
-          <a:stretch>
-            <a:fillRect/>
-          </a:stretch>
-        </p:blipFill>
-        <p:spPr>
-          <a:xfrm>
-            <a:off x="6400800" y="3730752"/>
-            <a:ext cx="685800" cy="685800"/>
-          </a:xfrm>
-          <a:prstGeom prst="rect">
-            <a:avLst/>
-          </a:prstGeom>
-        </p:spPr>
-      </p:pic>
-      <p:pic>
-        <p:nvPicPr>
-          <p:cNvPr id="70" name="Graphic 69" descr="Fuel with solid fill">
-            <a:extLst>
-              <a:ext uri="{FF2B5EF4-FFF2-40B4-BE49-F238E27FC236}">
-                <a16:creationId xmlns:a16="http://schemas.microsoft.com/office/drawing/2014/main" id="{CA7BFAA6-29AE-E847-B976-EEBAC8929D90}"/>
-              </a:ext>
-            </a:extLst>
-          </p:cNvPr>
-          <p:cNvPicPr>
-            <a:picLocks noChangeAspect="1"/>
-          </p:cNvPicPr>
-          <p:nvPr/>
-        </p:nvPicPr>
-        <p:blipFill>
-          <a:blip r:embed="rId16">
-            <a:extLst>
-              <a:ext uri="{28A0092B-C50C-407E-A947-70E740481C1C}">
-                <a14:useLocalDpi xmlns:a14="http://schemas.microsoft.com/office/drawing/2010/main" val="0"/>
-              </a:ext>
-              <a:ext uri="{96DAC541-7B7A-43D3-8B79-37D633B846F1}">
-                <asvg:svgBlip xmlns:asvg="http://schemas.microsoft.com/office/drawing/2016/SVG/main" r:embed="rId17"/>
-              </a:ext>
-            </a:extLst>
-          </a:blip>
-          <a:stretch>
-            <a:fillRect/>
-          </a:stretch>
-        </p:blipFill>
-        <p:spPr>
-          <a:xfrm>
-            <a:off x="3531613" y="648970"/>
-            <a:ext cx="685800" cy="685800"/>
-          </a:xfrm>
-          <a:prstGeom prst="rect">
-            <a:avLst/>
-          </a:prstGeom>
-        </p:spPr>
-      </p:pic>
-    </p:spTree>
-    <p:extLst>
-      <p:ext uri="{BB962C8B-B14F-4D97-AF65-F5344CB8AC3E}">
-        <p14:creationId xmlns:p14="http://schemas.microsoft.com/office/powerpoint/2010/main" val="6866705"/>
-      </p:ext>
-    </p:extLst>
-  </p:cSld>
-  <p:clrMapOvr>
-    <a:masterClrMapping/>
-  </p:clrMapOvr>
-</p:sld>
-</file>
-
-<file path=ppt/slides/slide6.xml><?xml version="1.0" encoding="utf-8"?>
 <p:sld xmlns:a="http://schemas.openxmlformats.org/drawingml/2006/main" xmlns:r="http://schemas.openxmlformats.org/officeDocument/2006/relationships" xmlns:p="http://schemas.openxmlformats.org/presentationml/2006/main">
   <p:cSld>
     <p:spTree>
@@ -27449,7 +22982,7 @@
 </p:sld>
 </file>
 
-<file path=ppt/slides/slide7.xml><?xml version="1.0" encoding="utf-8"?>
+<file path=ppt/slides/slide6.xml><?xml version="1.0" encoding="utf-8"?>
 <p:sld xmlns:a="http://schemas.openxmlformats.org/drawingml/2006/main" xmlns:r="http://schemas.openxmlformats.org/officeDocument/2006/relationships" xmlns:p="http://schemas.openxmlformats.org/presentationml/2006/main">
   <p:cSld>
     <p:spTree>
@@ -27481,13 +23014,13 @@
           <p:nvPr>
             <p:extLst>
               <p:ext uri="{D42A27DB-BD31-4B8C-83A1-F6EECF244321}">
-                <p14:modId xmlns:p14="http://schemas.microsoft.com/office/powerpoint/2010/main" val="2596446911"/>
+                <p14:modId xmlns:p14="http://schemas.microsoft.com/office/powerpoint/2010/main" val="1762884486"/>
               </p:ext>
             </p:extLst>
           </p:nvPr>
         </p:nvGraphicFramePr>
         <p:xfrm>
-          <a:off x="512064" y="576072"/>
+          <a:off x="3102864" y="1963714"/>
           <a:ext cx="2570972" cy="2536190"/>
         </p:xfrm>
         <a:graphic>
@@ -28013,7 +23546,7 @@
         </p:blipFill>
         <p:spPr>
           <a:xfrm>
-            <a:off x="637673" y="656590"/>
+            <a:off x="3228473" y="2044232"/>
             <a:ext cx="760668" cy="685800"/>
           </a:xfrm>
           <a:prstGeom prst="rect">
@@ -28036,13 +23569,13 @@
           <p:nvPr>
             <p:extLst>
               <p:ext uri="{D42A27DB-BD31-4B8C-83A1-F6EECF244321}">
-                <p14:modId xmlns:p14="http://schemas.microsoft.com/office/powerpoint/2010/main" val="849530126"/>
+                <p14:modId xmlns:p14="http://schemas.microsoft.com/office/powerpoint/2010/main" val="2011797003"/>
               </p:ext>
             </p:extLst>
           </p:nvPr>
         </p:nvGraphicFramePr>
         <p:xfrm>
-          <a:off x="3410712" y="576072"/>
+          <a:off x="6001512" y="1963714"/>
           <a:ext cx="2570972" cy="2536190"/>
         </p:xfrm>
         <a:graphic>
@@ -28562,7 +24095,7 @@
         </p:blipFill>
         <p:spPr>
           <a:xfrm>
-            <a:off x="3556479" y="656590"/>
+            <a:off x="6147279" y="2044232"/>
             <a:ext cx="760668" cy="685800"/>
           </a:xfrm>
           <a:prstGeom prst="rect">
@@ -28879,9 +24412,12 @@
 </file>
 
 <file path=customXml/item1.xml><?xml version="1.0" encoding="utf-8"?>
-<p:properties xmlns:p="http://schemas.microsoft.com/office/2006/metadata/properties" xmlns:xsi="http://www.w3.org/2001/XMLSchema-instance" xmlns:pc="http://schemas.microsoft.com/office/infopath/2007/PartnerControls">
-  <documentManagement/>
-</p:properties>
+<?mso-contentType ?>
+<FormTemplates xmlns="http://schemas.microsoft.com/sharepoint/v3/contenttype/forms">
+  <Display>DocumentLibraryForm</Display>
+  <Edit>DocumentLibraryForm</Edit>
+  <New>DocumentLibraryForm</New>
+</FormTemplates>
 </file>
 
 <file path=customXml/item2.xml><?xml version="1.0" encoding="utf-8"?>
@@ -29108,27 +24644,15 @@
 </file>
 
 <file path=customXml/item3.xml><?xml version="1.0" encoding="utf-8"?>
-<?mso-contentType ?>
-<FormTemplates xmlns="http://schemas.microsoft.com/sharepoint/v3/contenttype/forms">
-  <Display>DocumentLibraryForm</Display>
-  <Edit>DocumentLibraryForm</Edit>
-  <New>DocumentLibraryForm</New>
-</FormTemplates>
+<p:properties xmlns:p="http://schemas.microsoft.com/office/2006/metadata/properties" xmlns:xsi="http://www.w3.org/2001/XMLSchema-instance" xmlns:pc="http://schemas.microsoft.com/office/infopath/2007/PartnerControls">
+  <documentManagement/>
+</p:properties>
 </file>
 
 <file path=customXml/itemProps1.xml><?xml version="1.0" encoding="utf-8"?>
-<ds:datastoreItem xmlns:ds="http://schemas.openxmlformats.org/officeDocument/2006/customXml" ds:itemID="{556E7FEB-D254-44C6-BFCB-FFE130010007}">
+<ds:datastoreItem xmlns:ds="http://schemas.openxmlformats.org/officeDocument/2006/customXml" ds:itemID="{170A35C0-7EA7-46DE-9479-911CC97A43B0}">
   <ds:schemaRefs>
-    <ds:schemaRef ds:uri="http://schemas.microsoft.com/office/2006/documentManagement/types"/>
-    <ds:schemaRef ds:uri="http://www.w3.org/XML/1998/namespace"/>
-    <ds:schemaRef ds:uri="http://purl.org/dc/elements/1.1/"/>
-    <ds:schemaRef ds:uri="http://schemas.microsoft.com/office/infopath/2007/PartnerControls"/>
-    <ds:schemaRef ds:uri="5338a460-e029-42e5-b663-835cf590d702"/>
-    <ds:schemaRef ds:uri="http://purl.org/dc/dcmitype/"/>
-    <ds:schemaRef ds:uri="http://schemas.openxmlformats.org/package/2006/metadata/core-properties"/>
-    <ds:schemaRef ds:uri="1ba648b2-ed19-406a-aaa4-20fcd3e2fab1"/>
-    <ds:schemaRef ds:uri="http://schemas.microsoft.com/office/2006/metadata/properties"/>
-    <ds:schemaRef ds:uri="http://purl.org/dc/terms/"/>
+    <ds:schemaRef ds:uri="http://schemas.microsoft.com/sharepoint/v3/contenttype/forms"/>
   </ds:schemaRefs>
 </ds:datastoreItem>
 </file>
@@ -29153,9 +24677,18 @@
 </file>
 
 <file path=customXml/itemProps3.xml><?xml version="1.0" encoding="utf-8"?>
-<ds:datastoreItem xmlns:ds="http://schemas.openxmlformats.org/officeDocument/2006/customXml" ds:itemID="{170A35C0-7EA7-46DE-9479-911CC97A43B0}">
+<ds:datastoreItem xmlns:ds="http://schemas.openxmlformats.org/officeDocument/2006/customXml" ds:itemID="{556E7FEB-D254-44C6-BFCB-FFE130010007}">
   <ds:schemaRefs>
-    <ds:schemaRef ds:uri="http://schemas.microsoft.com/sharepoint/v3/contenttype/forms"/>
+    <ds:schemaRef ds:uri="http://schemas.microsoft.com/office/2006/documentManagement/types"/>
+    <ds:schemaRef ds:uri="http://www.w3.org/XML/1998/namespace"/>
+    <ds:schemaRef ds:uri="http://purl.org/dc/elements/1.1/"/>
+    <ds:schemaRef ds:uri="http://schemas.microsoft.com/office/infopath/2007/PartnerControls"/>
+    <ds:schemaRef ds:uri="5338a460-e029-42e5-b663-835cf590d702"/>
+    <ds:schemaRef ds:uri="http://purl.org/dc/dcmitype/"/>
+    <ds:schemaRef ds:uri="http://schemas.openxmlformats.org/package/2006/metadata/core-properties"/>
+    <ds:schemaRef ds:uri="1ba648b2-ed19-406a-aaa4-20fcd3e2fab1"/>
+    <ds:schemaRef ds:uri="http://schemas.microsoft.com/office/2006/metadata/properties"/>
+    <ds:schemaRef ds:uri="http://purl.org/dc/terms/"/>
   </ds:schemaRefs>
 </ds:datastoreItem>
 </file>
--- a/v3/assets/map/Default.pptx
+++ b/v3/assets/map/Default.pptx
@@ -15389,7 +15389,7 @@
           <p:nvPr>
             <p:extLst>
               <p:ext uri="{D42A27DB-BD31-4B8C-83A1-F6EECF244321}">
-                <p14:modId xmlns:p14="http://schemas.microsoft.com/office/powerpoint/2010/main" val="2760599569"/>
+                <p14:modId xmlns:p14="http://schemas.microsoft.com/office/powerpoint/2010/main" val="575600835"/>
               </p:ext>
             </p:extLst>
           </p:nvPr>
@@ -17923,7 +17923,7 @@
                     <a:lstStyle/>
                     <a:p>
                       <a:pPr algn="ctr"/>
-                      <a:endParaRPr lang="en-US" sz="800">
+                      <a:endParaRPr lang="en-US" sz="800" dirty="0">
                         <a:latin typeface="3270-MEDIUM" panose="02000609000000000000" pitchFamily="49" charset="77"/>
                         <a:ea typeface="3270-MEDIUM" panose="02000609000000000000" pitchFamily="49" charset="77"/>
                       </a:endParaRPr>
@@ -18037,7 +18037,7 @@
                       <a:tailEnd type="none" w="med" len="med"/>
                     </a:lnB>
                     <a:solidFill>
-                      <a:schemeClr val="accent6"/>
+                      <a:schemeClr val="accent1"/>
                     </a:solidFill>
                   </a:tcPr>
                 </a:tc>
@@ -18831,7 +18831,7 @@
                     <a:lstStyle/>
                     <a:p>
                       <a:pPr algn="ctr"/>
-                      <a:endParaRPr lang="en-US" sz="800">
+                      <a:endParaRPr lang="en-US" sz="800" dirty="0">
                         <a:latin typeface="3270-MEDIUM" panose="02000609000000000000" pitchFamily="49" charset="77"/>
                         <a:ea typeface="3270-MEDIUM" panose="02000609000000000000" pitchFamily="49" charset="77"/>
                       </a:endParaRPr>
@@ -18883,7 +18883,7 @@
                       <a:tailEnd type="none" w="med" len="med"/>
                     </a:lnB>
                     <a:solidFill>
-                      <a:schemeClr val="accent6"/>
+                      <a:schemeClr val="accent1"/>
                     </a:solidFill>
                   </a:tcPr>
                 </a:tc>
@@ -19790,7 +19790,7 @@
                       <a:tailEnd type="none" w="med" len="med"/>
                     </a:lnB>
                     <a:solidFill>
-                      <a:schemeClr val="accent6"/>
+                      <a:schemeClr val="accent1"/>
                     </a:solidFill>
                   </a:tcPr>
                 </a:tc>
@@ -22773,7 +22773,7 @@
                       <a:tailEnd type="none" w="med" len="med"/>
                     </a:lnB>
                     <a:solidFill>
-                      <a:schemeClr val="accent6"/>
+                      <a:schemeClr val="accent1"/>
                     </a:solidFill>
                   </a:tcPr>
                 </a:tc>

--- a/v3/assets/map/Default.pptx
+++ b/v3/assets/map/Default.pptx
@@ -15389,7 +15389,7 @@
           <p:nvPr>
             <p:extLst>
               <p:ext uri="{D42A27DB-BD31-4B8C-83A1-F6EECF244321}">
-                <p14:modId xmlns:p14="http://schemas.microsoft.com/office/powerpoint/2010/main" val="575600835"/>
+                <p14:modId xmlns:p14="http://schemas.microsoft.com/office/powerpoint/2010/main" val="371652604"/>
               </p:ext>
             </p:extLst>
           </p:nvPr>
@@ -19431,68 +19431,6 @@
                     <a:bodyPr/>
                     <a:lstStyle/>
                     <a:p>
-                      <a:pPr algn="ctr"/>
-                      <a:endParaRPr lang="en-US" sz="800">
-                        <a:latin typeface="3270-MEDIUM" panose="02000609000000000000" pitchFamily="49" charset="77"/>
-                        <a:ea typeface="3270-MEDIUM" panose="02000609000000000000" pitchFamily="49" charset="77"/>
-                      </a:endParaRPr>
-                    </a:p>
-                  </a:txBody>
-                  <a:tcPr anchor="ctr">
-                    <a:lnL w="12700" cap="flat" cmpd="sng" algn="ctr">
-                      <a:solidFill>
-                        <a:srgbClr val="44546A">
-                          <a:alpha val="25098"/>
-                        </a:srgbClr>
-                      </a:solidFill>
-                      <a:prstDash val="solid"/>
-                      <a:round/>
-                      <a:headEnd type="none" w="med" len="med"/>
-                      <a:tailEnd type="none" w="med" len="med"/>
-                    </a:lnL>
-                    <a:lnR w="12700" cap="flat" cmpd="sng" algn="ctr">
-                      <a:solidFill>
-                        <a:srgbClr val="44546A">
-                          <a:alpha val="25098"/>
-                        </a:srgbClr>
-                      </a:solidFill>
-                      <a:prstDash val="solid"/>
-                      <a:round/>
-                      <a:headEnd type="none" w="med" len="med"/>
-                      <a:tailEnd type="none" w="med" len="med"/>
-                    </a:lnR>
-                    <a:lnT w="12700" cap="flat" cmpd="sng" algn="ctr">
-                      <a:solidFill>
-                        <a:srgbClr val="44546A">
-                          <a:alpha val="25098"/>
-                        </a:srgbClr>
-                      </a:solidFill>
-                      <a:prstDash val="solid"/>
-                      <a:round/>
-                      <a:headEnd type="none" w="med" len="med"/>
-                      <a:tailEnd type="none" w="med" len="med"/>
-                    </a:lnT>
-                    <a:lnB w="12700" cap="flat" cmpd="sng" algn="ctr">
-                      <a:solidFill>
-                        <a:srgbClr val="44546A">
-                          <a:alpha val="25098"/>
-                        </a:srgbClr>
-                      </a:solidFill>
-                      <a:prstDash val="solid"/>
-                      <a:round/>
-                      <a:headEnd type="none" w="med" len="med"/>
-                      <a:tailEnd type="none" w="med" len="med"/>
-                    </a:lnB>
-                    <a:solidFill>
-                      <a:schemeClr val="accent6"/>
-                    </a:solidFill>
-                  </a:tcPr>
-                </a:tc>
-                <a:tc>
-                  <a:txBody>
-                    <a:bodyPr/>
-                    <a:lstStyle/>
-                    <a:p>
                       <a:pPr marL="0" marR="0" lvl="0" indent="0" algn="ctr" defTabSz="914400" rtl="0" eaLnBrk="1" fontAlgn="auto" latinLnBrk="0" hangingPunct="1">
                         <a:lnSpc>
                           <a:spcPct val="100000"/>
@@ -19543,6 +19481,84 @@
                         </a:rPr>
                         <a:t>0</a:t>
                       </a:r>
+                    </a:p>
+                  </a:txBody>
+                  <a:tcPr anchor="ctr">
+                    <a:lnL w="12700" cap="flat" cmpd="sng" algn="ctr">
+                      <a:solidFill>
+                        <a:srgbClr val="44546A">
+                          <a:alpha val="25098"/>
+                        </a:srgbClr>
+                      </a:solidFill>
+                      <a:prstDash val="solid"/>
+                      <a:round/>
+                      <a:headEnd type="none" w="med" len="med"/>
+                      <a:tailEnd type="none" w="med" len="med"/>
+                    </a:lnL>
+                    <a:lnR w="12700" cap="flat" cmpd="sng" algn="ctr">
+                      <a:solidFill>
+                        <a:srgbClr val="44546A">
+                          <a:alpha val="25098"/>
+                        </a:srgbClr>
+                      </a:solidFill>
+                      <a:prstDash val="solid"/>
+                      <a:round/>
+                      <a:headEnd type="none" w="med" len="med"/>
+                      <a:tailEnd type="none" w="med" len="med"/>
+                    </a:lnR>
+                    <a:lnT w="12700" cap="flat" cmpd="sng" algn="ctr">
+                      <a:solidFill>
+                        <a:srgbClr val="44546A">
+                          <a:alpha val="25098"/>
+                        </a:srgbClr>
+                      </a:solidFill>
+                      <a:prstDash val="solid"/>
+                      <a:round/>
+                      <a:headEnd type="none" w="med" len="med"/>
+                      <a:tailEnd type="none" w="med" len="med"/>
+                    </a:lnT>
+                    <a:lnB w="12700" cap="flat" cmpd="sng" algn="ctr">
+                      <a:solidFill>
+                        <a:srgbClr val="44546A">
+                          <a:alpha val="25098"/>
+                        </a:srgbClr>
+                      </a:solidFill>
+                      <a:prstDash val="solid"/>
+                      <a:round/>
+                      <a:headEnd type="none" w="med" len="med"/>
+                      <a:tailEnd type="none" w="med" len="med"/>
+                    </a:lnB>
+                    <a:solidFill>
+                      <a:schemeClr val="accent6"/>
+                    </a:solidFill>
+                  </a:tcPr>
+                </a:tc>
+                <a:tc>
+                  <a:txBody>
+                    <a:bodyPr/>
+                    <a:lstStyle/>
+                    <a:p>
+                      <a:pPr marL="0" marR="0" lvl="0" indent="0" algn="ctr" defTabSz="914400" rtl="0" eaLnBrk="1" fontAlgn="auto" latinLnBrk="0" hangingPunct="1">
+                        <a:lnSpc>
+                          <a:spcPct val="100000"/>
+                        </a:lnSpc>
+                        <a:spcBef>
+                          <a:spcPts val="0"/>
+                        </a:spcBef>
+                        <a:spcAft>
+                          <a:spcPts val="0"/>
+                        </a:spcAft>
+                        <a:buClrTx/>
+                        <a:buSzTx/>
+                        <a:buFontTx/>
+                        <a:buNone/>
+                        <a:tabLst/>
+                        <a:defRPr/>
+                      </a:pPr>
+                      <a:endParaRPr lang="en-US" sz="800" dirty="0">
+                        <a:latin typeface="3270-MEDIUM" panose="02000609000000000000" pitchFamily="49" charset="77"/>
+                        <a:ea typeface="3270-MEDIUM" panose="02000609000000000000" pitchFamily="49" charset="77"/>
+                      </a:endParaRPr>
                     </a:p>
                   </a:txBody>
                   <a:tcPr anchor="ctr">
@@ -26714,7 +26730,7 @@
           <p:nvPr>
             <p:extLst>
               <p:ext uri="{D42A27DB-BD31-4B8C-83A1-F6EECF244321}">
-                <p14:modId xmlns:p14="http://schemas.microsoft.com/office/powerpoint/2010/main" val="2464628435"/>
+                <p14:modId xmlns:p14="http://schemas.microsoft.com/office/powerpoint/2010/main" val="2568890260"/>
               </p:ext>
             </p:extLst>
           </p:nvPr>
@@ -28772,7 +28788,7 @@
                           <a:ea typeface="Liberation Sans" panose="020B0604020202020204" pitchFamily="34" charset="0"/>
                           <a:cs typeface="Liberation Sans" panose="020B0604020202020204" pitchFamily="34" charset="0"/>
                         </a:rPr>
-                        <a:t>6</a:t>
+                        <a:t>5</a:t>
                       </a:r>
                     </a:p>
                   </a:txBody>
